--- a/Presentation/ppt9 Transformer2.pptx
+++ b/Presentation/ppt9 Transformer2.pptx
@@ -5,16 +5,20 @@
     <p:sldMasterId id="2147483660" r:id="rId4"/>
   </p:sldMasterIdLst>
   <p:notesMasterIdLst>
-    <p:notesMasterId r:id="rId9"/>
+    <p:notesMasterId r:id="rId13"/>
   </p:notesMasterIdLst>
   <p:handoutMasterIdLst>
-    <p:handoutMasterId r:id="rId10"/>
+    <p:handoutMasterId r:id="rId14"/>
   </p:handoutMasterIdLst>
   <p:sldIdLst>
     <p:sldId id="298" r:id="rId5"/>
-    <p:sldId id="309" r:id="rId6"/>
-    <p:sldId id="311" r:id="rId7"/>
-    <p:sldId id="310" r:id="rId8"/>
+    <p:sldId id="313" r:id="rId6"/>
+    <p:sldId id="309" r:id="rId7"/>
+    <p:sldId id="311" r:id="rId8"/>
+    <p:sldId id="312" r:id="rId9"/>
+    <p:sldId id="314" r:id="rId10"/>
+    <p:sldId id="315" r:id="rId11"/>
+    <p:sldId id="310" r:id="rId12"/>
   </p:sldIdLst>
   <p:sldSz cx="12192000" cy="6858000"/>
   <p:notesSz cx="6858000" cy="9144000"/>
@@ -212,7 +216,7 @@
                 <a:latin typeface="Meiryo UI" panose="020B0604030504040204" pitchFamily="50" charset="-128"/>
                 <a:ea typeface="Meiryo UI" panose="020B0604030504040204" pitchFamily="50" charset="-128"/>
               </a:rPr>
-              <a:t>2023/5/9</a:t>
+              <a:t>2023/5/11</a:t>
             </a:fld>
             <a:endParaRPr kumimoji="1" lang="ja-JP" altLang="en-US" dirty="0">
               <a:latin typeface="Meiryo UI" panose="020B0604030504040204" pitchFamily="50" charset="-128"/>
@@ -396,7 +400,7 @@
             <a:fld id="{D5D0D523-8CFC-4A67-BC17-72B1EE12365D}" type="datetime1">
               <a:rPr kumimoji="1" lang="ja-JP" altLang="en-US" smtClean="0"/>
               <a:pPr/>
-              <a:t>2023/5/9</a:t>
+              <a:t>2023/5/11</a:t>
             </a:fld>
             <a:endParaRPr kumimoji="1" lang="ja-JP" altLang="en-US" dirty="0"/>
           </a:p>
@@ -4761,6 +4765,226 @@
 </file>
 
 <file path=ppt/slides/slide2.xml><?xml version="1.0" encoding="utf-8"?>
+<p:sld xmlns:a="http://schemas.openxmlformats.org/drawingml/2006/main" xmlns:r="http://schemas.openxmlformats.org/officeDocument/2006/relationships" xmlns:p="http://schemas.openxmlformats.org/presentationml/2006/main">
+  <p:cSld>
+    <p:spTree>
+      <p:nvGrpSpPr>
+        <p:cNvPr id="1" name=""/>
+        <p:cNvGrpSpPr/>
+        <p:nvPr/>
+      </p:nvGrpSpPr>
+      <p:grpSpPr>
+        <a:xfrm>
+          <a:off x="0" y="0"/>
+          <a:ext cx="0" cy="0"/>
+          <a:chOff x="0" y="0"/>
+          <a:chExt cx="0" cy="0"/>
+        </a:xfrm>
+      </p:grpSpPr>
+      <p:sp>
+        <p:nvSpPr>
+          <p:cNvPr id="2" name="タイトル 1">
+            <a:extLst>
+              <a:ext uri="{FF2B5EF4-FFF2-40B4-BE49-F238E27FC236}">
+                <a16:creationId xmlns:a16="http://schemas.microsoft.com/office/drawing/2014/main" id="{2F038CAD-61BD-5611-7184-3D5B6E244176}"/>
+              </a:ext>
+            </a:extLst>
+          </p:cNvPr>
+          <p:cNvSpPr>
+            <a:spLocks noGrp="1"/>
+          </p:cNvSpPr>
+          <p:nvPr>
+            <p:ph type="title"/>
+          </p:nvPr>
+        </p:nvSpPr>
+        <p:spPr/>
+        <p:txBody>
+          <a:bodyPr/>
+          <a:lstStyle/>
+          <a:p>
+            <a:r>
+              <a:rPr kumimoji="1" lang="en-US" altLang="ja-JP" dirty="0" err="1"/>
+              <a:t>Trasformer</a:t>
+            </a:r>
+            <a:r>
+              <a:rPr kumimoji="1" lang="en-US" altLang="ja-JP" dirty="0"/>
+              <a:t> </a:t>
+            </a:r>
+            <a:r>
+              <a:rPr kumimoji="1" lang="ja-JP" altLang="en-US" dirty="0"/>
+              <a:t>の構造</a:t>
+            </a:r>
+          </a:p>
+        </p:txBody>
+      </p:sp>
+      <p:sp>
+        <p:nvSpPr>
+          <p:cNvPr id="3" name="コンテンツ プレースホルダー 2">
+            <a:extLst>
+              <a:ext uri="{FF2B5EF4-FFF2-40B4-BE49-F238E27FC236}">
+                <a16:creationId xmlns:a16="http://schemas.microsoft.com/office/drawing/2014/main" id="{488EEFBD-A049-C8B2-0A83-B026E13BB7A2}"/>
+              </a:ext>
+            </a:extLst>
+          </p:cNvPr>
+          <p:cNvSpPr>
+            <a:spLocks noGrp="1"/>
+          </p:cNvSpPr>
+          <p:nvPr>
+            <p:ph idx="1"/>
+          </p:nvPr>
+        </p:nvSpPr>
+        <p:spPr>
+          <a:xfrm>
+            <a:off x="1097280" y="2108201"/>
+            <a:ext cx="5970784" cy="4131312"/>
+          </a:xfrm>
+        </p:spPr>
+        <p:txBody>
+          <a:bodyPr/>
+          <a:lstStyle/>
+          <a:p>
+            <a:endParaRPr kumimoji="1" lang="ja-JP" altLang="en-US" dirty="0"/>
+          </a:p>
+        </p:txBody>
+      </p:sp>
+      <p:grpSp>
+        <p:nvGrpSpPr>
+          <p:cNvPr id="10" name="グループ化 9">
+            <a:extLst>
+              <a:ext uri="{FF2B5EF4-FFF2-40B4-BE49-F238E27FC236}">
+                <a16:creationId xmlns:a16="http://schemas.microsoft.com/office/drawing/2014/main" id="{84D7DE71-2ABE-FE16-4AE8-C56FD598A794}"/>
+              </a:ext>
+            </a:extLst>
+          </p:cNvPr>
+          <p:cNvGrpSpPr/>
+          <p:nvPr/>
+        </p:nvGrpSpPr>
+        <p:grpSpPr>
+          <a:xfrm>
+            <a:off x="7068064" y="618486"/>
+            <a:ext cx="4087616" cy="5621027"/>
+            <a:chOff x="7098475" y="749406"/>
+            <a:chExt cx="4226011" cy="5603255"/>
+          </a:xfrm>
+        </p:grpSpPr>
+        <p:pic>
+          <p:nvPicPr>
+            <p:cNvPr id="5" name="Picture 2">
+              <a:extLst>
+                <a:ext uri="{FF2B5EF4-FFF2-40B4-BE49-F238E27FC236}">
+                  <a16:creationId xmlns:a16="http://schemas.microsoft.com/office/drawing/2014/main" id="{3BE8E425-0806-C999-0DE6-428F38920A3B}"/>
+                </a:ext>
+              </a:extLst>
+            </p:cNvPr>
+            <p:cNvPicPr>
+              <a:picLocks noChangeAspect="1" noChangeArrowheads="1"/>
+            </p:cNvPicPr>
+            <p:nvPr/>
+          </p:nvPicPr>
+          <p:blipFill>
+            <a:blip r:embed="rId2">
+              <a:extLst>
+                <a:ext uri="{28A0092B-C50C-407E-A947-70E740481C1C}">
+                  <a14:useLocalDpi xmlns:a14="http://schemas.microsoft.com/office/drawing/2010/main" val="0"/>
+                </a:ext>
+              </a:extLst>
+            </a:blip>
+            <a:srcRect/>
+            <a:stretch>
+              <a:fillRect/>
+            </a:stretch>
+          </p:blipFill>
+          <p:spPr bwMode="auto">
+            <a:xfrm>
+              <a:off x="7396393" y="749406"/>
+              <a:ext cx="3630176" cy="5349732"/>
+            </a:xfrm>
+            <a:prstGeom prst="rect">
+              <a:avLst/>
+            </a:prstGeom>
+            <a:noFill/>
+            <a:extLst>
+              <a:ext uri="{909E8E84-426E-40DD-AFC4-6F175D3DCCD1}">
+                <a14:hiddenFill xmlns:a14="http://schemas.microsoft.com/office/drawing/2010/main">
+                  <a:solidFill>
+                    <a:srgbClr val="FFFFFF"/>
+                  </a:solidFill>
+                </a14:hiddenFill>
+              </a:ext>
+            </a:extLst>
+          </p:spPr>
+        </p:pic>
+        <p:sp>
+          <p:nvSpPr>
+            <p:cNvPr id="9" name="TextBox 11">
+              <a:extLst>
+                <a:ext uri="{FF2B5EF4-FFF2-40B4-BE49-F238E27FC236}">
+                  <a16:creationId xmlns:a16="http://schemas.microsoft.com/office/drawing/2014/main" id="{675E9C25-1EC4-A1B1-AB30-B0B117084DDE}"/>
+                </a:ext>
+              </a:extLst>
+            </p:cNvPr>
+            <p:cNvSpPr txBox="1"/>
+            <p:nvPr/>
+          </p:nvSpPr>
+          <p:spPr>
+            <a:xfrm>
+              <a:off x="7098475" y="6075662"/>
+              <a:ext cx="4226011" cy="276999"/>
+            </a:xfrm>
+            <a:prstGeom prst="rect">
+              <a:avLst/>
+            </a:prstGeom>
+            <a:noFill/>
+          </p:spPr>
+          <p:txBody>
+            <a:bodyPr wrap="square">
+              <a:spAutoFit/>
+            </a:bodyPr>
+            <a:lstStyle/>
+            <a:p>
+              <a:pPr algn="ctr"/>
+              <a:r>
+                <a:rPr lang="en-US" altLang="ko-KR" sz="1200" b="0" i="0" dirty="0">
+                  <a:solidFill>
+                    <a:schemeClr val="tx1">
+                      <a:lumMod val="75000"/>
+                      <a:lumOff val="25000"/>
+                    </a:schemeClr>
+                  </a:solidFill>
+                  <a:effectLst/>
+                  <a:latin typeface="Noto Sans CJK KR Regular" panose="020B0500000000000000" pitchFamily="34" charset="-128"/>
+                  <a:ea typeface="Noto Sans CJK KR Regular" panose="020B0500000000000000" pitchFamily="34" charset="-128"/>
+                </a:rPr>
+                <a:t>Vaswani, Ashish et al. “Attention is All you Need” (2017)</a:t>
+              </a:r>
+              <a:endParaRPr lang="en-US" altLang="ja-JP" sz="1200" dirty="0">
+                <a:solidFill>
+                  <a:schemeClr val="tx1">
+                    <a:lumMod val="75000"/>
+                    <a:lumOff val="25000"/>
+                  </a:schemeClr>
+                </a:solidFill>
+                <a:latin typeface="Noto Sans CJK KR Regular" panose="020B0500000000000000" pitchFamily="34" charset="-128"/>
+                <a:ea typeface="Noto Sans CJK KR Regular" panose="020B0500000000000000" pitchFamily="34" charset="-128"/>
+              </a:endParaRPr>
+            </a:p>
+          </p:txBody>
+        </p:sp>
+      </p:grpSp>
+    </p:spTree>
+    <p:extLst>
+      <p:ext uri="{BB962C8B-B14F-4D97-AF65-F5344CB8AC3E}">
+        <p14:creationId xmlns:p14="http://schemas.microsoft.com/office/powerpoint/2010/main" val="1241192819"/>
+      </p:ext>
+    </p:extLst>
+  </p:cSld>
+  <p:clrMapOvr>
+    <a:masterClrMapping/>
+  </p:clrMapOvr>
+</p:sld>
+</file>
+
+<file path=ppt/slides/slide3.xml><?xml version="1.0" encoding="utf-8"?>
 <p:sld xmlns:a="http://schemas.openxmlformats.org/drawingml/2006/main" xmlns:r="http://schemas.openxmlformats.org/officeDocument/2006/relationships" xmlns:p="http://schemas.openxmlformats.org/presentationml/2006/main">
   <p:cSld>
     <p:spTree>
@@ -5994,7 +6218,7 @@
 </p:sld>
 </file>
 
-<file path=ppt/slides/slide3.xml><?xml version="1.0" encoding="utf-8"?>
+<file path=ppt/slides/slide4.xml><?xml version="1.0" encoding="utf-8"?>
 <p:sld xmlns:a="http://schemas.openxmlformats.org/drawingml/2006/main" xmlns:r="http://schemas.openxmlformats.org/officeDocument/2006/relationships" xmlns:p="http://schemas.openxmlformats.org/presentationml/2006/main">
   <p:cSld>
     <p:spTree>
@@ -6192,7 +6416,1421 @@
 </p:sld>
 </file>
 
-<file path=ppt/slides/slide4.xml><?xml version="1.0" encoding="utf-8"?>
+<file path=ppt/slides/slide5.xml><?xml version="1.0" encoding="utf-8"?>
+<p:sld xmlns:a="http://schemas.openxmlformats.org/drawingml/2006/main" xmlns:r="http://schemas.openxmlformats.org/officeDocument/2006/relationships" xmlns:p="http://schemas.openxmlformats.org/presentationml/2006/main">
+  <p:cSld>
+    <p:spTree>
+      <p:nvGrpSpPr>
+        <p:cNvPr id="1" name=""/>
+        <p:cNvGrpSpPr/>
+        <p:nvPr/>
+      </p:nvGrpSpPr>
+      <p:grpSpPr>
+        <a:xfrm>
+          <a:off x="0" y="0"/>
+          <a:ext cx="0" cy="0"/>
+          <a:chOff x="0" y="0"/>
+          <a:chExt cx="0" cy="0"/>
+        </a:xfrm>
+      </p:grpSpPr>
+      <p:sp>
+        <p:nvSpPr>
+          <p:cNvPr id="2" name="タイトル 1">
+            <a:extLst>
+              <a:ext uri="{FF2B5EF4-FFF2-40B4-BE49-F238E27FC236}">
+                <a16:creationId xmlns:a16="http://schemas.microsoft.com/office/drawing/2014/main" id="{67B9234B-8908-1061-897F-C65B6D11B3F6}"/>
+              </a:ext>
+            </a:extLst>
+          </p:cNvPr>
+          <p:cNvSpPr>
+            <a:spLocks noGrp="1"/>
+          </p:cNvSpPr>
+          <p:nvPr>
+            <p:ph type="title"/>
+          </p:nvPr>
+        </p:nvSpPr>
+        <p:spPr/>
+        <p:txBody>
+          <a:bodyPr/>
+          <a:lstStyle/>
+          <a:p>
+            <a:r>
+              <a:rPr kumimoji="1" lang="en-US" altLang="ja-JP" dirty="0"/>
+              <a:t>Position-wise FFNN</a:t>
+            </a:r>
+            <a:endParaRPr kumimoji="1" lang="ja-JP" altLang="en-US" dirty="0"/>
+          </a:p>
+        </p:txBody>
+      </p:sp>
+      <mc:AlternateContent xmlns:mc="http://schemas.openxmlformats.org/markup-compatibility/2006" xmlns:a14="http://schemas.microsoft.com/office/drawing/2010/main">
+        <mc:Choice Requires="a14">
+          <p:sp>
+            <p:nvSpPr>
+              <p:cNvPr id="3" name="コンテンツ プレースホルダー 2">
+                <a:extLst>
+                  <a:ext uri="{FF2B5EF4-FFF2-40B4-BE49-F238E27FC236}">
+                    <a16:creationId xmlns:a16="http://schemas.microsoft.com/office/drawing/2014/main" id="{33554D71-2092-70F5-95FC-400BDD6D6FCF}"/>
+                  </a:ext>
+                </a:extLst>
+              </p:cNvPr>
+              <p:cNvSpPr>
+                <a:spLocks noGrp="1"/>
+              </p:cNvSpPr>
+              <p:nvPr>
+                <p:ph sz="half" idx="1"/>
+              </p:nvPr>
+            </p:nvSpPr>
+            <p:spPr>
+              <a:xfrm>
+                <a:off x="1097280" y="2120900"/>
+                <a:ext cx="10180320" cy="4094370"/>
+              </a:xfrm>
+            </p:spPr>
+            <p:txBody>
+              <a:bodyPr>
+                <a:normAutofit/>
+              </a:bodyPr>
+              <a:lstStyle/>
+              <a:p>
+                <a:pPr algn="ctr"/>
+                <a14:m>
+                  <m:oMath xmlns:m="http://schemas.openxmlformats.org/officeDocument/2006/math">
+                    <m:r>
+                      <a:rPr kumimoji="1" lang="en-US" altLang="ja-JP" sz="3200" b="1" i="1" smtClean="0">
+                        <a:latin typeface="Cambria Math" panose="02040503050406030204" pitchFamily="18" charset="0"/>
+                      </a:rPr>
+                      <m:t>𝑭𝑭𝑵𝑵</m:t>
+                    </m:r>
+                    <m:d>
+                      <m:dPr>
+                        <m:ctrlPr>
+                          <a:rPr kumimoji="1" lang="en-US" altLang="ja-JP" sz="3200" b="1" i="1" smtClean="0">
+                            <a:latin typeface="Cambria Math" panose="02040503050406030204" pitchFamily="18" charset="0"/>
+                          </a:rPr>
+                        </m:ctrlPr>
+                      </m:dPr>
+                      <m:e>
+                        <m:r>
+                          <a:rPr kumimoji="1" lang="en-US" altLang="ja-JP" sz="3200" b="1" i="1" smtClean="0">
+                            <a:latin typeface="Cambria Math" panose="02040503050406030204" pitchFamily="18" charset="0"/>
+                          </a:rPr>
+                          <m:t>𝒙</m:t>
+                        </m:r>
+                      </m:e>
+                    </m:d>
+                    <m:r>
+                      <a:rPr kumimoji="1" lang="en-US" altLang="ja-JP" sz="3200" b="1" i="1" smtClean="0">
+                        <a:latin typeface="Cambria Math" panose="02040503050406030204" pitchFamily="18" charset="0"/>
+                      </a:rPr>
+                      <m:t>=</m:t>
+                    </m:r>
+                    <m:r>
+                      <a:rPr kumimoji="1" lang="en-US" altLang="ja-JP" sz="3200" b="1" i="1" smtClean="0">
+                        <a:latin typeface="Cambria Math" panose="02040503050406030204" pitchFamily="18" charset="0"/>
+                      </a:rPr>
+                      <m:t>𝑴𝑨𝑿</m:t>
+                    </m:r>
+                    <m:d>
+                      <m:dPr>
+                        <m:ctrlPr>
+                          <a:rPr kumimoji="1" lang="en-US" altLang="ja-JP" sz="3200" b="1" i="1" smtClean="0">
+                            <a:latin typeface="Cambria Math" panose="02040503050406030204" pitchFamily="18" charset="0"/>
+                          </a:rPr>
+                        </m:ctrlPr>
+                      </m:dPr>
+                      <m:e>
+                        <m:r>
+                          <a:rPr kumimoji="1" lang="en-US" altLang="ja-JP" sz="3200" b="1" i="1" smtClean="0">
+                            <a:latin typeface="Cambria Math" panose="02040503050406030204" pitchFamily="18" charset="0"/>
+                          </a:rPr>
+                          <m:t>𝟎</m:t>
+                        </m:r>
+                        <m:r>
+                          <a:rPr kumimoji="1" lang="en-US" altLang="ja-JP" sz="3200" b="1" i="1" smtClean="0">
+                            <a:latin typeface="Cambria Math" panose="02040503050406030204" pitchFamily="18" charset="0"/>
+                          </a:rPr>
+                          <m:t>, </m:t>
+                        </m:r>
+                        <m:r>
+                          <a:rPr kumimoji="1" lang="en-US" altLang="ja-JP" sz="3200" b="1" i="1" smtClean="0">
+                            <a:latin typeface="Cambria Math" panose="02040503050406030204" pitchFamily="18" charset="0"/>
+                          </a:rPr>
+                          <m:t>𝒙</m:t>
+                        </m:r>
+                        <m:sSub>
+                          <m:sSubPr>
+                            <m:ctrlPr>
+                              <a:rPr kumimoji="1" lang="en-US" altLang="ja-JP" sz="3200" b="1" i="1" smtClean="0">
+                                <a:latin typeface="Cambria Math" panose="02040503050406030204" pitchFamily="18" charset="0"/>
+                              </a:rPr>
+                            </m:ctrlPr>
+                          </m:sSubPr>
+                          <m:e>
+                            <m:r>
+                              <a:rPr kumimoji="1" lang="en-US" altLang="ja-JP" sz="3200" b="1" i="1" smtClean="0">
+                                <a:latin typeface="Cambria Math" panose="02040503050406030204" pitchFamily="18" charset="0"/>
+                              </a:rPr>
+                              <m:t>𝑾</m:t>
+                            </m:r>
+                          </m:e>
+                          <m:sub>
+                            <m:r>
+                              <a:rPr kumimoji="1" lang="en-US" altLang="ja-JP" sz="3200" b="1" i="1" smtClean="0">
+                                <a:latin typeface="Cambria Math" panose="02040503050406030204" pitchFamily="18" charset="0"/>
+                              </a:rPr>
+                              <m:t>𝟏</m:t>
+                            </m:r>
+                          </m:sub>
+                        </m:sSub>
+                        <m:r>
+                          <a:rPr kumimoji="1" lang="en-US" altLang="ja-JP" sz="3200" b="1" i="1" smtClean="0">
+                            <a:latin typeface="Cambria Math" panose="02040503050406030204" pitchFamily="18" charset="0"/>
+                          </a:rPr>
+                          <m:t>+</m:t>
+                        </m:r>
+                        <m:sSub>
+                          <m:sSubPr>
+                            <m:ctrlPr>
+                              <a:rPr kumimoji="1" lang="en-US" altLang="ja-JP" sz="3200" b="1" i="1" smtClean="0">
+                                <a:latin typeface="Cambria Math" panose="02040503050406030204" pitchFamily="18" charset="0"/>
+                              </a:rPr>
+                            </m:ctrlPr>
+                          </m:sSubPr>
+                          <m:e>
+                            <m:r>
+                              <a:rPr kumimoji="1" lang="en-US" altLang="ja-JP" sz="3200" b="1" i="1" smtClean="0">
+                                <a:latin typeface="Cambria Math" panose="02040503050406030204" pitchFamily="18" charset="0"/>
+                              </a:rPr>
+                              <m:t>𝒃</m:t>
+                            </m:r>
+                          </m:e>
+                          <m:sub>
+                            <m:r>
+                              <a:rPr kumimoji="1" lang="en-US" altLang="ja-JP" sz="3200" b="1" i="1" smtClean="0">
+                                <a:latin typeface="Cambria Math" panose="02040503050406030204" pitchFamily="18" charset="0"/>
+                              </a:rPr>
+                              <m:t>𝟏</m:t>
+                            </m:r>
+                          </m:sub>
+                        </m:sSub>
+                      </m:e>
+                    </m:d>
+                    <m:sSub>
+                      <m:sSubPr>
+                        <m:ctrlPr>
+                          <a:rPr kumimoji="1" lang="en-US" altLang="ja-JP" sz="3200" b="1" i="1" smtClean="0">
+                            <a:latin typeface="Cambria Math" panose="02040503050406030204" pitchFamily="18" charset="0"/>
+                          </a:rPr>
+                        </m:ctrlPr>
+                      </m:sSubPr>
+                      <m:e>
+                        <m:r>
+                          <a:rPr kumimoji="1" lang="en-US" altLang="ja-JP" sz="3200" b="1" i="1" smtClean="0">
+                            <a:latin typeface="Cambria Math" panose="02040503050406030204" pitchFamily="18" charset="0"/>
+                          </a:rPr>
+                          <m:t>𝑾</m:t>
+                        </m:r>
+                      </m:e>
+                      <m:sub>
+                        <m:r>
+                          <a:rPr kumimoji="1" lang="en-US" altLang="ja-JP" sz="3200" b="1" i="1" smtClean="0">
+                            <a:latin typeface="Cambria Math" panose="02040503050406030204" pitchFamily="18" charset="0"/>
+                          </a:rPr>
+                          <m:t>𝟐</m:t>
+                        </m:r>
+                      </m:sub>
+                    </m:sSub>
+                    <m:r>
+                      <a:rPr kumimoji="1" lang="en-US" altLang="ja-JP" sz="3200" b="1" i="1" smtClean="0">
+                        <a:latin typeface="Cambria Math" panose="02040503050406030204" pitchFamily="18" charset="0"/>
+                      </a:rPr>
+                      <m:t>+</m:t>
+                    </m:r>
+                    <m:sSub>
+                      <m:sSubPr>
+                        <m:ctrlPr>
+                          <a:rPr kumimoji="1" lang="en-US" altLang="ja-JP" sz="3200" b="1" i="1" smtClean="0">
+                            <a:latin typeface="Cambria Math" panose="02040503050406030204" pitchFamily="18" charset="0"/>
+                          </a:rPr>
+                        </m:ctrlPr>
+                      </m:sSubPr>
+                      <m:e>
+                        <m:r>
+                          <a:rPr kumimoji="1" lang="en-US" altLang="ja-JP" sz="3200" b="1" i="1" smtClean="0">
+                            <a:latin typeface="Cambria Math" panose="02040503050406030204" pitchFamily="18" charset="0"/>
+                          </a:rPr>
+                          <m:t>𝒃</m:t>
+                        </m:r>
+                      </m:e>
+                      <m:sub>
+                        <m:r>
+                          <a:rPr kumimoji="1" lang="en-US" altLang="ja-JP" sz="3200" b="1" i="1" smtClean="0">
+                            <a:latin typeface="Cambria Math" panose="02040503050406030204" pitchFamily="18" charset="0"/>
+                          </a:rPr>
+                          <m:t>𝟐</m:t>
+                        </m:r>
+                      </m:sub>
+                    </m:sSub>
+                  </m:oMath>
+                </a14:m>
+                <a:r>
+                  <a:rPr lang="ja-JP" altLang="en-US" sz="3200" dirty="0"/>
+                  <a:t>   </a:t>
+                </a:r>
+                <a:r>
+                  <a:rPr lang="en-US" altLang="ja-JP" sz="2800" dirty="0"/>
+                  <a:t>(</a:t>
+                </a:r>
+                <a14:m>
+                  <m:oMath xmlns:m="http://schemas.openxmlformats.org/officeDocument/2006/math">
+                    <m:r>
+                      <a:rPr lang="en-US" altLang="ja-JP" sz="2800" b="0" i="1" smtClean="0">
+                        <a:latin typeface="Cambria Math" panose="02040503050406030204" pitchFamily="18" charset="0"/>
+                      </a:rPr>
+                      <m:t>𝑀𝐴𝑋</m:t>
+                    </m:r>
+                    <m:r>
+                      <a:rPr lang="en-US" altLang="ja-JP" sz="2800" b="0" i="1" smtClean="0">
+                        <a:latin typeface="Cambria Math" panose="02040503050406030204" pitchFamily="18" charset="0"/>
+                      </a:rPr>
+                      <m:t>=</m:t>
+                    </m:r>
+                    <m:r>
+                      <a:rPr lang="en-US" altLang="ja-JP" sz="2800" b="0" i="1" smtClean="0">
+                        <a:latin typeface="Cambria Math" panose="02040503050406030204" pitchFamily="18" charset="0"/>
+                      </a:rPr>
+                      <m:t>𝑅𝑒𝐿𝑈</m:t>
+                    </m:r>
+                  </m:oMath>
+                </a14:m>
+                <a:r>
+                  <a:rPr kumimoji="1" lang="en-US" altLang="ja-JP" sz="2800" dirty="0"/>
+                  <a:t>)</a:t>
+                </a:r>
+              </a:p>
+              <a:p>
+                <a:pPr algn="ctr"/>
+                <a14:m>
+                  <m:oMath xmlns:m="http://schemas.openxmlformats.org/officeDocument/2006/math">
+                    <m:sSub>
+                      <m:sSubPr>
+                        <m:ctrlPr>
+                          <a:rPr kumimoji="1" lang="en-US" altLang="ja-JP" sz="2800" i="1" smtClean="0">
+                            <a:latin typeface="Cambria Math" panose="02040503050406030204" pitchFamily="18" charset="0"/>
+                          </a:rPr>
+                        </m:ctrlPr>
+                      </m:sSubPr>
+                      <m:e>
+                        <m:r>
+                          <a:rPr kumimoji="1" lang="en-US" altLang="ja-JP" sz="2800" b="0" i="1" smtClean="0">
+                            <a:latin typeface="Cambria Math" panose="02040503050406030204" pitchFamily="18" charset="0"/>
+                          </a:rPr>
+                          <m:t>𝑊</m:t>
+                        </m:r>
+                      </m:e>
+                      <m:sub>
+                        <m:r>
+                          <a:rPr kumimoji="1" lang="en-US" altLang="ja-JP" sz="2800" b="0" i="1" smtClean="0">
+                            <a:latin typeface="Cambria Math" panose="02040503050406030204" pitchFamily="18" charset="0"/>
+                          </a:rPr>
+                          <m:t>1</m:t>
+                        </m:r>
+                      </m:sub>
+                    </m:sSub>
+                    <m:r>
+                      <a:rPr kumimoji="1" lang="en-US" altLang="ja-JP" sz="2800" b="0" i="1" smtClean="0">
+                        <a:latin typeface="Cambria Math" panose="02040503050406030204" pitchFamily="18" charset="0"/>
+                      </a:rPr>
+                      <m:t>:(</m:t>
+                    </m:r>
+                    <m:sSub>
+                      <m:sSubPr>
+                        <m:ctrlPr>
+                          <a:rPr kumimoji="1" lang="en-US" altLang="ja-JP" sz="2800" b="0" i="1" smtClean="0">
+                            <a:latin typeface="Cambria Math" panose="02040503050406030204" pitchFamily="18" charset="0"/>
+                          </a:rPr>
+                        </m:ctrlPr>
+                      </m:sSubPr>
+                      <m:e>
+                        <m:r>
+                          <a:rPr kumimoji="1" lang="en-US" altLang="ja-JP" sz="2800" b="0" i="1" smtClean="0">
+                            <a:latin typeface="Cambria Math" panose="02040503050406030204" pitchFamily="18" charset="0"/>
+                          </a:rPr>
+                          <m:t>𝑑</m:t>
+                        </m:r>
+                      </m:e>
+                      <m:sub>
+                        <m:r>
+                          <a:rPr kumimoji="1" lang="en-US" altLang="ja-JP" sz="2800" b="0" i="1" smtClean="0">
+                            <a:latin typeface="Cambria Math" panose="02040503050406030204" pitchFamily="18" charset="0"/>
+                          </a:rPr>
+                          <m:t>𝑚𝑜𝑑𝑒𝑙</m:t>
+                        </m:r>
+                      </m:sub>
+                    </m:sSub>
+                    <m:r>
+                      <a:rPr kumimoji="1" lang="en-US" altLang="ja-JP" sz="2800" b="0" i="1" smtClean="0">
+                        <a:latin typeface="Cambria Math" panose="02040503050406030204" pitchFamily="18" charset="0"/>
+                      </a:rPr>
+                      <m:t>,</m:t>
+                    </m:r>
+                    <m:sSub>
+                      <m:sSubPr>
+                        <m:ctrlPr>
+                          <a:rPr kumimoji="1" lang="en-US" altLang="ja-JP" sz="2800" b="0" i="1" smtClean="0">
+                            <a:latin typeface="Cambria Math" panose="02040503050406030204" pitchFamily="18" charset="0"/>
+                          </a:rPr>
+                        </m:ctrlPr>
+                      </m:sSubPr>
+                      <m:e>
+                        <m:r>
+                          <a:rPr kumimoji="1" lang="en-US" altLang="ja-JP" sz="2800" b="0" i="1" smtClean="0">
+                            <a:latin typeface="Cambria Math" panose="02040503050406030204" pitchFamily="18" charset="0"/>
+                          </a:rPr>
+                          <m:t>𝑑</m:t>
+                        </m:r>
+                      </m:e>
+                      <m:sub>
+                        <m:r>
+                          <a:rPr kumimoji="1" lang="en-US" altLang="ja-JP" sz="2800" b="0" i="1" smtClean="0">
+                            <a:latin typeface="Cambria Math" panose="02040503050406030204" pitchFamily="18" charset="0"/>
+                          </a:rPr>
+                          <m:t>𝑓𝑓</m:t>
+                        </m:r>
+                      </m:sub>
+                    </m:sSub>
+                    <m:r>
+                      <a:rPr kumimoji="1" lang="en-US" altLang="ja-JP" sz="2800" b="0" i="1" smtClean="0">
+                        <a:latin typeface="Cambria Math" panose="02040503050406030204" pitchFamily="18" charset="0"/>
+                      </a:rPr>
+                      <m:t>)</m:t>
+                    </m:r>
+                  </m:oMath>
+                </a14:m>
+                <a:r>
+                  <a:rPr kumimoji="1" lang="en-US" altLang="ja-JP" sz="2800" dirty="0"/>
+                  <a:t> </a:t>
+                </a:r>
+                <a14:m>
+                  <m:oMath xmlns:m="http://schemas.openxmlformats.org/officeDocument/2006/math">
+                    <m:sSub>
+                      <m:sSubPr>
+                        <m:ctrlPr>
+                          <a:rPr kumimoji="1" lang="en-US" altLang="ja-JP" sz="2800" i="1" dirty="0" smtClean="0">
+                            <a:latin typeface="Cambria Math" panose="02040503050406030204" pitchFamily="18" charset="0"/>
+                          </a:rPr>
+                        </m:ctrlPr>
+                      </m:sSubPr>
+                      <m:e>
+                        <m:r>
+                          <a:rPr kumimoji="1" lang="en-US" altLang="ja-JP" sz="2800" b="0" i="1" dirty="0" smtClean="0">
+                            <a:latin typeface="Cambria Math" panose="02040503050406030204" pitchFamily="18" charset="0"/>
+                          </a:rPr>
+                          <m:t>𝑊</m:t>
+                        </m:r>
+                      </m:e>
+                      <m:sub>
+                        <m:r>
+                          <a:rPr kumimoji="1" lang="en-US" altLang="ja-JP" sz="2800" b="0" i="1" dirty="0" smtClean="0">
+                            <a:latin typeface="Cambria Math" panose="02040503050406030204" pitchFamily="18" charset="0"/>
+                          </a:rPr>
+                          <m:t>2</m:t>
+                        </m:r>
+                      </m:sub>
+                    </m:sSub>
+                    <m:r>
+                      <a:rPr kumimoji="1" lang="en-US" altLang="ja-JP" sz="2800" b="0" i="1" dirty="0" smtClean="0">
+                        <a:latin typeface="Cambria Math" panose="02040503050406030204" pitchFamily="18" charset="0"/>
+                      </a:rPr>
+                      <m:t>:</m:t>
+                    </m:r>
+                    <m:d>
+                      <m:dPr>
+                        <m:ctrlPr>
+                          <a:rPr kumimoji="1" lang="en-US" altLang="ja-JP" sz="2800" b="0" i="1" dirty="0" smtClean="0">
+                            <a:latin typeface="Cambria Math" panose="02040503050406030204" pitchFamily="18" charset="0"/>
+                          </a:rPr>
+                        </m:ctrlPr>
+                      </m:dPr>
+                      <m:e>
+                        <m:sSub>
+                          <m:sSubPr>
+                            <m:ctrlPr>
+                              <a:rPr kumimoji="1" lang="en-US" altLang="ja-JP" sz="2800" b="0" i="1" dirty="0" smtClean="0">
+                                <a:latin typeface="Cambria Math" panose="02040503050406030204" pitchFamily="18" charset="0"/>
+                              </a:rPr>
+                            </m:ctrlPr>
+                          </m:sSubPr>
+                          <m:e>
+                            <m:r>
+                              <a:rPr kumimoji="1" lang="en-US" altLang="ja-JP" sz="2800" b="0" i="1" dirty="0" smtClean="0">
+                                <a:latin typeface="Cambria Math" panose="02040503050406030204" pitchFamily="18" charset="0"/>
+                              </a:rPr>
+                              <m:t>𝑑</m:t>
+                            </m:r>
+                          </m:e>
+                          <m:sub>
+                            <m:r>
+                              <a:rPr kumimoji="1" lang="en-US" altLang="ja-JP" sz="2800" b="0" i="1" dirty="0" smtClean="0">
+                                <a:latin typeface="Cambria Math" panose="02040503050406030204" pitchFamily="18" charset="0"/>
+                              </a:rPr>
+                              <m:t>𝑓𝑓</m:t>
+                            </m:r>
+                          </m:sub>
+                        </m:sSub>
+                        <m:r>
+                          <a:rPr kumimoji="1" lang="en-US" altLang="ja-JP" sz="2800" b="0" i="1" dirty="0" smtClean="0">
+                            <a:latin typeface="Cambria Math" panose="02040503050406030204" pitchFamily="18" charset="0"/>
+                          </a:rPr>
+                          <m:t>,</m:t>
+                        </m:r>
+                        <m:sSub>
+                          <m:sSubPr>
+                            <m:ctrlPr>
+                              <a:rPr kumimoji="1" lang="en-US" altLang="ja-JP" sz="2800" b="0" i="1" dirty="0" smtClean="0">
+                                <a:latin typeface="Cambria Math" panose="02040503050406030204" pitchFamily="18" charset="0"/>
+                              </a:rPr>
+                            </m:ctrlPr>
+                          </m:sSubPr>
+                          <m:e>
+                            <m:r>
+                              <a:rPr kumimoji="1" lang="en-US" altLang="ja-JP" sz="2800" b="0" i="1" dirty="0" smtClean="0">
+                                <a:latin typeface="Cambria Math" panose="02040503050406030204" pitchFamily="18" charset="0"/>
+                              </a:rPr>
+                              <m:t>𝑑</m:t>
+                            </m:r>
+                          </m:e>
+                          <m:sub>
+                            <m:r>
+                              <a:rPr kumimoji="1" lang="en-US" altLang="ja-JP" sz="2800" b="0" i="1" dirty="0" smtClean="0">
+                                <a:latin typeface="Cambria Math" panose="02040503050406030204" pitchFamily="18" charset="0"/>
+                              </a:rPr>
+                              <m:t>𝑚𝑜𝑑𝑒𝑙</m:t>
+                            </m:r>
+                          </m:sub>
+                        </m:sSub>
+                      </m:e>
+                    </m:d>
+                  </m:oMath>
+                </a14:m>
+                <a:r>
+                  <a:rPr kumimoji="1" lang="ja-JP" altLang="en-US" sz="2800" dirty="0"/>
+                  <a:t> 論文では</a:t>
+                </a:r>
+                <a14:m>
+                  <m:oMath xmlns:m="http://schemas.openxmlformats.org/officeDocument/2006/math">
+                    <m:sSub>
+                      <m:sSubPr>
+                        <m:ctrlPr>
+                          <a:rPr kumimoji="1" lang="en-US" altLang="ja-JP" sz="2800" b="0" i="1" dirty="0" smtClean="0">
+                            <a:latin typeface="Cambria Math" panose="02040503050406030204" pitchFamily="18" charset="0"/>
+                          </a:rPr>
+                        </m:ctrlPr>
+                      </m:sSubPr>
+                      <m:e>
+                        <m:r>
+                          <a:rPr kumimoji="1" lang="en-US" altLang="ja-JP" sz="2800" b="0" i="1" dirty="0" smtClean="0">
+                            <a:latin typeface="Cambria Math" panose="02040503050406030204" pitchFamily="18" charset="0"/>
+                          </a:rPr>
+                          <m:t>𝑑</m:t>
+                        </m:r>
+                      </m:e>
+                      <m:sub>
+                        <m:r>
+                          <a:rPr kumimoji="1" lang="en-US" altLang="ja-JP" sz="2800" b="0" i="1" dirty="0" smtClean="0">
+                            <a:latin typeface="Cambria Math" panose="02040503050406030204" pitchFamily="18" charset="0"/>
+                          </a:rPr>
+                          <m:t>𝑓𝑓</m:t>
+                        </m:r>
+                      </m:sub>
+                    </m:sSub>
+                    <m:r>
+                      <a:rPr kumimoji="1" lang="en-US" altLang="ja-JP" sz="2800" b="0" i="1" dirty="0" smtClean="0">
+                        <a:latin typeface="Cambria Math" panose="02040503050406030204" pitchFamily="18" charset="0"/>
+                      </a:rPr>
+                      <m:t>=2048</m:t>
+                    </m:r>
+                  </m:oMath>
+                </a14:m>
+                <a:endParaRPr kumimoji="1" lang="en-US" altLang="ja-JP" sz="2800" dirty="0"/>
+              </a:p>
+            </p:txBody>
+          </p:sp>
+        </mc:Choice>
+        <mc:Fallback xmlns="">
+          <p:sp>
+            <p:nvSpPr>
+              <p:cNvPr id="3" name="コンテンツ プレースホルダー 2">
+                <a:extLst>
+                  <a:ext uri="{FF2B5EF4-FFF2-40B4-BE49-F238E27FC236}">
+                    <a16:creationId xmlns:a16="http://schemas.microsoft.com/office/drawing/2014/main" id="{33554D71-2092-70F5-95FC-400BDD6D6FCF}"/>
+                  </a:ext>
+                </a:extLst>
+              </p:cNvPr>
+              <p:cNvSpPr>
+                <a:spLocks noGrp="1" noRot="1" noChangeAspect="1" noMove="1" noResize="1" noEditPoints="1" noAdjustHandles="1" noChangeArrowheads="1" noChangeShapeType="1" noTextEdit="1"/>
+              </p:cNvSpPr>
+              <p:nvPr>
+                <p:ph sz="half" idx="1"/>
+              </p:nvPr>
+            </p:nvSpPr>
+            <p:spPr>
+              <a:xfrm>
+                <a:off x="1097280" y="2120900"/>
+                <a:ext cx="10180320" cy="4094370"/>
+              </a:xfrm>
+              <a:blipFill>
+                <a:blip r:embed="rId2"/>
+                <a:stretch>
+                  <a:fillRect t="-446" r="-1497"/>
+                </a:stretch>
+              </a:blipFill>
+            </p:spPr>
+            <p:txBody>
+              <a:bodyPr/>
+              <a:lstStyle/>
+              <a:p>
+                <a:r>
+                  <a:rPr lang="ja-JP" altLang="en-US">
+                    <a:noFill/>
+                  </a:rPr>
+                  <a:t> </a:t>
+                </a:r>
+              </a:p>
+            </p:txBody>
+          </p:sp>
+        </mc:Fallback>
+      </mc:AlternateContent>
+    </p:spTree>
+    <p:extLst>
+      <p:ext uri="{BB962C8B-B14F-4D97-AF65-F5344CB8AC3E}">
+        <p14:creationId xmlns:p14="http://schemas.microsoft.com/office/powerpoint/2010/main" val="2726447354"/>
+      </p:ext>
+    </p:extLst>
+  </p:cSld>
+  <p:clrMapOvr>
+    <a:masterClrMapping/>
+  </p:clrMapOvr>
+</p:sld>
+</file>
+
+<file path=ppt/slides/slide6.xml><?xml version="1.0" encoding="utf-8"?>
+<p:sld xmlns:a="http://schemas.openxmlformats.org/drawingml/2006/main" xmlns:r="http://schemas.openxmlformats.org/officeDocument/2006/relationships" xmlns:p="http://schemas.openxmlformats.org/presentationml/2006/main">
+  <p:cSld>
+    <p:spTree>
+      <p:nvGrpSpPr>
+        <p:cNvPr id="1" name=""/>
+        <p:cNvGrpSpPr/>
+        <p:nvPr/>
+      </p:nvGrpSpPr>
+      <p:grpSpPr>
+        <a:xfrm>
+          <a:off x="0" y="0"/>
+          <a:ext cx="0" cy="0"/>
+          <a:chOff x="0" y="0"/>
+          <a:chExt cx="0" cy="0"/>
+        </a:xfrm>
+      </p:grpSpPr>
+      <p:sp>
+        <p:nvSpPr>
+          <p:cNvPr id="2" name="タイトル 1">
+            <a:extLst>
+              <a:ext uri="{FF2B5EF4-FFF2-40B4-BE49-F238E27FC236}">
+                <a16:creationId xmlns:a16="http://schemas.microsoft.com/office/drawing/2014/main" id="{BC8FD103-0549-4C10-B75F-F54D925DC9C4}"/>
+              </a:ext>
+            </a:extLst>
+          </p:cNvPr>
+          <p:cNvSpPr>
+            <a:spLocks noGrp="1"/>
+          </p:cNvSpPr>
+          <p:nvPr>
+            <p:ph type="title"/>
+          </p:nvPr>
+        </p:nvSpPr>
+        <p:spPr/>
+        <p:txBody>
+          <a:bodyPr>
+            <a:normAutofit fontScale="90000"/>
+          </a:bodyPr>
+          <a:lstStyle/>
+          <a:p>
+            <a:r>
+              <a:rPr kumimoji="1" lang="en-US" altLang="ja-JP" dirty="0"/>
+              <a:t>Residual Connection </a:t>
+            </a:r>
+            <a:br>
+              <a:rPr kumimoji="1" lang="en-US" altLang="ja-JP" dirty="0"/>
+            </a:br>
+            <a:r>
+              <a:rPr kumimoji="1" lang="en-US" altLang="ja-JP" dirty="0"/>
+              <a:t>&amp; Layer Normalization (Add &amp; Norm)</a:t>
+            </a:r>
+            <a:endParaRPr kumimoji="1" lang="ja-JP" altLang="en-US" dirty="0"/>
+          </a:p>
+        </p:txBody>
+      </p:sp>
+      <mc:AlternateContent xmlns:mc="http://schemas.openxmlformats.org/markup-compatibility/2006">
+        <mc:Choice xmlns:a14="http://schemas.microsoft.com/office/drawing/2010/main" Requires="a14">
+          <p:sp>
+            <p:nvSpPr>
+              <p:cNvPr id="3" name="コンテンツ プレースホルダー 2">
+                <a:extLst>
+                  <a:ext uri="{FF2B5EF4-FFF2-40B4-BE49-F238E27FC236}">
+                    <a16:creationId xmlns:a16="http://schemas.microsoft.com/office/drawing/2014/main" id="{3DA5CC61-1BEC-7A13-9626-DD6B9041447B}"/>
+                  </a:ext>
+                </a:extLst>
+              </p:cNvPr>
+              <p:cNvSpPr>
+                <a:spLocks noGrp="1"/>
+              </p:cNvSpPr>
+              <p:nvPr>
+                <p:ph sz="half" idx="1"/>
+              </p:nvPr>
+            </p:nvSpPr>
+            <p:spPr>
+              <a:xfrm>
+                <a:off x="1097279" y="2120900"/>
+                <a:ext cx="10259833" cy="4237038"/>
+              </a:xfrm>
+            </p:spPr>
+            <p:txBody>
+              <a:bodyPr>
+                <a:normAutofit/>
+              </a:bodyPr>
+              <a:lstStyle/>
+              <a:p>
+                <a:pPr algn="ctr"/>
+                <a:r>
+                  <a:rPr kumimoji="1" lang="en-US" altLang="ja-JP" sz="2800" b="0" dirty="0"/>
+                  <a:t>Residual Connection: </a:t>
+                </a:r>
+                <a14:m>
+                  <m:oMath xmlns:m="http://schemas.openxmlformats.org/officeDocument/2006/math">
+                    <m:r>
+                      <a:rPr kumimoji="1" lang="en-US" altLang="ja-JP" sz="2800" b="0" i="1" smtClean="0">
+                        <a:latin typeface="Cambria Math" panose="02040503050406030204" pitchFamily="18" charset="0"/>
+                      </a:rPr>
+                      <m:t>𝐻</m:t>
+                    </m:r>
+                    <m:d>
+                      <m:dPr>
+                        <m:ctrlPr>
+                          <a:rPr kumimoji="1" lang="en-US" altLang="ja-JP" sz="2800" b="0" i="1" smtClean="0">
+                            <a:latin typeface="Cambria Math" panose="02040503050406030204" pitchFamily="18" charset="0"/>
+                          </a:rPr>
+                        </m:ctrlPr>
+                      </m:dPr>
+                      <m:e>
+                        <m:r>
+                          <a:rPr kumimoji="1" lang="en-US" altLang="ja-JP" sz="2800" b="0" i="1" smtClean="0">
+                            <a:latin typeface="Cambria Math" panose="02040503050406030204" pitchFamily="18" charset="0"/>
+                          </a:rPr>
+                          <m:t>𝑥</m:t>
+                        </m:r>
+                      </m:e>
+                    </m:d>
+                    <m:r>
+                      <a:rPr kumimoji="1" lang="en-US" altLang="ja-JP" sz="2800" b="0" i="1" smtClean="0">
+                        <a:latin typeface="Cambria Math" panose="02040503050406030204" pitchFamily="18" charset="0"/>
+                      </a:rPr>
+                      <m:t>=</m:t>
+                    </m:r>
+                    <m:r>
+                      <a:rPr kumimoji="1" lang="en-US" altLang="ja-JP" sz="2800" b="0" i="1" smtClean="0">
+                        <a:latin typeface="Cambria Math" panose="02040503050406030204" pitchFamily="18" charset="0"/>
+                      </a:rPr>
+                      <m:t>𝑥</m:t>
+                    </m:r>
+                    <m:r>
+                      <a:rPr kumimoji="1" lang="en-US" altLang="ja-JP" sz="2800" b="0" i="1" smtClean="0">
+                        <a:latin typeface="Cambria Math" panose="02040503050406030204" pitchFamily="18" charset="0"/>
+                      </a:rPr>
+                      <m:t>+</m:t>
+                    </m:r>
+                    <m:r>
+                      <a:rPr kumimoji="1" lang="en-US" altLang="ja-JP" sz="2800" b="0" i="1" smtClean="0">
+                        <a:latin typeface="Cambria Math" panose="02040503050406030204" pitchFamily="18" charset="0"/>
+                      </a:rPr>
+                      <m:t>𝑆𝑢𝑏𝑙𝑦𝑒𝑟</m:t>
+                    </m:r>
+                    <m:r>
+                      <a:rPr kumimoji="1" lang="en-US" altLang="ja-JP" sz="2800" b="0" i="1" smtClean="0">
+                        <a:latin typeface="Cambria Math" panose="02040503050406030204" pitchFamily="18" charset="0"/>
+                      </a:rPr>
+                      <m:t>(</m:t>
+                    </m:r>
+                    <m:r>
+                      <a:rPr kumimoji="1" lang="en-US" altLang="ja-JP" sz="2800" b="0" i="1" smtClean="0">
+                        <a:latin typeface="Cambria Math" panose="02040503050406030204" pitchFamily="18" charset="0"/>
+                      </a:rPr>
+                      <m:t>𝑥</m:t>
+                    </m:r>
+                    <m:r>
+                      <a:rPr kumimoji="1" lang="en-US" altLang="ja-JP" sz="2800" b="0" i="1" smtClean="0">
+                        <a:latin typeface="Cambria Math" panose="02040503050406030204" pitchFamily="18" charset="0"/>
+                      </a:rPr>
+                      <m:t>)</m:t>
+                    </m:r>
+                  </m:oMath>
+                </a14:m>
+                <a:endParaRPr kumimoji="1" lang="en-US" altLang="ja-JP" sz="2800" dirty="0"/>
+              </a:p>
+              <a:p>
+                <a:pPr algn="ctr"/>
+                <a:r>
+                  <a:rPr kumimoji="1" lang="ja-JP" altLang="en-US" sz="2800" dirty="0"/>
+                  <a:t> </a:t>
+                </a:r>
+                <a:r>
+                  <a:rPr kumimoji="1" lang="en-US" altLang="ja-JP" sz="2800" dirty="0"/>
+                  <a:t>Layer Normalization: </a:t>
+                </a:r>
+                <a14:m>
+                  <m:oMath xmlns:m="http://schemas.openxmlformats.org/officeDocument/2006/math">
+                    <m:r>
+                      <a:rPr lang="en-US" altLang="ja-JP" sz="2800" i="1">
+                        <a:latin typeface="Cambria Math" panose="02040503050406030204" pitchFamily="18" charset="0"/>
+                      </a:rPr>
+                      <m:t>𝑙𝑛</m:t>
+                    </m:r>
+                    <m:r>
+                      <a:rPr kumimoji="1" lang="en-US" altLang="ja-JP" sz="2800" b="0" i="1" smtClean="0">
+                        <a:latin typeface="Cambria Math" panose="02040503050406030204" pitchFamily="18" charset="0"/>
+                      </a:rPr>
+                      <m:t>=</m:t>
+                    </m:r>
+                    <m:r>
+                      <a:rPr kumimoji="1" lang="en-US" altLang="ja-JP" sz="2800" b="0" i="1" smtClean="0">
+                        <a:latin typeface="Cambria Math" panose="02040503050406030204" pitchFamily="18" charset="0"/>
+                      </a:rPr>
+                      <m:t>𝐿𝑎𝑦𝑒𝑟𝑁𝑜𝑟𝑚</m:t>
+                    </m:r>
+                    <m:r>
+                      <a:rPr kumimoji="1" lang="en-US" altLang="ja-JP" sz="2800" b="0" i="1" smtClean="0">
+                        <a:latin typeface="Cambria Math" panose="02040503050406030204" pitchFamily="18" charset="0"/>
+                      </a:rPr>
+                      <m:t>(</m:t>
+                    </m:r>
+                    <m:r>
+                      <a:rPr kumimoji="1" lang="en-US" altLang="ja-JP" sz="2800" b="0" i="1" smtClean="0">
+                        <a:latin typeface="Cambria Math" panose="02040503050406030204" pitchFamily="18" charset="0"/>
+                      </a:rPr>
+                      <m:t>𝑥</m:t>
+                    </m:r>
+                    <m:r>
+                      <a:rPr kumimoji="1" lang="en-US" altLang="ja-JP" sz="2800" b="0" i="1" smtClean="0">
+                        <a:latin typeface="Cambria Math" panose="02040503050406030204" pitchFamily="18" charset="0"/>
+                      </a:rPr>
+                      <m:t>+</m:t>
+                    </m:r>
+                    <m:r>
+                      <a:rPr kumimoji="1" lang="en-US" altLang="ja-JP" sz="2800" b="0" i="1" smtClean="0">
+                        <a:latin typeface="Cambria Math" panose="02040503050406030204" pitchFamily="18" charset="0"/>
+                      </a:rPr>
+                      <m:t>𝑆𝑢𝑏𝑙𝑎𝑦𝑒𝑟</m:t>
+                    </m:r>
+                    <m:d>
+                      <m:dPr>
+                        <m:ctrlPr>
+                          <a:rPr kumimoji="1" lang="en-US" altLang="ja-JP" sz="2800" b="0" i="1" smtClean="0">
+                            <a:latin typeface="Cambria Math" panose="02040503050406030204" pitchFamily="18" charset="0"/>
+                          </a:rPr>
+                        </m:ctrlPr>
+                      </m:dPr>
+                      <m:e>
+                        <m:r>
+                          <a:rPr kumimoji="1" lang="en-US" altLang="ja-JP" sz="2800" b="0" i="1" smtClean="0">
+                            <a:latin typeface="Cambria Math" panose="02040503050406030204" pitchFamily="18" charset="0"/>
+                          </a:rPr>
+                          <m:t>𝑥</m:t>
+                        </m:r>
+                      </m:e>
+                    </m:d>
+                    <m:r>
+                      <a:rPr kumimoji="1" lang="en-US" altLang="ja-JP" sz="2800" b="0" i="1" smtClean="0">
+                        <a:latin typeface="Cambria Math" panose="02040503050406030204" pitchFamily="18" charset="0"/>
+                      </a:rPr>
+                      <m:t>)</m:t>
+                    </m:r>
+                  </m:oMath>
+                </a14:m>
+                <a:endParaRPr kumimoji="1" lang="en-US" altLang="ja-JP" sz="2800" dirty="0"/>
+              </a:p>
+              <a:p>
+                <a:pPr algn="ctr"/>
+                <a:r>
+                  <a:rPr kumimoji="1" lang="en-US" altLang="ja-JP" sz="2800" dirty="0" err="1"/>
+                  <a:t>LayerNorm</a:t>
+                </a:r>
+                <a:r>
+                  <a:rPr lang="en-US" altLang="ja-JP" sz="2800" dirty="0"/>
+                  <a:t>: </a:t>
+                </a:r>
+                <a14:m>
+                  <m:oMath xmlns:m="http://schemas.openxmlformats.org/officeDocument/2006/math">
+                    <m:sSub>
+                      <m:sSubPr>
+                        <m:ctrlPr>
+                          <a:rPr kumimoji="1" lang="en-US" altLang="ja-JP" sz="2800" i="1" smtClean="0">
+                            <a:latin typeface="Cambria Math" panose="02040503050406030204" pitchFamily="18" charset="0"/>
+                          </a:rPr>
+                        </m:ctrlPr>
+                      </m:sSubPr>
+                      <m:e>
+                        <m:r>
+                          <a:rPr kumimoji="1" lang="en-US" altLang="ja-JP" sz="2800" b="0" i="1" smtClean="0">
+                            <a:latin typeface="Cambria Math" panose="02040503050406030204" pitchFamily="18" charset="0"/>
+                          </a:rPr>
+                          <m:t>𝑙𝑛</m:t>
+                        </m:r>
+                      </m:e>
+                      <m:sub>
+                        <m:r>
+                          <a:rPr kumimoji="1" lang="en-US" altLang="ja-JP" sz="2800" b="0" i="1" smtClean="0">
+                            <a:latin typeface="Cambria Math" panose="02040503050406030204" pitchFamily="18" charset="0"/>
+                          </a:rPr>
+                          <m:t>𝑖</m:t>
+                        </m:r>
+                      </m:sub>
+                    </m:sSub>
+                    <m:r>
+                      <a:rPr kumimoji="1" lang="en-US" altLang="ja-JP" sz="2800" b="0" i="1" smtClean="0">
+                        <a:latin typeface="Cambria Math" panose="02040503050406030204" pitchFamily="18" charset="0"/>
+                      </a:rPr>
+                      <m:t>=</m:t>
+                    </m:r>
+                    <m:r>
+                      <a:rPr kumimoji="1" lang="ja-JP" altLang="en-US" sz="2800" b="0" i="1" smtClean="0">
+                        <a:latin typeface="Cambria Math" panose="02040503050406030204" pitchFamily="18" charset="0"/>
+                      </a:rPr>
+                      <m:t>𝛾</m:t>
+                    </m:r>
+                    <m:acc>
+                      <m:accPr>
+                        <m:chr m:val="̂"/>
+                        <m:ctrlPr>
+                          <a:rPr kumimoji="1" lang="ja-JP" altLang="en-US" sz="2800" b="0" i="1" smtClean="0">
+                            <a:latin typeface="Cambria Math" panose="02040503050406030204" pitchFamily="18" charset="0"/>
+                          </a:rPr>
+                        </m:ctrlPr>
+                      </m:accPr>
+                      <m:e>
+                        <m:sSub>
+                          <m:sSubPr>
+                            <m:ctrlPr>
+                              <a:rPr kumimoji="1" lang="en-US" altLang="ja-JP" sz="2800" b="0" i="1" smtClean="0">
+                                <a:latin typeface="Cambria Math" panose="02040503050406030204" pitchFamily="18" charset="0"/>
+                              </a:rPr>
+                            </m:ctrlPr>
+                          </m:sSubPr>
+                          <m:e>
+                            <m:r>
+                              <a:rPr kumimoji="1" lang="en-US" altLang="ja-JP" sz="2800" b="0" i="1" smtClean="0">
+                                <a:latin typeface="Cambria Math" panose="02040503050406030204" pitchFamily="18" charset="0"/>
+                              </a:rPr>
+                              <m:t>𝑥</m:t>
+                            </m:r>
+                          </m:e>
+                          <m:sub>
+                            <m:r>
+                              <a:rPr kumimoji="1" lang="en-US" altLang="ja-JP" sz="2800" b="0" i="1" smtClean="0">
+                                <a:latin typeface="Cambria Math" panose="02040503050406030204" pitchFamily="18" charset="0"/>
+                              </a:rPr>
+                              <m:t>𝑖</m:t>
+                            </m:r>
+                          </m:sub>
+                        </m:sSub>
+                      </m:e>
+                    </m:acc>
+                    <m:r>
+                      <a:rPr kumimoji="1" lang="en-US" altLang="ja-JP" sz="2800" b="0" i="1" smtClean="0">
+                        <a:latin typeface="Cambria Math" panose="02040503050406030204" pitchFamily="18" charset="0"/>
+                      </a:rPr>
+                      <m:t>+</m:t>
+                    </m:r>
+                    <m:r>
+                      <a:rPr kumimoji="1" lang="ja-JP" altLang="en-US" sz="2800" b="0" i="1" smtClean="0">
+                        <a:latin typeface="Cambria Math" panose="02040503050406030204" pitchFamily="18" charset="0"/>
+                      </a:rPr>
+                      <m:t>𝛽</m:t>
+                    </m:r>
+                    <m:r>
+                      <a:rPr kumimoji="1" lang="en-US" altLang="ja-JP" sz="2800" b="0" i="1" smtClean="0">
+                        <a:latin typeface="Cambria Math" panose="02040503050406030204" pitchFamily="18" charset="0"/>
+                      </a:rPr>
+                      <m:t>=</m:t>
+                    </m:r>
+                    <m:r>
+                      <a:rPr kumimoji="1" lang="en-US" altLang="ja-JP" sz="2800" b="0" i="1" smtClean="0">
+                        <a:latin typeface="Cambria Math" panose="02040503050406030204" pitchFamily="18" charset="0"/>
+                      </a:rPr>
+                      <m:t>𝐿𝑎𝑦𝑒𝑟𝑁𝑜𝑟𝑚</m:t>
+                    </m:r>
+                    <m:r>
+                      <a:rPr kumimoji="1" lang="en-US" altLang="ja-JP" sz="2800" b="0" i="1" smtClean="0">
+                        <a:latin typeface="Cambria Math" panose="02040503050406030204" pitchFamily="18" charset="0"/>
+                      </a:rPr>
+                      <m:t>(</m:t>
+                    </m:r>
+                    <m:sSub>
+                      <m:sSubPr>
+                        <m:ctrlPr>
+                          <a:rPr kumimoji="1" lang="en-US" altLang="ja-JP" sz="2800" b="0" i="1" smtClean="0">
+                            <a:latin typeface="Cambria Math" panose="02040503050406030204" pitchFamily="18" charset="0"/>
+                          </a:rPr>
+                        </m:ctrlPr>
+                      </m:sSubPr>
+                      <m:e>
+                        <m:r>
+                          <a:rPr kumimoji="1" lang="en-US" altLang="ja-JP" sz="2800" b="0" i="1" smtClean="0">
+                            <a:latin typeface="Cambria Math" panose="02040503050406030204" pitchFamily="18" charset="0"/>
+                          </a:rPr>
+                          <m:t>𝑥</m:t>
+                        </m:r>
+                      </m:e>
+                      <m:sub>
+                        <m:r>
+                          <a:rPr kumimoji="1" lang="en-US" altLang="ja-JP" sz="2800" b="0" i="1" smtClean="0">
+                            <a:latin typeface="Cambria Math" panose="02040503050406030204" pitchFamily="18" charset="0"/>
+                          </a:rPr>
+                          <m:t>𝑖</m:t>
+                        </m:r>
+                      </m:sub>
+                    </m:sSub>
+                    <m:r>
+                      <a:rPr kumimoji="1" lang="en-US" altLang="ja-JP" sz="2800" b="0" i="1" smtClean="0">
+                        <a:latin typeface="Cambria Math" panose="02040503050406030204" pitchFamily="18" charset="0"/>
+                      </a:rPr>
+                      <m:t>)</m:t>
+                    </m:r>
+                  </m:oMath>
+                </a14:m>
+                <a:endParaRPr kumimoji="1" lang="en-US" altLang="ja-JP" sz="2800" dirty="0"/>
+              </a:p>
+              <a:p>
+                <a:pPr algn="ctr"/>
+                <a:r>
+                  <a:rPr lang="en-US" altLang="ja-JP" sz="2800" dirty="0"/>
+                  <a:t>Z-score normalization: </a:t>
+                </a:r>
+                <a14:m>
+                  <m:oMath xmlns:m="http://schemas.openxmlformats.org/officeDocument/2006/math">
+                    <m:acc>
+                      <m:accPr>
+                        <m:chr m:val="̂"/>
+                        <m:ctrlPr>
+                          <a:rPr lang="en-US" altLang="ja-JP" sz="2800" i="1" smtClean="0">
+                            <a:latin typeface="Cambria Math" panose="02040503050406030204" pitchFamily="18" charset="0"/>
+                          </a:rPr>
+                        </m:ctrlPr>
+                      </m:accPr>
+                      <m:e>
+                        <m:sSub>
+                          <m:sSubPr>
+                            <m:ctrlPr>
+                              <a:rPr lang="en-US" altLang="ja-JP" sz="2800" i="1" smtClean="0">
+                                <a:latin typeface="Cambria Math" panose="02040503050406030204" pitchFamily="18" charset="0"/>
+                              </a:rPr>
+                            </m:ctrlPr>
+                          </m:sSubPr>
+                          <m:e>
+                            <m:r>
+                              <a:rPr lang="en-US" altLang="ja-JP" sz="2800" b="0" i="1" smtClean="0">
+                                <a:latin typeface="Cambria Math" panose="02040503050406030204" pitchFamily="18" charset="0"/>
+                              </a:rPr>
+                              <m:t>𝑥</m:t>
+                            </m:r>
+                          </m:e>
+                          <m:sub>
+                            <m:r>
+                              <a:rPr lang="en-US" altLang="ja-JP" sz="2800" b="0" i="1" smtClean="0">
+                                <a:latin typeface="Cambria Math" panose="02040503050406030204" pitchFamily="18" charset="0"/>
+                              </a:rPr>
+                              <m:t>𝑖</m:t>
+                            </m:r>
+                            <m:r>
+                              <a:rPr lang="en-US" altLang="ja-JP" sz="2800" b="0" i="1" smtClean="0">
+                                <a:latin typeface="Cambria Math" panose="02040503050406030204" pitchFamily="18" charset="0"/>
+                              </a:rPr>
+                              <m:t>,</m:t>
+                            </m:r>
+                            <m:r>
+                              <a:rPr lang="en-US" altLang="ja-JP" sz="2800" b="0" i="1" smtClean="0">
+                                <a:latin typeface="Cambria Math" panose="02040503050406030204" pitchFamily="18" charset="0"/>
+                              </a:rPr>
+                              <m:t>𝑘</m:t>
+                            </m:r>
+                          </m:sub>
+                        </m:sSub>
+                      </m:e>
+                    </m:acc>
+                    <m:r>
+                      <a:rPr lang="en-US" altLang="ja-JP" sz="2800" b="0" i="1" smtClean="0">
+                        <a:latin typeface="Cambria Math" panose="02040503050406030204" pitchFamily="18" charset="0"/>
+                      </a:rPr>
+                      <m:t>=</m:t>
+                    </m:r>
+                    <m:f>
+                      <m:fPr>
+                        <m:ctrlPr>
+                          <a:rPr lang="en-US" altLang="ja-JP" sz="2800" b="0" i="1" smtClean="0">
+                            <a:latin typeface="Cambria Math" panose="02040503050406030204" pitchFamily="18" charset="0"/>
+                          </a:rPr>
+                        </m:ctrlPr>
+                      </m:fPr>
+                      <m:num>
+                        <m:sSub>
+                          <m:sSubPr>
+                            <m:ctrlPr>
+                              <a:rPr lang="en-US" altLang="ja-JP" sz="2800" b="0" i="1" smtClean="0">
+                                <a:latin typeface="Cambria Math" panose="02040503050406030204" pitchFamily="18" charset="0"/>
+                              </a:rPr>
+                            </m:ctrlPr>
+                          </m:sSubPr>
+                          <m:e>
+                            <m:r>
+                              <a:rPr lang="en-US" altLang="ja-JP" sz="2800" b="0" i="1" smtClean="0">
+                                <a:latin typeface="Cambria Math" panose="02040503050406030204" pitchFamily="18" charset="0"/>
+                              </a:rPr>
+                              <m:t>𝑥</m:t>
+                            </m:r>
+                          </m:e>
+                          <m:sub>
+                            <m:r>
+                              <a:rPr lang="en-US" altLang="ja-JP" sz="2800" b="0" i="1" smtClean="0">
+                                <a:latin typeface="Cambria Math" panose="02040503050406030204" pitchFamily="18" charset="0"/>
+                              </a:rPr>
+                              <m:t>𝑖</m:t>
+                            </m:r>
+                            <m:r>
+                              <a:rPr lang="en-US" altLang="ja-JP" sz="2800" b="0" i="1" smtClean="0">
+                                <a:latin typeface="Cambria Math" panose="02040503050406030204" pitchFamily="18" charset="0"/>
+                              </a:rPr>
+                              <m:t>,</m:t>
+                            </m:r>
+                            <m:r>
+                              <a:rPr lang="en-US" altLang="ja-JP" sz="2800" b="0" i="1" smtClean="0">
+                                <a:latin typeface="Cambria Math" panose="02040503050406030204" pitchFamily="18" charset="0"/>
+                              </a:rPr>
+                              <m:t>𝑘</m:t>
+                            </m:r>
+                          </m:sub>
+                        </m:sSub>
+                        <m:r>
+                          <a:rPr lang="en-US" altLang="ja-JP" sz="2800" b="0" i="1" smtClean="0">
+                            <a:latin typeface="Cambria Math" panose="02040503050406030204" pitchFamily="18" charset="0"/>
+                          </a:rPr>
+                          <m:t>−</m:t>
+                        </m:r>
+                        <m:sSub>
+                          <m:sSubPr>
+                            <m:ctrlPr>
+                              <a:rPr lang="en-US" altLang="ja-JP" sz="2800" b="0" i="1" smtClean="0">
+                                <a:latin typeface="Cambria Math" panose="02040503050406030204" pitchFamily="18" charset="0"/>
+                              </a:rPr>
+                            </m:ctrlPr>
+                          </m:sSubPr>
+                          <m:e>
+                            <m:r>
+                              <a:rPr lang="ja-JP" altLang="en-US" sz="2800" b="0" i="1" smtClean="0">
+                                <a:latin typeface="Cambria Math" panose="02040503050406030204" pitchFamily="18" charset="0"/>
+                              </a:rPr>
+                              <m:t>𝜇</m:t>
+                            </m:r>
+                          </m:e>
+                          <m:sub>
+                            <m:r>
+                              <a:rPr lang="en-US" altLang="ja-JP" sz="2800" b="0" i="1" smtClean="0">
+                                <a:latin typeface="Cambria Math" panose="02040503050406030204" pitchFamily="18" charset="0"/>
+                              </a:rPr>
+                              <m:t>𝑖</m:t>
+                            </m:r>
+                          </m:sub>
+                        </m:sSub>
+                      </m:num>
+                      <m:den>
+                        <m:rad>
+                          <m:radPr>
+                            <m:degHide m:val="on"/>
+                            <m:ctrlPr>
+                              <a:rPr lang="en-US" altLang="ja-JP" sz="2800" b="0" i="1" smtClean="0">
+                                <a:latin typeface="Cambria Math" panose="02040503050406030204" pitchFamily="18" charset="0"/>
+                              </a:rPr>
+                            </m:ctrlPr>
+                          </m:radPr>
+                          <m:deg/>
+                          <m:e>
+                            <m:sSubSup>
+                              <m:sSubSupPr>
+                                <m:ctrlPr>
+                                  <a:rPr lang="en-US" altLang="ja-JP" sz="2800" b="0" i="1" smtClean="0">
+                                    <a:latin typeface="Cambria Math" panose="02040503050406030204" pitchFamily="18" charset="0"/>
+                                  </a:rPr>
+                                </m:ctrlPr>
+                              </m:sSubSupPr>
+                              <m:e>
+                                <m:r>
+                                  <a:rPr lang="ja-JP" altLang="en-US" sz="2800" b="0" i="1" smtClean="0">
+                                    <a:latin typeface="Cambria Math" panose="02040503050406030204" pitchFamily="18" charset="0"/>
+                                  </a:rPr>
+                                  <m:t>𝜎</m:t>
+                                </m:r>
+                              </m:e>
+                              <m:sub>
+                                <m:r>
+                                  <a:rPr lang="en-US" altLang="ja-JP" sz="2800" b="0" i="1" smtClean="0">
+                                    <a:latin typeface="Cambria Math" panose="02040503050406030204" pitchFamily="18" charset="0"/>
+                                  </a:rPr>
+                                  <m:t>𝑖</m:t>
+                                </m:r>
+                              </m:sub>
+                              <m:sup>
+                                <m:r>
+                                  <a:rPr lang="en-US" altLang="ja-JP" sz="2800" b="0" i="1" smtClean="0">
+                                    <a:latin typeface="Cambria Math" panose="02040503050406030204" pitchFamily="18" charset="0"/>
+                                  </a:rPr>
+                                  <m:t>2</m:t>
+                                </m:r>
+                              </m:sup>
+                            </m:sSubSup>
+                            <m:r>
+                              <a:rPr lang="en-US" altLang="ja-JP" sz="2800" b="0" i="1" smtClean="0">
+                                <a:latin typeface="Cambria Math" panose="02040503050406030204" pitchFamily="18" charset="0"/>
+                              </a:rPr>
+                              <m:t>+</m:t>
+                            </m:r>
+                            <m:r>
+                              <a:rPr lang="ja-JP" altLang="en-US" sz="2800" b="0" i="1" smtClean="0">
+                                <a:latin typeface="Cambria Math" panose="02040503050406030204" pitchFamily="18" charset="0"/>
+                              </a:rPr>
+                              <m:t>𝜖</m:t>
+                            </m:r>
+                          </m:e>
+                        </m:rad>
+                      </m:den>
+                    </m:f>
+                  </m:oMath>
+                </a14:m>
+                <a:endParaRPr kumimoji="1" lang="en-US" altLang="ja-JP" sz="2800" dirty="0"/>
+              </a:p>
+              <a:p>
+                <a:pPr algn="ctr"/>
+                <a14:m>
+                  <m:oMath xmlns:m="http://schemas.openxmlformats.org/officeDocument/2006/math">
+                    <m:r>
+                      <a:rPr kumimoji="1" lang="ja-JP" altLang="en-US" sz="2800" b="0" i="1" smtClean="0">
+                        <a:latin typeface="Cambria Math" panose="02040503050406030204" pitchFamily="18" charset="0"/>
+                      </a:rPr>
+                      <m:t>𝛾</m:t>
+                    </m:r>
+                  </m:oMath>
+                </a14:m>
+                <a:r>
+                  <a:rPr kumimoji="1" lang="ja-JP" altLang="en-US" sz="2800" dirty="0"/>
+                  <a:t>は初期値が全部</a:t>
+                </a:r>
+                <a:r>
+                  <a:rPr kumimoji="1" lang="en-US" altLang="ja-JP" sz="2800" dirty="0"/>
+                  <a:t>1</a:t>
+                </a:r>
+                <a:r>
+                  <a:rPr kumimoji="1" lang="ja-JP" altLang="en-US" sz="2800" dirty="0"/>
+                  <a:t>、</a:t>
+                </a:r>
+                <a14:m>
+                  <m:oMath xmlns:m="http://schemas.openxmlformats.org/officeDocument/2006/math">
+                    <m:r>
+                      <a:rPr lang="ja-JP" altLang="en-US" sz="2800" i="1">
+                        <a:latin typeface="Cambria Math" panose="02040503050406030204" pitchFamily="18" charset="0"/>
+                      </a:rPr>
+                      <m:t>𝛽</m:t>
+                    </m:r>
+                  </m:oMath>
+                </a14:m>
+                <a:r>
+                  <a:rPr kumimoji="1" lang="ja-JP" altLang="en-US" sz="2800" dirty="0"/>
+                  <a:t>は全部</a:t>
+                </a:r>
+                <a:r>
+                  <a:rPr kumimoji="1" lang="en-US" altLang="ja-JP" sz="2800" dirty="0"/>
+                  <a:t>0</a:t>
+                </a:r>
+                <a:r>
+                  <a:rPr kumimoji="1" lang="ja-JP" altLang="en-US" sz="2800" dirty="0"/>
+                  <a:t>であるベクトルパラメータ（学習可能）</a:t>
+                </a:r>
+                <a:endParaRPr kumimoji="1" lang="en-US" altLang="ja-JP" sz="2800" dirty="0"/>
+              </a:p>
+              <a:p>
+                <a:pPr algn="ctr"/>
+                <a:endParaRPr kumimoji="1" lang="ja-JP" altLang="en-US" sz="2800" dirty="0"/>
+              </a:p>
+            </p:txBody>
+          </p:sp>
+        </mc:Choice>
+        <mc:Fallback>
+          <p:sp>
+            <p:nvSpPr>
+              <p:cNvPr id="3" name="コンテンツ プレースホルダー 2">
+                <a:extLst>
+                  <a:ext uri="{FF2B5EF4-FFF2-40B4-BE49-F238E27FC236}">
+                    <a16:creationId xmlns:a16="http://schemas.microsoft.com/office/drawing/2014/main" id="{3DA5CC61-1BEC-7A13-9626-DD6B9041447B}"/>
+                  </a:ext>
+                </a:extLst>
+              </p:cNvPr>
+              <p:cNvSpPr>
+                <a:spLocks noGrp="1" noRot="1" noChangeAspect="1" noMove="1" noResize="1" noEditPoints="1" noAdjustHandles="1" noChangeArrowheads="1" noChangeShapeType="1" noTextEdit="1"/>
+              </p:cNvSpPr>
+              <p:nvPr>
+                <p:ph sz="half" idx="1"/>
+              </p:nvPr>
+            </p:nvSpPr>
+            <p:spPr>
+              <a:xfrm>
+                <a:off x="1097279" y="2120900"/>
+                <a:ext cx="10259833" cy="4237038"/>
+              </a:xfrm>
+              <a:blipFill>
+                <a:blip r:embed="rId2"/>
+                <a:stretch>
+                  <a:fillRect t="-1583" r="-594" b="-5755"/>
+                </a:stretch>
+              </a:blipFill>
+            </p:spPr>
+            <p:txBody>
+              <a:bodyPr/>
+              <a:lstStyle/>
+              <a:p>
+                <a:r>
+                  <a:rPr lang="ja-JP" altLang="en-US">
+                    <a:noFill/>
+                  </a:rPr>
+                  <a:t> </a:t>
+                </a:r>
+              </a:p>
+            </p:txBody>
+          </p:sp>
+        </mc:Fallback>
+      </mc:AlternateContent>
+    </p:spTree>
+    <p:extLst>
+      <p:ext uri="{BB962C8B-B14F-4D97-AF65-F5344CB8AC3E}">
+        <p14:creationId xmlns:p14="http://schemas.microsoft.com/office/powerpoint/2010/main" val="3563957395"/>
+      </p:ext>
+    </p:extLst>
+  </p:cSld>
+  <p:clrMapOvr>
+    <a:masterClrMapping/>
+  </p:clrMapOvr>
+</p:sld>
+</file>
+
+<file path=ppt/slides/slide7.xml><?xml version="1.0" encoding="utf-8"?>
+<p:sld xmlns:a="http://schemas.openxmlformats.org/drawingml/2006/main" xmlns:r="http://schemas.openxmlformats.org/officeDocument/2006/relationships" xmlns:p="http://schemas.openxmlformats.org/presentationml/2006/main">
+  <p:cSld>
+    <p:spTree>
+      <p:nvGrpSpPr>
+        <p:cNvPr id="1" name=""/>
+        <p:cNvGrpSpPr/>
+        <p:nvPr/>
+      </p:nvGrpSpPr>
+      <p:grpSpPr>
+        <a:xfrm>
+          <a:off x="0" y="0"/>
+          <a:ext cx="0" cy="0"/>
+          <a:chOff x="0" y="0"/>
+          <a:chExt cx="0" cy="0"/>
+        </a:xfrm>
+      </p:grpSpPr>
+      <p:sp>
+        <p:nvSpPr>
+          <p:cNvPr id="2" name="タイトル 1">
+            <a:extLst>
+              <a:ext uri="{FF2B5EF4-FFF2-40B4-BE49-F238E27FC236}">
+                <a16:creationId xmlns:a16="http://schemas.microsoft.com/office/drawing/2014/main" id="{5B332F71-F36C-4693-5AA7-B7EED37FC924}"/>
+              </a:ext>
+            </a:extLst>
+          </p:cNvPr>
+          <p:cNvSpPr>
+            <a:spLocks noGrp="1"/>
+          </p:cNvSpPr>
+          <p:nvPr>
+            <p:ph type="title"/>
+          </p:nvPr>
+        </p:nvSpPr>
+        <p:spPr/>
+        <p:txBody>
+          <a:bodyPr/>
+          <a:lstStyle/>
+          <a:p>
+            <a:endParaRPr kumimoji="1" lang="ja-JP" altLang="en-US"/>
+          </a:p>
+        </p:txBody>
+      </p:sp>
+      <p:sp>
+        <p:nvSpPr>
+          <p:cNvPr id="3" name="コンテンツ プレースホルダー 2">
+            <a:extLst>
+              <a:ext uri="{FF2B5EF4-FFF2-40B4-BE49-F238E27FC236}">
+                <a16:creationId xmlns:a16="http://schemas.microsoft.com/office/drawing/2014/main" id="{3C395653-F290-AC47-0B62-AAFAFCE8007F}"/>
+              </a:ext>
+            </a:extLst>
+          </p:cNvPr>
+          <p:cNvSpPr>
+            <a:spLocks noGrp="1"/>
+          </p:cNvSpPr>
+          <p:nvPr>
+            <p:ph sz="half" idx="1"/>
+          </p:nvPr>
+        </p:nvSpPr>
+        <p:spPr/>
+        <p:txBody>
+          <a:bodyPr/>
+          <a:lstStyle/>
+          <a:p>
+            <a:endParaRPr kumimoji="1" lang="ja-JP" altLang="en-US"/>
+          </a:p>
+        </p:txBody>
+      </p:sp>
+      <p:sp>
+        <p:nvSpPr>
+          <p:cNvPr id="4" name="コンテンツ プレースホルダー 3">
+            <a:extLst>
+              <a:ext uri="{FF2B5EF4-FFF2-40B4-BE49-F238E27FC236}">
+                <a16:creationId xmlns:a16="http://schemas.microsoft.com/office/drawing/2014/main" id="{A1657C37-254C-2724-1965-80EEC6F751FD}"/>
+              </a:ext>
+            </a:extLst>
+          </p:cNvPr>
+          <p:cNvSpPr>
+            <a:spLocks noGrp="1"/>
+          </p:cNvSpPr>
+          <p:nvPr>
+            <p:ph sz="half" idx="2"/>
+          </p:nvPr>
+        </p:nvSpPr>
+        <p:spPr/>
+        <p:txBody>
+          <a:bodyPr/>
+          <a:lstStyle/>
+          <a:p>
+            <a:endParaRPr kumimoji="1" lang="ja-JP" altLang="en-US"/>
+          </a:p>
+        </p:txBody>
+      </p:sp>
+    </p:spTree>
+    <p:extLst>
+      <p:ext uri="{BB962C8B-B14F-4D97-AF65-F5344CB8AC3E}">
+        <p14:creationId xmlns:p14="http://schemas.microsoft.com/office/powerpoint/2010/main" val="1112389840"/>
+      </p:ext>
+    </p:extLst>
+  </p:cSld>
+  <p:clrMapOvr>
+    <a:masterClrMapping/>
+  </p:clrMapOvr>
+</p:sld>
+</file>
+
+<file path=ppt/slides/slide8.xml><?xml version="1.0" encoding="utf-8"?>
 <p:sld xmlns:a="http://schemas.openxmlformats.org/drawingml/2006/main" xmlns:r="http://schemas.openxmlformats.org/officeDocument/2006/relationships" xmlns:p="http://schemas.openxmlformats.org/presentationml/2006/main">
   <p:cSld>
     <p:spTree>
@@ -7276,6 +8914,15 @@
 </file>
 
 <file path=customXml/item1.xml><?xml version="1.0" encoding="utf-8"?>
+<?mso-contentType ?>
+<FormTemplates xmlns="http://schemas.microsoft.com/sharepoint/v3/contenttype/forms">
+  <Display>DocumentLibraryForm</Display>
+  <Edit>DocumentLibraryForm</Edit>
+  <New>DocumentLibraryForm</New>
+</FormTemplates>
+</file>
+
+<file path=customXml/item2.xml><?xml version="1.0" encoding="utf-8"?>
 <ct:contentTypeSchema xmlns:ct="http://schemas.microsoft.com/office/2006/metadata/contentType" xmlns:ma="http://schemas.microsoft.com/office/2006/metadata/properties/metaAttributes" ct:_="" ma:_="" ma:contentTypeName="Document" ma:contentTypeID="0x01010079F111ED35F8CC479449609E8A0923A6" ma:contentTypeVersion="12" ma:contentTypeDescription="Create a new document." ma:contentTypeScope="" ma:versionID="a410dd7f93c95333ffa1b60ed6adedd1">
   <xsd:schema xmlns:xsd="http://www.w3.org/2001/XMLSchema" xmlns:xs="http://www.w3.org/2001/XMLSchema" xmlns:p="http://schemas.microsoft.com/office/2006/metadata/properties" xmlns:ns2="71af3243-3dd4-4a8d-8c0d-dd76da1f02a5" xmlns:ns3="16c05727-aa75-4e4a-9b5f-8a80a1165891" targetNamespace="http://schemas.microsoft.com/office/2006/metadata/properties" ma:root="true" ma:fieldsID="a936d9baba76aa3866493feff160faab" ns2:_="" ns3:_="">
     <xsd:import namespace="71af3243-3dd4-4a8d-8c0d-dd76da1f02a5"/>
@@ -7496,7 +9143,7 @@
 </ct:contentTypeSchema>
 </file>
 
-<file path=customXml/item2.xml><?xml version="1.0" encoding="utf-8"?>
+<file path=customXml/item3.xml><?xml version="1.0" encoding="utf-8"?>
 <p:properties xmlns:p="http://schemas.microsoft.com/office/2006/metadata/properties" xmlns:xsi="http://www.w3.org/2001/XMLSchema-instance" xmlns:pc="http://schemas.microsoft.com/office/infopath/2007/PartnerControls">
   <documentManagement>
     <Status xmlns="71af3243-3dd4-4a8d-8c0d-dd76da1f02a5">Not started</Status>
@@ -7505,16 +9152,15 @@
 </p:properties>
 </file>
 
-<file path=customXml/item3.xml><?xml version="1.0" encoding="utf-8"?>
-<?mso-contentType ?>
-<FormTemplates xmlns="http://schemas.microsoft.com/sharepoint/v3/contenttype/forms">
-  <Display>DocumentLibraryForm</Display>
-  <Edit>DocumentLibraryForm</Edit>
-  <New>DocumentLibraryForm</New>
-</FormTemplates>
+<file path=customXml/itemProps1.xml><?xml version="1.0" encoding="utf-8"?>
+<ds:datastoreItem xmlns:ds="http://schemas.openxmlformats.org/officeDocument/2006/customXml" ds:itemID="{AA3F7EDC-E5B4-4BBC-9D2A-CBE6D46C37AD}">
+  <ds:schemaRefs>
+    <ds:schemaRef ds:uri="http://schemas.microsoft.com/sharepoint/v3/contenttype/forms"/>
+  </ds:schemaRefs>
+</ds:datastoreItem>
 </file>
 
-<file path=customXml/itemProps1.xml><?xml version="1.0" encoding="utf-8"?>
+<file path=customXml/itemProps2.xml><?xml version="1.0" encoding="utf-8"?>
 <ds:datastoreItem xmlns:ds="http://schemas.openxmlformats.org/officeDocument/2006/customXml" ds:itemID="{93932EF5-314F-409E-8020-FEE5FA0795B9}">
   <ds:schemaRefs>
     <ds:schemaRef ds:uri="http://schemas.microsoft.com/office/2006/metadata/contentType"/>
@@ -7533,7 +9179,7 @@
 </ds:datastoreItem>
 </file>
 
-<file path=customXml/itemProps2.xml><?xml version="1.0" encoding="utf-8"?>
+<file path=customXml/itemProps3.xml><?xml version="1.0" encoding="utf-8"?>
 <ds:datastoreItem xmlns:ds="http://schemas.openxmlformats.org/officeDocument/2006/customXml" ds:itemID="{A03EEFF0-FB57-4CB4-8BFC-DF397689E2ED}">
   <ds:schemaRefs>
     <ds:schemaRef ds:uri="http://schemas.microsoft.com/office/2006/metadata/properties"/>
@@ -7541,12 +9187,4 @@
     <ds:schemaRef ds:uri="71af3243-3dd4-4a8d-8c0d-dd76da1f02a5"/>
   </ds:schemaRefs>
 </ds:datastoreItem>
-</file>
-
-<file path=customXml/itemProps3.xml><?xml version="1.0" encoding="utf-8"?>
-<ds:datastoreItem xmlns:ds="http://schemas.openxmlformats.org/officeDocument/2006/customXml" ds:itemID="{AA3F7EDC-E5B4-4BBC-9D2A-CBE6D46C37AD}">
-  <ds:schemaRefs>
-    <ds:schemaRef ds:uri="http://schemas.microsoft.com/sharepoint/v3/contenttype/forms"/>
-  </ds:schemaRefs>
-</ds:datastoreItem>
 </file>
--- a/Presentation/ppt9 Transformer2.pptx
+++ b/Presentation/ppt9 Transformer2.pptx
@@ -216,7 +216,7 @@
                 <a:latin typeface="Meiryo UI" panose="020B0604030504040204" pitchFamily="50" charset="-128"/>
                 <a:ea typeface="Meiryo UI" panose="020B0604030504040204" pitchFamily="50" charset="-128"/>
               </a:rPr>
-              <a:t>2023/5/11</a:t>
+              <a:t>2023/5/12</a:t>
             </a:fld>
             <a:endParaRPr kumimoji="1" lang="ja-JP" altLang="en-US" dirty="0">
               <a:latin typeface="Meiryo UI" panose="020B0604030504040204" pitchFamily="50" charset="-128"/>
@@ -400,7 +400,7 @@
             <a:fld id="{D5D0D523-8CFC-4A67-BC17-72B1EE12365D}" type="datetime1">
               <a:rPr kumimoji="1" lang="ja-JP" altLang="en-US" smtClean="0"/>
               <a:pPr/>
-              <a:t>2023/5/11</a:t>
+              <a:t>2023/5/12</a:t>
             </a:fld>
             <a:endParaRPr kumimoji="1" lang="ja-JP" altLang="en-US" dirty="0"/>
           </a:p>
@@ -7212,37 +7212,37 @@
                       <m:t>(</m:t>
                     </m:r>
                     <m:r>
-                      <a:rPr kumimoji="1" lang="en-US" altLang="ja-JP" sz="2800" b="0" i="1" smtClean="0">
+                      <a:rPr kumimoji="1" lang="en-US" altLang="ja-JP" sz="2800" b="1" i="1" smtClean="0">
                         <a:latin typeface="Cambria Math" panose="02040503050406030204" pitchFamily="18" charset="0"/>
                       </a:rPr>
-                      <m:t>𝑥</m:t>
+                      <m:t>𝒙</m:t>
                     </m:r>
                     <m:r>
-                      <a:rPr kumimoji="1" lang="en-US" altLang="ja-JP" sz="2800" b="0" i="1" smtClean="0">
+                      <a:rPr kumimoji="1" lang="en-US" altLang="ja-JP" sz="2800" b="1" i="1" smtClean="0">
                         <a:latin typeface="Cambria Math" panose="02040503050406030204" pitchFamily="18" charset="0"/>
                       </a:rPr>
                       <m:t>+</m:t>
                     </m:r>
                     <m:r>
-                      <a:rPr kumimoji="1" lang="en-US" altLang="ja-JP" sz="2800" b="0" i="1" smtClean="0">
+                      <a:rPr kumimoji="1" lang="en-US" altLang="ja-JP" sz="2800" b="1" i="1" smtClean="0">
                         <a:latin typeface="Cambria Math" panose="02040503050406030204" pitchFamily="18" charset="0"/>
                       </a:rPr>
-                      <m:t>𝑆𝑢𝑏𝑙𝑎𝑦𝑒𝑟</m:t>
+                      <m:t>𝑺𝒖𝒃𝒍𝒂𝒚𝒆𝒓</m:t>
                     </m:r>
                     <m:d>
                       <m:dPr>
                         <m:ctrlPr>
-                          <a:rPr kumimoji="1" lang="en-US" altLang="ja-JP" sz="2800" b="0" i="1" smtClean="0">
+                          <a:rPr kumimoji="1" lang="en-US" altLang="ja-JP" sz="2800" b="1" i="1" smtClean="0">
                             <a:latin typeface="Cambria Math" panose="02040503050406030204" pitchFamily="18" charset="0"/>
                           </a:rPr>
                         </m:ctrlPr>
                       </m:dPr>
                       <m:e>
                         <m:r>
-                          <a:rPr kumimoji="1" lang="en-US" altLang="ja-JP" sz="2800" b="0" i="1" smtClean="0">
+                          <a:rPr kumimoji="1" lang="en-US" altLang="ja-JP" sz="2800" b="1" i="1" smtClean="0">
                             <a:latin typeface="Cambria Math" panose="02040503050406030204" pitchFamily="18" charset="0"/>
                           </a:rPr>
-                          <m:t>𝑥</m:t>
+                          <m:t>𝒙</m:t>
                         </m:r>
                       </m:e>
                     </m:d>
@@ -7271,45 +7271,45 @@
                     <m:sSub>
                       <m:sSubPr>
                         <m:ctrlPr>
-                          <a:rPr kumimoji="1" lang="en-US" altLang="ja-JP" sz="2800" i="1" smtClean="0">
+                          <a:rPr kumimoji="1" lang="en-US" altLang="ja-JP" sz="2800" b="1" i="1" smtClean="0">
                             <a:latin typeface="Cambria Math" panose="02040503050406030204" pitchFamily="18" charset="0"/>
                           </a:rPr>
                         </m:ctrlPr>
                       </m:sSubPr>
                       <m:e>
                         <m:r>
-                          <a:rPr kumimoji="1" lang="en-US" altLang="ja-JP" sz="2800" b="0" i="1" smtClean="0">
+                          <a:rPr kumimoji="1" lang="en-US" altLang="ja-JP" sz="2800" b="1" i="1" smtClean="0">
                             <a:latin typeface="Cambria Math" panose="02040503050406030204" pitchFamily="18" charset="0"/>
                           </a:rPr>
-                          <m:t>𝑙𝑛</m:t>
+                          <m:t>𝒍𝒏</m:t>
                         </m:r>
                       </m:e>
                       <m:sub>
                         <m:r>
-                          <a:rPr kumimoji="1" lang="en-US" altLang="ja-JP" sz="2800" b="0" i="1" smtClean="0">
+                          <a:rPr kumimoji="1" lang="en-US" altLang="ja-JP" sz="2800" b="1" i="1" smtClean="0">
                             <a:latin typeface="Cambria Math" panose="02040503050406030204" pitchFamily="18" charset="0"/>
                           </a:rPr>
-                          <m:t>𝑖</m:t>
+                          <m:t>𝒊</m:t>
                         </m:r>
                       </m:sub>
                     </m:sSub>
                     <m:r>
-                      <a:rPr kumimoji="1" lang="en-US" altLang="ja-JP" sz="2800" b="0" i="1" smtClean="0">
+                      <a:rPr kumimoji="1" lang="en-US" altLang="ja-JP" sz="2800" b="1" i="1" smtClean="0">
                         <a:latin typeface="Cambria Math" panose="02040503050406030204" pitchFamily="18" charset="0"/>
                       </a:rPr>
                       <m:t>=</m:t>
                     </m:r>
                     <m:r>
-                      <a:rPr kumimoji="1" lang="ja-JP" altLang="en-US" sz="2800" b="0" i="1" smtClean="0">
+                      <a:rPr kumimoji="1" lang="ja-JP" altLang="en-US" sz="2800" b="1" i="1" smtClean="0">
                         <a:latin typeface="Cambria Math" panose="02040503050406030204" pitchFamily="18" charset="0"/>
                       </a:rPr>
-                      <m:t>𝛾</m:t>
+                      <m:t>𝜸</m:t>
                     </m:r>
                     <m:acc>
                       <m:accPr>
                         <m:chr m:val="̂"/>
                         <m:ctrlPr>
-                          <a:rPr kumimoji="1" lang="ja-JP" altLang="en-US" sz="2800" b="0" i="1" smtClean="0">
+                          <a:rPr kumimoji="1" lang="ja-JP" altLang="en-US" sz="2800" b="1" i="1" smtClean="0">
                             <a:latin typeface="Cambria Math" panose="02040503050406030204" pitchFamily="18" charset="0"/>
                           </a:rPr>
                         </m:ctrlPr>
@@ -7318,41 +7318,41 @@
                         <m:sSub>
                           <m:sSubPr>
                             <m:ctrlPr>
-                              <a:rPr kumimoji="1" lang="en-US" altLang="ja-JP" sz="2800" b="0" i="1" smtClean="0">
+                              <a:rPr kumimoji="1" lang="en-US" altLang="ja-JP" sz="2800" b="1" i="1" smtClean="0">
                                 <a:latin typeface="Cambria Math" panose="02040503050406030204" pitchFamily="18" charset="0"/>
                               </a:rPr>
                             </m:ctrlPr>
                           </m:sSubPr>
                           <m:e>
                             <m:r>
-                              <a:rPr kumimoji="1" lang="en-US" altLang="ja-JP" sz="2800" b="0" i="1" smtClean="0">
+                              <a:rPr kumimoji="1" lang="en-US" altLang="ja-JP" sz="2800" b="1" i="1" smtClean="0">
                                 <a:latin typeface="Cambria Math" panose="02040503050406030204" pitchFamily="18" charset="0"/>
                               </a:rPr>
-                              <m:t>𝑥</m:t>
+                              <m:t>𝒙</m:t>
                             </m:r>
                           </m:e>
                           <m:sub>
                             <m:r>
-                              <a:rPr kumimoji="1" lang="en-US" altLang="ja-JP" sz="2800" b="0" i="1" smtClean="0">
+                              <a:rPr kumimoji="1" lang="en-US" altLang="ja-JP" sz="2800" b="1" i="1" smtClean="0">
                                 <a:latin typeface="Cambria Math" panose="02040503050406030204" pitchFamily="18" charset="0"/>
                               </a:rPr>
-                              <m:t>𝑖</m:t>
+                              <m:t>𝒊</m:t>
                             </m:r>
                           </m:sub>
                         </m:sSub>
                       </m:e>
                     </m:acc>
                     <m:r>
-                      <a:rPr kumimoji="1" lang="en-US" altLang="ja-JP" sz="2800" b="0" i="1" smtClean="0">
+                      <a:rPr kumimoji="1" lang="en-US" altLang="ja-JP" sz="2800" b="1" i="1" smtClean="0">
                         <a:latin typeface="Cambria Math" panose="02040503050406030204" pitchFamily="18" charset="0"/>
                       </a:rPr>
                       <m:t>+</m:t>
                     </m:r>
                     <m:r>
-                      <a:rPr kumimoji="1" lang="ja-JP" altLang="en-US" sz="2800" b="0" i="1" smtClean="0">
+                      <a:rPr kumimoji="1" lang="ja-JP" altLang="en-US" sz="2800" b="1" i="1" smtClean="0">
                         <a:latin typeface="Cambria Math" panose="02040503050406030204" pitchFamily="18" charset="0"/>
                       </a:rPr>
-                      <m:t>𝛽</m:t>
+                      <m:t>𝜷</m:t>
                     </m:r>
                     <m:r>
                       <a:rPr kumimoji="1" lang="en-US" altLang="ja-JP" sz="2800" b="0" i="1" smtClean="0">
@@ -7693,7 +7693,7 @@
               <a:blipFill>
                 <a:blip r:embed="rId2"/>
                 <a:stretch>
-                  <a:fillRect t="-1583" r="-594" b="-5755"/>
+                  <a:fillRect t="-1583" r="-594"/>
                 </a:stretch>
               </a:blipFill>
             </p:spPr>
@@ -7702,7 +7702,7 @@
               <a:lstStyle/>
               <a:p>
                 <a:r>
-                  <a:rPr lang="ja-JP" altLang="en-US">
+                  <a:rPr lang="ko-KR" altLang="en-US">
                     <a:noFill/>
                   </a:rPr>
                   <a:t> </a:t>
@@ -8914,12 +8914,12 @@
 </file>
 
 <file path=customXml/item1.xml><?xml version="1.0" encoding="utf-8"?>
-<?mso-contentType ?>
-<FormTemplates xmlns="http://schemas.microsoft.com/sharepoint/v3/contenttype/forms">
-  <Display>DocumentLibraryForm</Display>
-  <Edit>DocumentLibraryForm</Edit>
-  <New>DocumentLibraryForm</New>
-</FormTemplates>
+<p:properties xmlns:p="http://schemas.microsoft.com/office/2006/metadata/properties" xmlns:xsi="http://www.w3.org/2001/XMLSchema-instance" xmlns:pc="http://schemas.microsoft.com/office/infopath/2007/PartnerControls">
+  <documentManagement>
+    <Status xmlns="71af3243-3dd4-4a8d-8c0d-dd76da1f02a5">Not started</Status>
+    <MediaServiceKeyPoints xmlns="71af3243-3dd4-4a8d-8c0d-dd76da1f02a5" xsi:nil="true"/>
+  </documentManagement>
+</p:properties>
 </file>
 
 <file path=customXml/item2.xml><?xml version="1.0" encoding="utf-8"?>
@@ -9144,18 +9144,20 @@
 </file>
 
 <file path=customXml/item3.xml><?xml version="1.0" encoding="utf-8"?>
-<p:properties xmlns:p="http://schemas.microsoft.com/office/2006/metadata/properties" xmlns:xsi="http://www.w3.org/2001/XMLSchema-instance" xmlns:pc="http://schemas.microsoft.com/office/infopath/2007/PartnerControls">
-  <documentManagement>
-    <Status xmlns="71af3243-3dd4-4a8d-8c0d-dd76da1f02a5">Not started</Status>
-    <MediaServiceKeyPoints xmlns="71af3243-3dd4-4a8d-8c0d-dd76da1f02a5" xsi:nil="true"/>
-  </documentManagement>
-</p:properties>
+<?mso-contentType ?>
+<FormTemplates xmlns="http://schemas.microsoft.com/sharepoint/v3/contenttype/forms">
+  <Display>DocumentLibraryForm</Display>
+  <Edit>DocumentLibraryForm</Edit>
+  <New>DocumentLibraryForm</New>
+</FormTemplates>
 </file>
 
 <file path=customXml/itemProps1.xml><?xml version="1.0" encoding="utf-8"?>
-<ds:datastoreItem xmlns:ds="http://schemas.openxmlformats.org/officeDocument/2006/customXml" ds:itemID="{AA3F7EDC-E5B4-4BBC-9D2A-CBE6D46C37AD}">
+<ds:datastoreItem xmlns:ds="http://schemas.openxmlformats.org/officeDocument/2006/customXml" ds:itemID="{A03EEFF0-FB57-4CB4-8BFC-DF397689E2ED}">
   <ds:schemaRefs>
-    <ds:schemaRef ds:uri="http://schemas.microsoft.com/sharepoint/v3/contenttype/forms"/>
+    <ds:schemaRef ds:uri="http://schemas.microsoft.com/office/2006/metadata/properties"/>
+    <ds:schemaRef ds:uri="http://schemas.microsoft.com/office/infopath/2007/PartnerControls"/>
+    <ds:schemaRef ds:uri="71af3243-3dd4-4a8d-8c0d-dd76da1f02a5"/>
   </ds:schemaRefs>
 </ds:datastoreItem>
 </file>
@@ -9180,11 +9182,9 @@
 </file>
 
 <file path=customXml/itemProps3.xml><?xml version="1.0" encoding="utf-8"?>
-<ds:datastoreItem xmlns:ds="http://schemas.openxmlformats.org/officeDocument/2006/customXml" ds:itemID="{A03EEFF0-FB57-4CB4-8BFC-DF397689E2ED}">
+<ds:datastoreItem xmlns:ds="http://schemas.openxmlformats.org/officeDocument/2006/customXml" ds:itemID="{AA3F7EDC-E5B4-4BBC-9D2A-CBE6D46C37AD}">
   <ds:schemaRefs>
-    <ds:schemaRef ds:uri="http://schemas.microsoft.com/office/2006/metadata/properties"/>
-    <ds:schemaRef ds:uri="http://schemas.microsoft.com/office/infopath/2007/PartnerControls"/>
-    <ds:schemaRef ds:uri="71af3243-3dd4-4a8d-8c0d-dd76da1f02a5"/>
+    <ds:schemaRef ds:uri="http://schemas.microsoft.com/sharepoint/v3/contenttype/forms"/>
   </ds:schemaRefs>
 </ds:datastoreItem>
 </file>
--- a/Presentation/ppt9 Transformer2.pptx
+++ b/Presentation/ppt9 Transformer2.pptx
@@ -5,10 +5,10 @@
     <p:sldMasterId id="2147483660" r:id="rId4"/>
   </p:sldMasterIdLst>
   <p:notesMasterIdLst>
-    <p:notesMasterId r:id="rId13"/>
+    <p:notesMasterId r:id="rId17"/>
   </p:notesMasterIdLst>
   <p:handoutMasterIdLst>
-    <p:handoutMasterId r:id="rId14"/>
+    <p:handoutMasterId r:id="rId18"/>
   </p:handoutMasterIdLst>
   <p:sldIdLst>
     <p:sldId id="298" r:id="rId5"/>
@@ -18,7 +18,11 @@
     <p:sldId id="312" r:id="rId9"/>
     <p:sldId id="314" r:id="rId10"/>
     <p:sldId id="315" r:id="rId11"/>
-    <p:sldId id="310" r:id="rId12"/>
+    <p:sldId id="316" r:id="rId12"/>
+    <p:sldId id="317" r:id="rId13"/>
+    <p:sldId id="318" r:id="rId14"/>
+    <p:sldId id="319" r:id="rId15"/>
+    <p:sldId id="310" r:id="rId16"/>
   </p:sldIdLst>
   <p:sldSz cx="12192000" cy="6858000"/>
   <p:notesSz cx="6858000" cy="9144000"/>
@@ -4760,6 +4764,783 @@
   </p:cSld>
   <p:clrMapOvr>
     <a:overrideClrMapping bg1="dk1" tx1="lt1" bg2="dk2" tx2="lt2" accent1="accent1" accent2="accent2" accent3="accent3" accent4="accent4" accent5="accent5" accent6="accent6" hlink="hlink" folHlink="folHlink"/>
+  </p:clrMapOvr>
+</p:sld>
+</file>
+
+<file path=ppt/slides/slide10.xml><?xml version="1.0" encoding="utf-8"?>
+<p:sld xmlns:a="http://schemas.openxmlformats.org/drawingml/2006/main" xmlns:r="http://schemas.openxmlformats.org/officeDocument/2006/relationships" xmlns:p="http://schemas.openxmlformats.org/presentationml/2006/main">
+  <p:cSld>
+    <p:spTree>
+      <p:nvGrpSpPr>
+        <p:cNvPr id="1" name=""/>
+        <p:cNvGrpSpPr/>
+        <p:nvPr/>
+      </p:nvGrpSpPr>
+      <p:grpSpPr>
+        <a:xfrm>
+          <a:off x="0" y="0"/>
+          <a:ext cx="0" cy="0"/>
+          <a:chOff x="0" y="0"/>
+          <a:chExt cx="0" cy="0"/>
+        </a:xfrm>
+      </p:grpSpPr>
+      <p:sp>
+        <p:nvSpPr>
+          <p:cNvPr id="2" name="タイトル 1">
+            <a:extLst>
+              <a:ext uri="{FF2B5EF4-FFF2-40B4-BE49-F238E27FC236}">
+                <a16:creationId xmlns:a16="http://schemas.microsoft.com/office/drawing/2014/main" id="{FB3C77CA-4275-CA8A-787C-E9003FFC7658}"/>
+              </a:ext>
+            </a:extLst>
+          </p:cNvPr>
+          <p:cNvSpPr>
+            <a:spLocks noGrp="1"/>
+          </p:cNvSpPr>
+          <p:nvPr>
+            <p:ph type="title"/>
+          </p:nvPr>
+        </p:nvSpPr>
+        <p:spPr/>
+        <p:txBody>
+          <a:bodyPr/>
+          <a:lstStyle/>
+          <a:p>
+            <a:r>
+              <a:rPr kumimoji="1" lang="en-US" altLang="ja-JP" dirty="0"/>
+              <a:t>Look-ahead Mask</a:t>
+            </a:r>
+            <a:endParaRPr kumimoji="1" lang="ja-JP" altLang="en-US" dirty="0"/>
+          </a:p>
+        </p:txBody>
+      </p:sp>
+      <p:sp>
+        <p:nvSpPr>
+          <p:cNvPr id="3" name="コンテンツ プレースホルダー 2">
+            <a:extLst>
+              <a:ext uri="{FF2B5EF4-FFF2-40B4-BE49-F238E27FC236}">
+                <a16:creationId xmlns:a16="http://schemas.microsoft.com/office/drawing/2014/main" id="{D70D2DA2-1417-B10A-278F-A3F2530DC7E5}"/>
+              </a:ext>
+            </a:extLst>
+          </p:cNvPr>
+          <p:cNvSpPr>
+            <a:spLocks noGrp="1"/>
+          </p:cNvSpPr>
+          <p:nvPr>
+            <p:ph idx="1"/>
+          </p:nvPr>
+        </p:nvSpPr>
+        <p:spPr/>
+        <p:txBody>
+          <a:bodyPr>
+            <a:normAutofit/>
+          </a:bodyPr>
+          <a:lstStyle/>
+          <a:p>
+            <a:r>
+              <a:rPr kumimoji="1" lang="en-US" altLang="ja-JP" sz="2800" dirty="0"/>
+              <a:t>RNN</a:t>
+            </a:r>
+            <a:r>
+              <a:rPr kumimoji="1" lang="ja-JP" altLang="en-US" sz="2800" dirty="0"/>
+              <a:t>では単語を順次的に受け入れたので自然に以前の入力だけが予測に反映される。</a:t>
+            </a:r>
+            <a:endParaRPr kumimoji="1" lang="en-US" altLang="ja-JP" sz="2800" dirty="0"/>
+          </a:p>
+          <a:p>
+            <a:r>
+              <a:rPr lang="en-US" altLang="ja-JP" sz="2800" dirty="0"/>
+              <a:t>But,</a:t>
+            </a:r>
+            <a:endParaRPr kumimoji="1" lang="en-US" altLang="ja-JP" sz="2800" dirty="0"/>
+          </a:p>
+          <a:p>
+            <a:r>
+              <a:rPr lang="en-US" altLang="ja-JP" sz="2800" dirty="0"/>
+              <a:t>Transformer</a:t>
+            </a:r>
+            <a:r>
+              <a:rPr lang="ja-JP" altLang="en-US" sz="2800" dirty="0"/>
+              <a:t>は文章全体を一気に受け入れるので</a:t>
+            </a:r>
+            <a:endParaRPr lang="en-US" altLang="ja-JP" sz="2800" dirty="0"/>
+          </a:p>
+          <a:p>
+            <a:r>
+              <a:rPr lang="ja-JP" altLang="en-US" sz="2800" b="1" dirty="0"/>
+              <a:t>未来の単語が予測に反映されないように</a:t>
+            </a:r>
+            <a:r>
+              <a:rPr lang="ja-JP" altLang="en-US" sz="2800" dirty="0"/>
+              <a:t>する必要がある。</a:t>
+            </a:r>
+            <a:endParaRPr kumimoji="1" lang="ja-JP" altLang="en-US" sz="2800" dirty="0"/>
+          </a:p>
+        </p:txBody>
+      </p:sp>
+      <p:grpSp>
+        <p:nvGrpSpPr>
+          <p:cNvPr id="13" name="グループ化 12">
+            <a:extLst>
+              <a:ext uri="{FF2B5EF4-FFF2-40B4-BE49-F238E27FC236}">
+                <a16:creationId xmlns:a16="http://schemas.microsoft.com/office/drawing/2014/main" id="{A9D9FACE-3B6B-AA24-FE01-FA1455DBCF37}"/>
+              </a:ext>
+            </a:extLst>
+          </p:cNvPr>
+          <p:cNvGrpSpPr/>
+          <p:nvPr/>
+        </p:nvGrpSpPr>
+        <p:grpSpPr>
+          <a:xfrm>
+            <a:off x="8418787" y="4664789"/>
+            <a:ext cx="3216166" cy="1653702"/>
+            <a:chOff x="8339959" y="4593844"/>
+            <a:chExt cx="3216166" cy="1653702"/>
+          </a:xfrm>
+        </p:grpSpPr>
+        <p:sp>
+          <p:nvSpPr>
+            <p:cNvPr id="6" name="テキスト ボックス 5">
+              <a:extLst>
+                <a:ext uri="{FF2B5EF4-FFF2-40B4-BE49-F238E27FC236}">
+                  <a16:creationId xmlns:a16="http://schemas.microsoft.com/office/drawing/2014/main" id="{571D4C53-1692-CE0E-8DB9-3F8FD374FE9B}"/>
+                </a:ext>
+              </a:extLst>
+            </p:cNvPr>
+            <p:cNvSpPr txBox="1"/>
+            <p:nvPr/>
+          </p:nvSpPr>
+          <p:spPr>
+            <a:xfrm>
+              <a:off x="8755989" y="4877900"/>
+              <a:ext cx="811924" cy="369332"/>
+            </a:xfrm>
+            <a:prstGeom prst="rect">
+              <a:avLst/>
+            </a:prstGeom>
+            <a:noFill/>
+          </p:spPr>
+          <p:txBody>
+            <a:bodyPr wrap="square" rtlCol="0">
+              <a:spAutoFit/>
+            </a:bodyPr>
+            <a:lstStyle/>
+            <a:p>
+              <a:pPr algn="r"/>
+              <a:r>
+                <a:rPr kumimoji="1" lang="en-US" altLang="ja-JP" dirty="0">
+                  <a:solidFill>
+                    <a:srgbClr val="0070C0"/>
+                  </a:solidFill>
+                </a:rPr>
+                <a:t>&lt;</a:t>
+              </a:r>
+              <a:r>
+                <a:rPr kumimoji="1" lang="en-US" altLang="ja-JP" dirty="0" err="1">
+                  <a:solidFill>
+                    <a:srgbClr val="0070C0"/>
+                  </a:solidFill>
+                </a:rPr>
+                <a:t>sos</a:t>
+              </a:r>
+              <a:r>
+                <a:rPr kumimoji="1" lang="en-US" altLang="ja-JP" dirty="0">
+                  <a:solidFill>
+                    <a:srgbClr val="0070C0"/>
+                  </a:solidFill>
+                </a:rPr>
+                <a:t>&gt;</a:t>
+              </a:r>
+              <a:endParaRPr kumimoji="1" lang="ja-JP" altLang="en-US" dirty="0">
+                <a:solidFill>
+                  <a:srgbClr val="0070C0"/>
+                </a:solidFill>
+              </a:endParaRPr>
+            </a:p>
+          </p:txBody>
+        </p:sp>
+        <p:sp>
+          <p:nvSpPr>
+            <p:cNvPr id="7" name="テキスト ボックス 6">
+              <a:extLst>
+                <a:ext uri="{FF2B5EF4-FFF2-40B4-BE49-F238E27FC236}">
+                  <a16:creationId xmlns:a16="http://schemas.microsoft.com/office/drawing/2014/main" id="{B54F7710-74D4-31FC-710D-F085E9F2F5DB}"/>
+                </a:ext>
+              </a:extLst>
+            </p:cNvPr>
+            <p:cNvSpPr txBox="1"/>
+            <p:nvPr/>
+          </p:nvSpPr>
+          <p:spPr>
+            <a:xfrm>
+              <a:off x="8755989" y="5228994"/>
+              <a:ext cx="811924" cy="369332"/>
+            </a:xfrm>
+            <a:prstGeom prst="rect">
+              <a:avLst/>
+            </a:prstGeom>
+            <a:noFill/>
+          </p:spPr>
+          <p:txBody>
+            <a:bodyPr wrap="square" rtlCol="0">
+              <a:spAutoFit/>
+            </a:bodyPr>
+            <a:lstStyle/>
+            <a:p>
+              <a:pPr algn="r"/>
+              <a:r>
+                <a:rPr kumimoji="1" lang="en-US" altLang="ja-JP" dirty="0" err="1">
+                  <a:solidFill>
+                    <a:srgbClr val="0070C0"/>
+                  </a:solidFill>
+                </a:rPr>
+                <a:t>Yo</a:t>
+              </a:r>
+              <a:endParaRPr kumimoji="1" lang="ja-JP" altLang="en-US" dirty="0">
+                <a:solidFill>
+                  <a:srgbClr val="0070C0"/>
+                </a:solidFill>
+              </a:endParaRPr>
+            </a:p>
+          </p:txBody>
+        </p:sp>
+        <p:sp>
+          <p:nvSpPr>
+            <p:cNvPr id="8" name="テキスト ボックス 7">
+              <a:extLst>
+                <a:ext uri="{FF2B5EF4-FFF2-40B4-BE49-F238E27FC236}">
+                  <a16:creationId xmlns:a16="http://schemas.microsoft.com/office/drawing/2014/main" id="{16A4FABB-8108-0937-7DD7-1521674FA074}"/>
+                </a:ext>
+              </a:extLst>
+            </p:cNvPr>
+            <p:cNvSpPr txBox="1"/>
+            <p:nvPr/>
+          </p:nvSpPr>
+          <p:spPr>
+            <a:xfrm>
+              <a:off x="8755989" y="5544683"/>
+              <a:ext cx="811924" cy="369332"/>
+            </a:xfrm>
+            <a:prstGeom prst="rect">
+              <a:avLst/>
+            </a:prstGeom>
+            <a:noFill/>
+          </p:spPr>
+          <p:txBody>
+            <a:bodyPr wrap="square" rtlCol="0">
+              <a:spAutoFit/>
+            </a:bodyPr>
+            <a:lstStyle/>
+            <a:p>
+              <a:pPr algn="r"/>
+              <a:r>
+                <a:rPr kumimoji="1" lang="en-US" altLang="ja-JP" dirty="0">
+                  <a:solidFill>
+                    <a:srgbClr val="0070C0"/>
+                  </a:solidFill>
+                </a:rPr>
+                <a:t>soy</a:t>
+              </a:r>
+              <a:endParaRPr kumimoji="1" lang="ja-JP" altLang="en-US" dirty="0">
+                <a:solidFill>
+                  <a:srgbClr val="0070C0"/>
+                </a:solidFill>
+              </a:endParaRPr>
+            </a:p>
+          </p:txBody>
+        </p:sp>
+        <p:sp>
+          <p:nvSpPr>
+            <p:cNvPr id="9" name="テキスト ボックス 8">
+              <a:extLst>
+                <a:ext uri="{FF2B5EF4-FFF2-40B4-BE49-F238E27FC236}">
+                  <a16:creationId xmlns:a16="http://schemas.microsoft.com/office/drawing/2014/main" id="{1DE1B504-5810-B464-194C-068C599B1687}"/>
+                </a:ext>
+              </a:extLst>
+            </p:cNvPr>
+            <p:cNvSpPr txBox="1"/>
+            <p:nvPr/>
+          </p:nvSpPr>
+          <p:spPr>
+            <a:xfrm>
+              <a:off x="8339959" y="5869092"/>
+              <a:ext cx="1227954" cy="369332"/>
+            </a:xfrm>
+            <a:prstGeom prst="rect">
+              <a:avLst/>
+            </a:prstGeom>
+            <a:noFill/>
+          </p:spPr>
+          <p:txBody>
+            <a:bodyPr wrap="square" rtlCol="0">
+              <a:spAutoFit/>
+            </a:bodyPr>
+            <a:lstStyle/>
+            <a:p>
+              <a:pPr algn="r"/>
+              <a:r>
+                <a:rPr kumimoji="1" lang="en-US" altLang="ja-JP" dirty="0" err="1">
+                  <a:solidFill>
+                    <a:srgbClr val="0070C0"/>
+                  </a:solidFill>
+                </a:rPr>
+                <a:t>estudiante</a:t>
+              </a:r>
+              <a:endParaRPr kumimoji="1" lang="ja-JP" altLang="en-US" dirty="0">
+                <a:solidFill>
+                  <a:srgbClr val="0070C0"/>
+                </a:solidFill>
+              </a:endParaRPr>
+            </a:p>
+          </p:txBody>
+        </p:sp>
+        <p:sp>
+          <p:nvSpPr>
+            <p:cNvPr id="10" name="テキスト ボックス 9">
+              <a:extLst>
+                <a:ext uri="{FF2B5EF4-FFF2-40B4-BE49-F238E27FC236}">
+                  <a16:creationId xmlns:a16="http://schemas.microsoft.com/office/drawing/2014/main" id="{0B28224B-328C-B24A-E616-BCA9381C2FEC}"/>
+                </a:ext>
+              </a:extLst>
+            </p:cNvPr>
+            <p:cNvSpPr txBox="1"/>
+            <p:nvPr/>
+          </p:nvSpPr>
+          <p:spPr>
+            <a:xfrm>
+              <a:off x="9398435" y="4593844"/>
+              <a:ext cx="2157690" cy="307777"/>
+            </a:xfrm>
+            <a:prstGeom prst="rect">
+              <a:avLst/>
+            </a:prstGeom>
+            <a:noFill/>
+          </p:spPr>
+          <p:txBody>
+            <a:bodyPr wrap="square" rtlCol="0">
+              <a:spAutoFit/>
+            </a:bodyPr>
+            <a:lstStyle/>
+            <a:p>
+              <a:r>
+                <a:rPr kumimoji="1" lang="en-US" altLang="ja-JP" sz="1400" dirty="0">
+                  <a:solidFill>
+                    <a:srgbClr val="0070C0"/>
+                  </a:solidFill>
+                </a:rPr>
+                <a:t>&lt;</a:t>
+              </a:r>
+              <a:r>
+                <a:rPr kumimoji="1" lang="en-US" altLang="ja-JP" sz="1400" dirty="0" err="1">
+                  <a:solidFill>
+                    <a:srgbClr val="0070C0"/>
+                  </a:solidFill>
+                </a:rPr>
+                <a:t>sos</a:t>
+              </a:r>
+              <a:r>
+                <a:rPr kumimoji="1" lang="en-US" altLang="ja-JP" sz="1400" dirty="0">
+                  <a:solidFill>
+                    <a:srgbClr val="0070C0"/>
+                  </a:solidFill>
+                </a:rPr>
+                <a:t>&gt; </a:t>
+              </a:r>
+              <a:r>
+                <a:rPr kumimoji="1" lang="en-US" altLang="ja-JP" sz="1400" dirty="0" err="1">
+                  <a:solidFill>
+                    <a:srgbClr val="0070C0"/>
+                  </a:solidFill>
+                </a:rPr>
+                <a:t>Yo</a:t>
+              </a:r>
+              <a:r>
+                <a:rPr kumimoji="1" lang="en-US" altLang="ja-JP" sz="1400" dirty="0">
+                  <a:solidFill>
+                    <a:srgbClr val="0070C0"/>
+                  </a:solidFill>
+                </a:rPr>
+                <a:t>   soy  </a:t>
+              </a:r>
+              <a:r>
+                <a:rPr kumimoji="1" lang="en-US" altLang="ja-JP" sz="1400" dirty="0" err="1">
+                  <a:solidFill>
+                    <a:srgbClr val="0070C0"/>
+                  </a:solidFill>
+                </a:rPr>
+                <a:t>estudiante</a:t>
+              </a:r>
+              <a:endParaRPr kumimoji="1" lang="ja-JP" altLang="en-US" sz="1400" dirty="0">
+                <a:solidFill>
+                  <a:srgbClr val="0070C0"/>
+                </a:solidFill>
+              </a:endParaRPr>
+            </a:p>
+          </p:txBody>
+        </p:sp>
+        <p:pic>
+          <p:nvPicPr>
+            <p:cNvPr id="12" name="図 11" descr="パソコンの画面&#10;&#10;低い精度で自動的に生成された説明">
+              <a:extLst>
+                <a:ext uri="{FF2B5EF4-FFF2-40B4-BE49-F238E27FC236}">
+                  <a16:creationId xmlns:a16="http://schemas.microsoft.com/office/drawing/2014/main" id="{90F9AF75-597C-4818-3C23-FEEC78E0AEB2}"/>
+                </a:ext>
+              </a:extLst>
+            </p:cNvPr>
+            <p:cNvPicPr>
+              <a:picLocks noChangeAspect="1"/>
+            </p:cNvPicPr>
+            <p:nvPr/>
+          </p:nvPicPr>
+          <p:blipFill>
+            <a:blip r:embed="rId2"/>
+            <a:stretch>
+              <a:fillRect/>
+            </a:stretch>
+          </p:blipFill>
+          <p:spPr>
+            <a:xfrm>
+              <a:off x="9560030" y="4892558"/>
+              <a:ext cx="1418719" cy="1354988"/>
+            </a:xfrm>
+            <a:prstGeom prst="rect">
+              <a:avLst/>
+            </a:prstGeom>
+          </p:spPr>
+        </p:pic>
+      </p:grpSp>
+    </p:spTree>
+    <p:extLst>
+      <p:ext uri="{BB962C8B-B14F-4D97-AF65-F5344CB8AC3E}">
+        <p14:creationId xmlns:p14="http://schemas.microsoft.com/office/powerpoint/2010/main" val="4072445167"/>
+      </p:ext>
+    </p:extLst>
+  </p:cSld>
+  <p:clrMapOvr>
+    <a:masterClrMapping/>
+  </p:clrMapOvr>
+</p:sld>
+</file>
+
+<file path=ppt/slides/slide11.xml><?xml version="1.0" encoding="utf-8"?>
+<p:sld xmlns:a="http://schemas.openxmlformats.org/drawingml/2006/main" xmlns:r="http://schemas.openxmlformats.org/officeDocument/2006/relationships" xmlns:p="http://schemas.openxmlformats.org/presentationml/2006/main">
+  <p:cSld>
+    <p:spTree>
+      <p:nvGrpSpPr>
+        <p:cNvPr id="1" name=""/>
+        <p:cNvGrpSpPr/>
+        <p:nvPr/>
+      </p:nvGrpSpPr>
+      <p:grpSpPr>
+        <a:xfrm>
+          <a:off x="0" y="0"/>
+          <a:ext cx="0" cy="0"/>
+          <a:chOff x="0" y="0"/>
+          <a:chExt cx="0" cy="0"/>
+        </a:xfrm>
+      </p:grpSpPr>
+      <p:sp>
+        <p:nvSpPr>
+          <p:cNvPr id="2" name="タイトル 1">
+            <a:extLst>
+              <a:ext uri="{FF2B5EF4-FFF2-40B4-BE49-F238E27FC236}">
+                <a16:creationId xmlns:a16="http://schemas.microsoft.com/office/drawing/2014/main" id="{353C34FB-305C-1CDE-D4C5-75EDA8DA7C28}"/>
+              </a:ext>
+            </a:extLst>
+          </p:cNvPr>
+          <p:cNvSpPr>
+            <a:spLocks noGrp="1"/>
+          </p:cNvSpPr>
+          <p:nvPr>
+            <p:ph type="title"/>
+          </p:nvPr>
+        </p:nvSpPr>
+        <p:spPr/>
+        <p:txBody>
+          <a:bodyPr/>
+          <a:lstStyle/>
+          <a:p>
+            <a:r>
+              <a:rPr kumimoji="1" lang="en-US" altLang="ja-JP" dirty="0"/>
+              <a:t>Look-ahead Mask</a:t>
+            </a:r>
+            <a:endParaRPr kumimoji="1" lang="ja-JP" altLang="en-US" dirty="0"/>
+          </a:p>
+        </p:txBody>
+      </p:sp>
+      <p:pic>
+        <p:nvPicPr>
+          <p:cNvPr id="5" name="図 4">
+            <a:extLst>
+              <a:ext uri="{FF2B5EF4-FFF2-40B4-BE49-F238E27FC236}">
+                <a16:creationId xmlns:a16="http://schemas.microsoft.com/office/drawing/2014/main" id="{EAF090BD-351D-CFBF-F7CE-C307032B583E}"/>
+              </a:ext>
+            </a:extLst>
+          </p:cNvPr>
+          <p:cNvPicPr>
+            <a:picLocks noChangeAspect="1"/>
+          </p:cNvPicPr>
+          <p:nvPr/>
+        </p:nvPicPr>
+        <p:blipFill rotWithShape="1">
+          <a:blip r:embed="rId2"/>
+          <a:srcRect l="21797" t="45160" r="39531" b="18751"/>
+          <a:stretch/>
+        </p:blipFill>
+        <p:spPr>
+          <a:xfrm>
+            <a:off x="2082819" y="1968395"/>
+            <a:ext cx="8026362" cy="4213342"/>
+          </a:xfrm>
+          <a:prstGeom prst="rect">
+            <a:avLst/>
+          </a:prstGeom>
+        </p:spPr>
+      </p:pic>
+    </p:spTree>
+    <p:extLst>
+      <p:ext uri="{BB962C8B-B14F-4D97-AF65-F5344CB8AC3E}">
+        <p14:creationId xmlns:p14="http://schemas.microsoft.com/office/powerpoint/2010/main" val="2266279167"/>
+      </p:ext>
+    </p:extLst>
+  </p:cSld>
+  <p:clrMapOvr>
+    <a:masterClrMapping/>
+  </p:clrMapOvr>
+</p:sld>
+</file>
+
+<file path=ppt/slides/slide12.xml><?xml version="1.0" encoding="utf-8"?>
+<p:sld xmlns:a="http://schemas.openxmlformats.org/drawingml/2006/main" xmlns:r="http://schemas.openxmlformats.org/officeDocument/2006/relationships" xmlns:p="http://schemas.openxmlformats.org/presentationml/2006/main">
+  <p:cSld>
+    <p:spTree>
+      <p:nvGrpSpPr>
+        <p:cNvPr id="1" name=""/>
+        <p:cNvGrpSpPr/>
+        <p:nvPr/>
+      </p:nvGrpSpPr>
+      <p:grpSpPr>
+        <a:xfrm>
+          <a:off x="0" y="0"/>
+          <a:ext cx="0" cy="0"/>
+          <a:chOff x="0" y="0"/>
+          <a:chExt cx="0" cy="0"/>
+        </a:xfrm>
+      </p:grpSpPr>
+      <p:sp>
+        <p:nvSpPr>
+          <p:cNvPr id="9" name="TextBox 8">
+            <a:extLst>
+              <a:ext uri="{FF2B5EF4-FFF2-40B4-BE49-F238E27FC236}">
+                <a16:creationId xmlns:a16="http://schemas.microsoft.com/office/drawing/2014/main" id="{472B3A3A-62AB-85BA-66DE-358F42CA3F85}"/>
+              </a:ext>
+            </a:extLst>
+          </p:cNvPr>
+          <p:cNvSpPr txBox="1"/>
+          <p:nvPr/>
+        </p:nvSpPr>
+        <p:spPr>
+          <a:xfrm>
+            <a:off x="1061291" y="1520327"/>
+            <a:ext cx="10069417" cy="923330"/>
+          </a:xfrm>
+          <a:prstGeom prst="rect">
+            <a:avLst/>
+          </a:prstGeom>
+          <a:noFill/>
+        </p:spPr>
+        <p:txBody>
+          <a:bodyPr wrap="square" rtlCol="0">
+            <a:spAutoFit/>
+          </a:bodyPr>
+          <a:lstStyle/>
+          <a:p>
+            <a:pPr algn="ctr"/>
+            <a:r>
+              <a:rPr lang="ja-JP" altLang="en-US" sz="5400" dirty="0"/>
+              <a:t>ご清聴ありがとうございました。</a:t>
+            </a:r>
+            <a:endParaRPr lang="ko-KR" altLang="en-US" sz="5400" dirty="0"/>
+          </a:p>
+        </p:txBody>
+      </p:sp>
+      <p:sp>
+        <p:nvSpPr>
+          <p:cNvPr id="12" name="タイトル 1">
+            <a:extLst>
+              <a:ext uri="{FF2B5EF4-FFF2-40B4-BE49-F238E27FC236}">
+                <a16:creationId xmlns:a16="http://schemas.microsoft.com/office/drawing/2014/main" id="{CC865822-6E01-0258-085A-63FC9F7F825D}"/>
+              </a:ext>
+            </a:extLst>
+          </p:cNvPr>
+          <p:cNvSpPr txBox="1">
+            <a:spLocks/>
+          </p:cNvSpPr>
+          <p:nvPr/>
+        </p:nvSpPr>
+        <p:spPr>
+          <a:xfrm>
+            <a:off x="471889" y="5593147"/>
+            <a:ext cx="5624111" cy="923330"/>
+          </a:xfrm>
+          <a:prstGeom prst="rect">
+            <a:avLst/>
+          </a:prstGeom>
+        </p:spPr>
+        <p:txBody>
+          <a:bodyPr vert="horz" lIns="91440" tIns="0" rIns="91440" bIns="0" rtlCol="0" anchor="b">
+            <a:normAutofit fontScale="92500" lnSpcReduction="10000"/>
+          </a:bodyPr>
+          <a:lstStyle>
+            <a:lvl1pPr algn="l" defTabSz="914400" rtl="0" eaLnBrk="1" latinLnBrk="0" hangingPunct="1">
+              <a:lnSpc>
+                <a:spcPct val="90000"/>
+              </a:lnSpc>
+              <a:spcBef>
+                <a:spcPct val="0"/>
+              </a:spcBef>
+              <a:buNone/>
+              <a:defRPr kumimoji="1" sz="3600" b="0" i="0" kern="1200" spc="-50" baseline="0">
+                <a:solidFill>
+                  <a:srgbClr val="FFFFFF"/>
+                </a:solidFill>
+                <a:latin typeface="Meiryo UI" panose="020B0604030504040204" pitchFamily="50" charset="-128"/>
+                <a:ea typeface="Meiryo UI" panose="020B0604030504040204" pitchFamily="50" charset="-128"/>
+                <a:cs typeface="+mj-cs"/>
+              </a:defRPr>
+            </a:lvl1pPr>
+          </a:lstStyle>
+          <a:p>
+            <a:r>
+              <a:rPr lang="ja-JP" altLang="en-US" sz="4400" dirty="0">
+                <a:solidFill>
+                  <a:schemeClr val="bg1"/>
+                </a:solidFill>
+              </a:rPr>
+              <a:t>進捗発表</a:t>
+            </a:r>
+            <a:r>
+              <a:rPr lang="en-US" altLang="ja-JP" sz="4400" dirty="0">
+                <a:solidFill>
+                  <a:schemeClr val="bg1"/>
+                </a:solidFill>
+              </a:rPr>
+              <a:t>9</a:t>
+            </a:r>
+            <a:br>
+              <a:rPr lang="en-US" altLang="ja-JP" sz="4400" dirty="0">
+                <a:solidFill>
+                  <a:schemeClr val="bg1"/>
+                </a:solidFill>
+              </a:rPr>
+            </a:br>
+            <a:r>
+              <a:rPr lang="en-US" altLang="ja-JP" sz="3200" dirty="0">
+                <a:solidFill>
+                  <a:schemeClr val="bg1"/>
+                </a:solidFill>
+              </a:rPr>
+              <a:t>Transformer:</a:t>
+            </a:r>
+            <a:r>
+              <a:rPr lang="en-US" altLang="ja-JP" sz="2200" dirty="0">
+                <a:solidFill>
+                  <a:schemeClr val="bg1"/>
+                </a:solidFill>
+              </a:rPr>
+              <a:t> Attention is all you need</a:t>
+            </a:r>
+          </a:p>
+        </p:txBody>
+      </p:sp>
+      <p:sp>
+        <p:nvSpPr>
+          <p:cNvPr id="14" name="タイトル 1">
+            <a:extLst>
+              <a:ext uri="{FF2B5EF4-FFF2-40B4-BE49-F238E27FC236}">
+                <a16:creationId xmlns:a16="http://schemas.microsoft.com/office/drawing/2014/main" id="{306953CC-CE73-755C-003D-1C2ECE07C6FE}"/>
+              </a:ext>
+            </a:extLst>
+          </p:cNvPr>
+          <p:cNvSpPr txBox="1">
+            <a:spLocks/>
+          </p:cNvSpPr>
+          <p:nvPr/>
+        </p:nvSpPr>
+        <p:spPr>
+          <a:xfrm>
+            <a:off x="6095999" y="5593147"/>
+            <a:ext cx="5624111" cy="923330"/>
+          </a:xfrm>
+          <a:prstGeom prst="rect">
+            <a:avLst/>
+          </a:prstGeom>
+        </p:spPr>
+        <p:txBody>
+          <a:bodyPr vert="horz" lIns="91440" tIns="0" rIns="91440" bIns="0" rtlCol="0" anchor="b">
+            <a:normAutofit/>
+          </a:bodyPr>
+          <a:lstStyle>
+            <a:lvl1pPr algn="l" defTabSz="914400" rtl="0" eaLnBrk="1" latinLnBrk="0" hangingPunct="1">
+              <a:lnSpc>
+                <a:spcPct val="90000"/>
+              </a:lnSpc>
+              <a:spcBef>
+                <a:spcPct val="0"/>
+              </a:spcBef>
+              <a:buNone/>
+              <a:defRPr kumimoji="1" sz="3600" b="0" i="0" kern="1200" spc="-50" baseline="0">
+                <a:solidFill>
+                  <a:srgbClr val="FFFFFF"/>
+                </a:solidFill>
+                <a:latin typeface="Meiryo UI" panose="020B0604030504040204" pitchFamily="50" charset="-128"/>
+                <a:ea typeface="Meiryo UI" panose="020B0604030504040204" pitchFamily="50" charset="-128"/>
+                <a:cs typeface="+mj-cs"/>
+              </a:defRPr>
+            </a:lvl1pPr>
+          </a:lstStyle>
+          <a:p>
+            <a:pPr algn="r"/>
+            <a:r>
+              <a:rPr lang="ja-JP" altLang="en-US" sz="3200" dirty="0">
+                <a:solidFill>
+                  <a:schemeClr val="bg1"/>
+                </a:solidFill>
+              </a:rPr>
+              <a:t>徐 恃源</a:t>
+            </a:r>
+            <a:br>
+              <a:rPr lang="en-US" altLang="ja-JP" sz="4400" dirty="0">
+                <a:solidFill>
+                  <a:schemeClr val="bg1"/>
+                </a:solidFill>
+              </a:rPr>
+            </a:br>
+            <a:r>
+              <a:rPr lang="en-US" altLang="ja-JP" sz="1800" dirty="0">
+                <a:solidFill>
+                  <a:schemeClr val="bg1"/>
+                </a:solidFill>
+              </a:rPr>
+              <a:t>9LDI1101 github.com/sion1225</a:t>
+            </a:r>
+            <a:endParaRPr lang="en-US" altLang="ja-JP" sz="2200" dirty="0">
+              <a:solidFill>
+                <a:schemeClr val="bg1"/>
+              </a:solidFill>
+            </a:endParaRPr>
+          </a:p>
+        </p:txBody>
+      </p:sp>
+    </p:spTree>
+    <p:extLst>
+      <p:ext uri="{BB962C8B-B14F-4D97-AF65-F5344CB8AC3E}">
+        <p14:creationId xmlns:p14="http://schemas.microsoft.com/office/powerpoint/2010/main" val="3255203221"/>
+      </p:ext>
+    </p:extLst>
+  </p:cSld>
+  <p:clrMapOvr>
+    <a:masterClrMapping/>
   </p:clrMapOvr>
 </p:sld>
 </file>
@@ -7069,8 +7850,8 @@
           </a:p>
         </p:txBody>
       </p:sp>
-      <mc:AlternateContent xmlns:mc="http://schemas.openxmlformats.org/markup-compatibility/2006">
-        <mc:Choice xmlns:a14="http://schemas.microsoft.com/office/drawing/2010/main" Requires="a14">
+      <mc:AlternateContent xmlns:mc="http://schemas.openxmlformats.org/markup-compatibility/2006" xmlns:a14="http://schemas.microsoft.com/office/drawing/2010/main">
+        <mc:Choice Requires="a14">
           <p:sp>
             <p:nvSpPr>
               <p:cNvPr id="3" name="コンテンツ プレースホルダー 2">
@@ -7668,7 +8449,7 @@
             </p:txBody>
           </p:sp>
         </mc:Choice>
-        <mc:Fallback>
+        <mc:Fallback xmlns="">
           <p:sp>
             <p:nvSpPr>
               <p:cNvPr id="3" name="コンテンツ プレースホルダー 2">
@@ -7763,60 +8544,47 @@
           <a:bodyPr/>
           <a:lstStyle/>
           <a:p>
-            <a:endParaRPr kumimoji="1" lang="ja-JP" altLang="en-US"/>
+            <a:r>
+              <a:rPr lang="en-US" altLang="ja-JP" dirty="0"/>
+              <a:t>Encoder</a:t>
+            </a:r>
+            <a:r>
+              <a:rPr lang="ja-JP" altLang="en-US" dirty="0"/>
+              <a:t>の組み立て</a:t>
+            </a:r>
+            <a:endParaRPr kumimoji="1" lang="ja-JP" altLang="en-US" dirty="0"/>
           </a:p>
         </p:txBody>
       </p:sp>
-      <p:sp>
-        <p:nvSpPr>
-          <p:cNvPr id="3" name="コンテンツ プレースホルダー 2">
+      <p:pic>
+        <p:nvPicPr>
+          <p:cNvPr id="6" name="図 5">
             <a:extLst>
               <a:ext uri="{FF2B5EF4-FFF2-40B4-BE49-F238E27FC236}">
-                <a16:creationId xmlns:a16="http://schemas.microsoft.com/office/drawing/2014/main" id="{3C395653-F290-AC47-0B62-AAFAFCE8007F}"/>
+                <a16:creationId xmlns:a16="http://schemas.microsoft.com/office/drawing/2014/main" id="{9142F382-5F90-7C35-7C5A-57DF57C9AE47}"/>
               </a:ext>
             </a:extLst>
           </p:cNvPr>
-          <p:cNvSpPr>
-            <a:spLocks noGrp="1"/>
-          </p:cNvSpPr>
-          <p:nvPr>
-            <p:ph sz="half" idx="1"/>
-          </p:nvPr>
-        </p:nvSpPr>
-        <p:spPr/>
-        <p:txBody>
-          <a:bodyPr/>
-          <a:lstStyle/>
-          <a:p>
-            <a:endParaRPr kumimoji="1" lang="ja-JP" altLang="en-US"/>
-          </a:p>
-        </p:txBody>
-      </p:sp>
-      <p:sp>
-        <p:nvSpPr>
-          <p:cNvPr id="4" name="コンテンツ プレースホルダー 3">
-            <a:extLst>
-              <a:ext uri="{FF2B5EF4-FFF2-40B4-BE49-F238E27FC236}">
-                <a16:creationId xmlns:a16="http://schemas.microsoft.com/office/drawing/2014/main" id="{A1657C37-254C-2724-1965-80EEC6F751FD}"/>
-              </a:ext>
-            </a:extLst>
-          </p:cNvPr>
-          <p:cNvSpPr>
-            <a:spLocks noGrp="1"/>
-          </p:cNvSpPr>
-          <p:nvPr>
-            <p:ph sz="half" idx="2"/>
-          </p:nvPr>
-        </p:nvSpPr>
-        <p:spPr/>
-        <p:txBody>
-          <a:bodyPr/>
-          <a:lstStyle/>
-          <a:p>
-            <a:endParaRPr kumimoji="1" lang="ja-JP" altLang="en-US"/>
-          </a:p>
-        </p:txBody>
-      </p:sp>
+          <p:cNvPicPr>
+            <a:picLocks noChangeAspect="1"/>
+          </p:cNvPicPr>
+          <p:nvPr/>
+        </p:nvPicPr>
+        <p:blipFill rotWithShape="1">
+          <a:blip r:embed="rId2"/>
+          <a:srcRect l="22418" t="33540" r="20278" b="24378"/>
+          <a:stretch/>
+        </p:blipFill>
+        <p:spPr>
+          <a:xfrm>
+            <a:off x="1007596" y="2057400"/>
+            <a:ext cx="10237767" cy="4229100"/>
+          </a:xfrm>
+          <a:prstGeom prst="rect">
+            <a:avLst/>
+          </a:prstGeom>
+        </p:spPr>
+      </p:pic>
     </p:spTree>
     <p:extLst>
       <p:ext uri="{BB962C8B-B14F-4D97-AF65-F5344CB8AC3E}">
@@ -7849,213 +8617,153 @@
       </p:grpSpPr>
       <p:sp>
         <p:nvSpPr>
-          <p:cNvPr id="9" name="TextBox 8">
+          <p:cNvPr id="2" name="タイトル 1">
             <a:extLst>
               <a:ext uri="{FF2B5EF4-FFF2-40B4-BE49-F238E27FC236}">
-                <a16:creationId xmlns:a16="http://schemas.microsoft.com/office/drawing/2014/main" id="{472B3A3A-62AB-85BA-66DE-358F42CA3F85}"/>
+                <a16:creationId xmlns:a16="http://schemas.microsoft.com/office/drawing/2014/main" id="{B1F8476D-1806-399A-24AB-40651A2698B0}"/>
               </a:ext>
             </a:extLst>
           </p:cNvPr>
-          <p:cNvSpPr txBox="1"/>
-          <p:nvPr/>
+          <p:cNvSpPr>
+            <a:spLocks noGrp="1"/>
+          </p:cNvSpPr>
+          <p:nvPr>
+            <p:ph type="title"/>
+          </p:nvPr>
         </p:nvSpPr>
-        <p:spPr>
-          <a:xfrm>
-            <a:off x="1061291" y="1520327"/>
-            <a:ext cx="10069417" cy="923330"/>
-          </a:xfrm>
-          <a:prstGeom prst="rect">
-            <a:avLst/>
-          </a:prstGeom>
-          <a:noFill/>
-        </p:spPr>
+        <p:spPr/>
         <p:txBody>
-          <a:bodyPr wrap="square" rtlCol="0">
-            <a:spAutoFit/>
-          </a:bodyPr>
+          <a:bodyPr/>
           <a:lstStyle/>
           <a:p>
-            <a:pPr algn="ctr"/>
-            <a:r>
-              <a:rPr lang="ja-JP" altLang="en-US" sz="5400" dirty="0"/>
-              <a:t>ご清聴ありがとうございました。</a:t>
-            </a:r>
-            <a:endParaRPr lang="ko-KR" altLang="en-US" sz="5400" dirty="0"/>
+            <a:r>
+              <a:rPr kumimoji="1" lang="en-US" altLang="ja-JP" dirty="0"/>
+              <a:t>Encoder</a:t>
+            </a:r>
+            <a:r>
+              <a:rPr kumimoji="1" lang="ja-JP" altLang="en-US" dirty="0"/>
+              <a:t>積層</a:t>
+            </a:r>
           </a:p>
         </p:txBody>
       </p:sp>
-      <p:sp>
-        <p:nvSpPr>
-          <p:cNvPr id="12" name="タイトル 1">
+      <p:pic>
+        <p:nvPicPr>
+          <p:cNvPr id="6" name="図 5">
             <a:extLst>
               <a:ext uri="{FF2B5EF4-FFF2-40B4-BE49-F238E27FC236}">
-                <a16:creationId xmlns:a16="http://schemas.microsoft.com/office/drawing/2014/main" id="{CC865822-6E01-0258-085A-63FC9F7F825D}"/>
+                <a16:creationId xmlns:a16="http://schemas.microsoft.com/office/drawing/2014/main" id="{33B8677D-29E2-51E0-5219-DB6988ADC43D}"/>
               </a:ext>
             </a:extLst>
           </p:cNvPr>
-          <p:cNvSpPr txBox="1">
-            <a:spLocks/>
-          </p:cNvSpPr>
+          <p:cNvPicPr>
+            <a:picLocks noChangeAspect="1"/>
+          </p:cNvPicPr>
           <p:nvPr/>
-        </p:nvSpPr>
+        </p:nvPicPr>
+        <p:blipFill rotWithShape="1">
+          <a:blip r:embed="rId2"/>
+          <a:srcRect l="22268" t="50000" r="20438" b="20000"/>
+          <a:stretch/>
+        </p:blipFill>
         <p:spPr>
           <a:xfrm>
-            <a:off x="471889" y="5593147"/>
-            <a:ext cx="5624111" cy="923330"/>
+            <a:off x="1248772" y="2709720"/>
+            <a:ext cx="9694455" cy="2855351"/>
           </a:xfrm>
           <a:prstGeom prst="rect">
             <a:avLst/>
           </a:prstGeom>
         </p:spPr>
+      </p:pic>
+    </p:spTree>
+    <p:extLst>
+      <p:ext uri="{BB962C8B-B14F-4D97-AF65-F5344CB8AC3E}">
+        <p14:creationId xmlns:p14="http://schemas.microsoft.com/office/powerpoint/2010/main" val="1487200115"/>
+      </p:ext>
+    </p:extLst>
+  </p:cSld>
+  <p:clrMapOvr>
+    <a:masterClrMapping/>
+  </p:clrMapOvr>
+</p:sld>
+</file>
+
+<file path=ppt/slides/slide9.xml><?xml version="1.0" encoding="utf-8"?>
+<p:sld xmlns:a="http://schemas.openxmlformats.org/drawingml/2006/main" xmlns:r="http://schemas.openxmlformats.org/officeDocument/2006/relationships" xmlns:p="http://schemas.openxmlformats.org/presentationml/2006/main">
+  <p:cSld>
+    <p:spTree>
+      <p:nvGrpSpPr>
+        <p:cNvPr id="1" name=""/>
+        <p:cNvGrpSpPr/>
+        <p:nvPr/>
+      </p:nvGrpSpPr>
+      <p:grpSpPr>
+        <a:xfrm>
+          <a:off x="0" y="0"/>
+          <a:ext cx="0" cy="0"/>
+          <a:chOff x="0" y="0"/>
+          <a:chExt cx="0" cy="0"/>
+        </a:xfrm>
+      </p:grpSpPr>
+      <p:sp>
+        <p:nvSpPr>
+          <p:cNvPr id="5" name="タイトル 4">
+            <a:extLst>
+              <a:ext uri="{FF2B5EF4-FFF2-40B4-BE49-F238E27FC236}">
+                <a16:creationId xmlns:a16="http://schemas.microsoft.com/office/drawing/2014/main" id="{E71CBB08-29D9-CD6F-4ACF-A07F3A9F7DDB}"/>
+              </a:ext>
+            </a:extLst>
+          </p:cNvPr>
+          <p:cNvSpPr>
+            <a:spLocks noGrp="1"/>
+          </p:cNvSpPr>
+          <p:nvPr>
+            <p:ph type="ctrTitle"/>
+          </p:nvPr>
+        </p:nvSpPr>
+        <p:spPr/>
         <p:txBody>
-          <a:bodyPr vert="horz" lIns="91440" tIns="0" rIns="91440" bIns="0" rtlCol="0" anchor="b">
-            <a:normAutofit fontScale="92500" lnSpcReduction="10000"/>
-          </a:bodyPr>
-          <a:lstStyle>
-            <a:lvl1pPr algn="l" defTabSz="914400" rtl="0" eaLnBrk="1" latinLnBrk="0" hangingPunct="1">
-              <a:lnSpc>
-                <a:spcPct val="90000"/>
-              </a:lnSpc>
-              <a:spcBef>
-                <a:spcPct val="0"/>
-              </a:spcBef>
-              <a:buNone/>
-              <a:defRPr kumimoji="1" sz="3600" b="0" i="0" kern="1200" spc="-50" baseline="0">
-                <a:solidFill>
-                  <a:srgbClr val="FFFFFF"/>
-                </a:solidFill>
-                <a:latin typeface="Meiryo UI" panose="020B0604030504040204" pitchFamily="50" charset="-128"/>
-                <a:ea typeface="Meiryo UI" panose="020B0604030504040204" pitchFamily="50" charset="-128"/>
-                <a:cs typeface="+mj-cs"/>
-              </a:defRPr>
-            </a:lvl1pPr>
-          </a:lstStyle>
-          <a:p>
-            <a:r>
-              <a:rPr lang="ja-JP" altLang="en-US" sz="4400" dirty="0">
-                <a:solidFill>
-                  <a:schemeClr val="bg1"/>
-                </a:solidFill>
-              </a:rPr>
-              <a:t>進捗発表</a:t>
-            </a:r>
-            <a:r>
-              <a:rPr lang="en-US" altLang="ja-JP" sz="4400" dirty="0">
-                <a:solidFill>
-                  <a:schemeClr val="bg1"/>
-                </a:solidFill>
-              </a:rPr>
-              <a:t>9</a:t>
-            </a:r>
-            <a:br>
-              <a:rPr lang="en-US" altLang="ja-JP" sz="4400" dirty="0">
-                <a:solidFill>
-                  <a:schemeClr val="bg1"/>
-                </a:solidFill>
-              </a:rPr>
-            </a:br>
-            <a:r>
-              <a:rPr lang="en-US" altLang="ja-JP" sz="3200" dirty="0">
-                <a:solidFill>
-                  <a:schemeClr val="bg1"/>
-                </a:solidFill>
-              </a:rPr>
-              <a:t>Transformer:</a:t>
-            </a:r>
-            <a:r>
-              <a:rPr lang="en-US" altLang="ja-JP" sz="2200" dirty="0">
-                <a:solidFill>
-                  <a:schemeClr val="bg1"/>
-                </a:solidFill>
-              </a:rPr>
-              <a:t> Attention is all you need</a:t>
-            </a:r>
+          <a:bodyPr/>
+          <a:lstStyle/>
+          <a:p>
+            <a:r>
+              <a:rPr lang="en-US" altLang="ja-JP" dirty="0"/>
+              <a:t>Decoder</a:t>
+            </a:r>
+            <a:endParaRPr lang="ja-JP" altLang="en-US" dirty="0"/>
           </a:p>
         </p:txBody>
       </p:sp>
       <p:sp>
         <p:nvSpPr>
-          <p:cNvPr id="14" name="タイトル 1">
+          <p:cNvPr id="6" name="字幕 5">
             <a:extLst>
               <a:ext uri="{FF2B5EF4-FFF2-40B4-BE49-F238E27FC236}">
-                <a16:creationId xmlns:a16="http://schemas.microsoft.com/office/drawing/2014/main" id="{306953CC-CE73-755C-003D-1C2ECE07C6FE}"/>
+                <a16:creationId xmlns:a16="http://schemas.microsoft.com/office/drawing/2014/main" id="{4AD1DEDD-A49F-600D-4DFF-D945F7938FFB}"/>
               </a:ext>
             </a:extLst>
           </p:cNvPr>
-          <p:cNvSpPr txBox="1">
-            <a:spLocks/>
+          <p:cNvSpPr>
+            <a:spLocks noGrp="1"/>
           </p:cNvSpPr>
-          <p:nvPr/>
+          <p:nvPr>
+            <p:ph type="subTitle" idx="1"/>
+          </p:nvPr>
         </p:nvSpPr>
-        <p:spPr>
-          <a:xfrm>
-            <a:off x="6095999" y="5593147"/>
-            <a:ext cx="5624111" cy="923330"/>
-          </a:xfrm>
-          <a:prstGeom prst="rect">
-            <a:avLst/>
-          </a:prstGeom>
-        </p:spPr>
+        <p:spPr/>
         <p:txBody>
-          <a:bodyPr vert="horz" lIns="91440" tIns="0" rIns="91440" bIns="0" rtlCol="0" anchor="b">
-            <a:normAutofit/>
-          </a:bodyPr>
-          <a:lstStyle>
-            <a:lvl1pPr algn="l" defTabSz="914400" rtl="0" eaLnBrk="1" latinLnBrk="0" hangingPunct="1">
-              <a:lnSpc>
-                <a:spcPct val="90000"/>
-              </a:lnSpc>
-              <a:spcBef>
-                <a:spcPct val="0"/>
-              </a:spcBef>
-              <a:buNone/>
-              <a:defRPr kumimoji="1" sz="3600" b="0" i="0" kern="1200" spc="-50" baseline="0">
-                <a:solidFill>
-                  <a:srgbClr val="FFFFFF"/>
-                </a:solidFill>
-                <a:latin typeface="Meiryo UI" panose="020B0604030504040204" pitchFamily="50" charset="-128"/>
-                <a:ea typeface="Meiryo UI" panose="020B0604030504040204" pitchFamily="50" charset="-128"/>
-                <a:cs typeface="+mj-cs"/>
-              </a:defRPr>
-            </a:lvl1pPr>
-          </a:lstStyle>
-          <a:p>
-            <a:pPr algn="r"/>
-            <a:r>
-              <a:rPr lang="ja-JP" altLang="en-US" sz="3200" dirty="0">
-                <a:solidFill>
-                  <a:schemeClr val="bg1"/>
-                </a:solidFill>
-              </a:rPr>
-              <a:t>徐 恃源</a:t>
-            </a:r>
-            <a:br>
-              <a:rPr lang="en-US" altLang="ja-JP" sz="4400" dirty="0">
-                <a:solidFill>
-                  <a:schemeClr val="bg1"/>
-                </a:solidFill>
-              </a:rPr>
-            </a:br>
-            <a:r>
-              <a:rPr lang="en-US" altLang="ja-JP" sz="1800" dirty="0">
-                <a:solidFill>
-                  <a:schemeClr val="bg1"/>
-                </a:solidFill>
-              </a:rPr>
-              <a:t>9LDI1101 github.com/sion1225</a:t>
-            </a:r>
-            <a:endParaRPr lang="en-US" altLang="ja-JP" sz="2200" dirty="0">
-              <a:solidFill>
-                <a:schemeClr val="bg1"/>
-              </a:solidFill>
-            </a:endParaRPr>
+          <a:bodyPr/>
+          <a:lstStyle/>
+          <a:p>
+            <a:endParaRPr lang="ja-JP" altLang="en-US"/>
           </a:p>
         </p:txBody>
       </p:sp>
     </p:spTree>
     <p:extLst>
       <p:ext uri="{BB962C8B-B14F-4D97-AF65-F5344CB8AC3E}">
-        <p14:creationId xmlns:p14="http://schemas.microsoft.com/office/powerpoint/2010/main" val="3255203221"/>
+        <p14:creationId xmlns:p14="http://schemas.microsoft.com/office/powerpoint/2010/main" val="143108326"/>
       </p:ext>
     </p:extLst>
   </p:cSld>
@@ -8914,15 +9622,6 @@
 </file>
 
 <file path=customXml/item1.xml><?xml version="1.0" encoding="utf-8"?>
-<p:properties xmlns:p="http://schemas.microsoft.com/office/2006/metadata/properties" xmlns:xsi="http://www.w3.org/2001/XMLSchema-instance" xmlns:pc="http://schemas.microsoft.com/office/infopath/2007/PartnerControls">
-  <documentManagement>
-    <Status xmlns="71af3243-3dd4-4a8d-8c0d-dd76da1f02a5">Not started</Status>
-    <MediaServiceKeyPoints xmlns="71af3243-3dd4-4a8d-8c0d-dd76da1f02a5" xsi:nil="true"/>
-  </documentManagement>
-</p:properties>
-</file>
-
-<file path=customXml/item2.xml><?xml version="1.0" encoding="utf-8"?>
 <ct:contentTypeSchema xmlns:ct="http://schemas.microsoft.com/office/2006/metadata/contentType" xmlns:ma="http://schemas.microsoft.com/office/2006/metadata/properties/metaAttributes" ct:_="" ma:_="" ma:contentTypeName="Document" ma:contentTypeID="0x01010079F111ED35F8CC479449609E8A0923A6" ma:contentTypeVersion="12" ma:contentTypeDescription="Create a new document." ma:contentTypeScope="" ma:versionID="a410dd7f93c95333ffa1b60ed6adedd1">
   <xsd:schema xmlns:xsd="http://www.w3.org/2001/XMLSchema" xmlns:xs="http://www.w3.org/2001/XMLSchema" xmlns:p="http://schemas.microsoft.com/office/2006/metadata/properties" xmlns:ns2="71af3243-3dd4-4a8d-8c0d-dd76da1f02a5" xmlns:ns3="16c05727-aa75-4e4a-9b5f-8a80a1165891" targetNamespace="http://schemas.microsoft.com/office/2006/metadata/properties" ma:root="true" ma:fieldsID="a936d9baba76aa3866493feff160faab" ns2:_="" ns3:_="">
     <xsd:import namespace="71af3243-3dd4-4a8d-8c0d-dd76da1f02a5"/>
@@ -9143,6 +9842,15 @@
 </ct:contentTypeSchema>
 </file>
 
+<file path=customXml/item2.xml><?xml version="1.0" encoding="utf-8"?>
+<p:properties xmlns:p="http://schemas.microsoft.com/office/2006/metadata/properties" xmlns:xsi="http://www.w3.org/2001/XMLSchema-instance" xmlns:pc="http://schemas.microsoft.com/office/infopath/2007/PartnerControls">
+  <documentManagement>
+    <Status xmlns="71af3243-3dd4-4a8d-8c0d-dd76da1f02a5">Not started</Status>
+    <MediaServiceKeyPoints xmlns="71af3243-3dd4-4a8d-8c0d-dd76da1f02a5" xsi:nil="true"/>
+  </documentManagement>
+</p:properties>
+</file>
+
 <file path=customXml/item3.xml><?xml version="1.0" encoding="utf-8"?>
 <?mso-contentType ?>
 <FormTemplates xmlns="http://schemas.microsoft.com/sharepoint/v3/contenttype/forms">
@@ -9153,16 +9861,6 @@
 </file>
 
 <file path=customXml/itemProps1.xml><?xml version="1.0" encoding="utf-8"?>
-<ds:datastoreItem xmlns:ds="http://schemas.openxmlformats.org/officeDocument/2006/customXml" ds:itemID="{A03EEFF0-FB57-4CB4-8BFC-DF397689E2ED}">
-  <ds:schemaRefs>
-    <ds:schemaRef ds:uri="http://schemas.microsoft.com/office/2006/metadata/properties"/>
-    <ds:schemaRef ds:uri="http://schemas.microsoft.com/office/infopath/2007/PartnerControls"/>
-    <ds:schemaRef ds:uri="71af3243-3dd4-4a8d-8c0d-dd76da1f02a5"/>
-  </ds:schemaRefs>
-</ds:datastoreItem>
-</file>
-
-<file path=customXml/itemProps2.xml><?xml version="1.0" encoding="utf-8"?>
 <ds:datastoreItem xmlns:ds="http://schemas.openxmlformats.org/officeDocument/2006/customXml" ds:itemID="{93932EF5-314F-409E-8020-FEE5FA0795B9}">
   <ds:schemaRefs>
     <ds:schemaRef ds:uri="http://schemas.microsoft.com/office/2006/metadata/contentType"/>
@@ -9181,6 +9879,16 @@
 </ds:datastoreItem>
 </file>
 
+<file path=customXml/itemProps2.xml><?xml version="1.0" encoding="utf-8"?>
+<ds:datastoreItem xmlns:ds="http://schemas.openxmlformats.org/officeDocument/2006/customXml" ds:itemID="{A03EEFF0-FB57-4CB4-8BFC-DF397689E2ED}">
+  <ds:schemaRefs>
+    <ds:schemaRef ds:uri="http://schemas.microsoft.com/office/2006/metadata/properties"/>
+    <ds:schemaRef ds:uri="http://schemas.microsoft.com/office/infopath/2007/PartnerControls"/>
+    <ds:schemaRef ds:uri="71af3243-3dd4-4a8d-8c0d-dd76da1f02a5"/>
+  </ds:schemaRefs>
+</ds:datastoreItem>
+</file>
+
 <file path=customXml/itemProps3.xml><?xml version="1.0" encoding="utf-8"?>
 <ds:datastoreItem xmlns:ds="http://schemas.openxmlformats.org/officeDocument/2006/customXml" ds:itemID="{AA3F7EDC-E5B4-4BBC-9D2A-CBE6D46C37AD}">
   <ds:schemaRefs>

--- a/Presentation/ppt9 Transformer2.pptx
+++ b/Presentation/ppt9 Transformer2.pptx
@@ -5,10 +5,10 @@
     <p:sldMasterId id="2147483660" r:id="rId4"/>
   </p:sldMasterIdLst>
   <p:notesMasterIdLst>
-    <p:notesMasterId r:id="rId17"/>
+    <p:notesMasterId r:id="rId19"/>
   </p:notesMasterIdLst>
   <p:handoutMasterIdLst>
-    <p:handoutMasterId r:id="rId18"/>
+    <p:handoutMasterId r:id="rId20"/>
   </p:handoutMasterIdLst>
   <p:sldIdLst>
     <p:sldId id="298" r:id="rId5"/>
@@ -22,7 +22,9 @@
     <p:sldId id="317" r:id="rId13"/>
     <p:sldId id="318" r:id="rId14"/>
     <p:sldId id="319" r:id="rId15"/>
-    <p:sldId id="310" r:id="rId16"/>
+    <p:sldId id="320" r:id="rId16"/>
+    <p:sldId id="321" r:id="rId17"/>
+    <p:sldId id="310" r:id="rId18"/>
   </p:sldIdLst>
   <p:sldSz cx="12192000" cy="6858000"/>
   <p:notesSz cx="6858000" cy="9144000"/>
@@ -220,7 +222,7 @@
                 <a:latin typeface="Meiryo UI" panose="020B0604030504040204" pitchFamily="50" charset="-128"/>
                 <a:ea typeface="Meiryo UI" panose="020B0604030504040204" pitchFamily="50" charset="-128"/>
               </a:rPr>
-              <a:t>2023/5/12</a:t>
+              <a:t>2023/5/15</a:t>
             </a:fld>
             <a:endParaRPr kumimoji="1" lang="ja-JP" altLang="en-US" dirty="0">
               <a:latin typeface="Meiryo UI" panose="020B0604030504040204" pitchFamily="50" charset="-128"/>
@@ -404,7 +406,7 @@
             <a:fld id="{D5D0D523-8CFC-4A67-BC17-72B1EE12365D}" type="datetime1">
               <a:rPr kumimoji="1" lang="ja-JP" altLang="en-US" smtClean="0"/>
               <a:pPr/>
-              <a:t>2023/5/12</a:t>
+              <a:t>2023/5/15</a:t>
             </a:fld>
             <a:endParaRPr kumimoji="1" lang="ja-JP" altLang="en-US" dirty="0"/>
           </a:p>
@@ -5311,6 +5313,340 @@
 </file>
 
 <file path=ppt/slides/slide12.xml><?xml version="1.0" encoding="utf-8"?>
+<p:sld xmlns:a="http://schemas.openxmlformats.org/drawingml/2006/main" xmlns:r="http://schemas.openxmlformats.org/officeDocument/2006/relationships" xmlns:p="http://schemas.openxmlformats.org/presentationml/2006/main">
+  <p:cSld>
+    <p:spTree>
+      <p:nvGrpSpPr>
+        <p:cNvPr id="1" name=""/>
+        <p:cNvGrpSpPr/>
+        <p:nvPr/>
+      </p:nvGrpSpPr>
+      <p:grpSpPr>
+        <a:xfrm>
+          <a:off x="0" y="0"/>
+          <a:ext cx="0" cy="0"/>
+          <a:chOff x="0" y="0"/>
+          <a:chExt cx="0" cy="0"/>
+        </a:xfrm>
+      </p:grpSpPr>
+      <p:sp>
+        <p:nvSpPr>
+          <p:cNvPr id="2" name="タイトル 1">
+            <a:extLst>
+              <a:ext uri="{FF2B5EF4-FFF2-40B4-BE49-F238E27FC236}">
+                <a16:creationId xmlns:a16="http://schemas.microsoft.com/office/drawing/2014/main" id="{40AB605C-0BD3-47F8-5A9E-47A4B1FECF68}"/>
+              </a:ext>
+            </a:extLst>
+          </p:cNvPr>
+          <p:cNvSpPr>
+            <a:spLocks noGrp="1"/>
+          </p:cNvSpPr>
+          <p:nvPr>
+            <p:ph type="title"/>
+          </p:nvPr>
+        </p:nvSpPr>
+        <p:spPr/>
+        <p:txBody>
+          <a:bodyPr/>
+          <a:lstStyle/>
+          <a:p>
+            <a:r>
+              <a:rPr kumimoji="1" lang="en-US" altLang="ja-JP" dirty="0"/>
+              <a:t>Encoder-Decoder Attention</a:t>
+            </a:r>
+            <a:endParaRPr kumimoji="1" lang="ja-JP" altLang="en-US" dirty="0"/>
+          </a:p>
+        </p:txBody>
+      </p:sp>
+      <mc:AlternateContent xmlns:mc="http://schemas.openxmlformats.org/markup-compatibility/2006" xmlns:a14="http://schemas.microsoft.com/office/drawing/2010/main">
+        <mc:Choice Requires="a14">
+          <p:sp>
+            <p:nvSpPr>
+              <p:cNvPr id="3" name="コンテンツ プレースホルダー 2">
+                <a:extLst>
+                  <a:ext uri="{FF2B5EF4-FFF2-40B4-BE49-F238E27FC236}">
+                    <a16:creationId xmlns:a16="http://schemas.microsoft.com/office/drawing/2014/main" id="{DBF3C2C3-F534-5B16-2520-96FB6CB9E0D9}"/>
+                  </a:ext>
+                </a:extLst>
+              </p:cNvPr>
+              <p:cNvSpPr>
+                <a:spLocks noGrp="1"/>
+              </p:cNvSpPr>
+              <p:nvPr>
+                <p:ph idx="1"/>
+              </p:nvPr>
+            </p:nvSpPr>
+            <p:spPr/>
+            <p:txBody>
+              <a:bodyPr>
+                <a:normAutofit/>
+              </a:bodyPr>
+              <a:lstStyle/>
+              <a:p>
+                <a:r>
+                  <a:rPr kumimoji="1" lang="en-US" altLang="ja-JP" sz="4000" dirty="0"/>
+                  <a:t>Query: Decoder</a:t>
+                </a:r>
+                <a:r>
+                  <a:rPr kumimoji="1" lang="ja-JP" altLang="en-US" sz="4000" dirty="0"/>
+                  <a:t>の行列</a:t>
+                </a:r>
+                <a:endParaRPr kumimoji="1" lang="en-US" altLang="ja-JP" sz="4000" dirty="0"/>
+              </a:p>
+              <a:p>
+                <a:r>
+                  <a:rPr kumimoji="1" lang="en-US" altLang="ja-JP" sz="4000" dirty="0"/>
+                  <a:t>Key, Value: Encoder</a:t>
+                </a:r>
+                <a:r>
+                  <a:rPr kumimoji="1" lang="ja-JP" altLang="en-US" sz="4000" dirty="0"/>
+                  <a:t>の行列</a:t>
+                </a:r>
+                <a:endParaRPr kumimoji="1" lang="en-US" altLang="ja-JP" sz="4000" dirty="0"/>
+              </a:p>
+              <a:p>
+                <a14:m>
+                  <m:oMath xmlns:m="http://schemas.openxmlformats.org/officeDocument/2006/math">
+                    <m:r>
+                      <a:rPr kumimoji="1" lang="en-US" altLang="ja-JP" sz="4000" b="1" i="1" smtClean="0">
+                        <a:solidFill>
+                          <a:srgbClr val="0070C0"/>
+                        </a:solidFill>
+                        <a:latin typeface="Cambria Math" panose="02040503050406030204" pitchFamily="18" charset="0"/>
+                      </a:rPr>
+                      <m:t>𝑨𝒕𝒕𝒆𝒏𝒕𝒊𝒐𝒏</m:t>
+                    </m:r>
+                    <m:r>
+                      <a:rPr kumimoji="1" lang="en-US" altLang="ja-JP" sz="4000" b="1" i="1" smtClean="0">
+                        <a:solidFill>
+                          <a:srgbClr val="0070C0"/>
+                        </a:solidFill>
+                        <a:latin typeface="Cambria Math" panose="02040503050406030204" pitchFamily="18" charset="0"/>
+                      </a:rPr>
+                      <m:t> </m:t>
+                    </m:r>
+                    <m:r>
+                      <a:rPr kumimoji="1" lang="en-US" altLang="ja-JP" sz="4000" b="1" i="1" smtClean="0">
+                        <a:solidFill>
+                          <a:srgbClr val="0070C0"/>
+                        </a:solidFill>
+                        <a:latin typeface="Cambria Math" panose="02040503050406030204" pitchFamily="18" charset="0"/>
+                      </a:rPr>
+                      <m:t>𝑺𝒄𝒐𝒓𝒆</m:t>
+                    </m:r>
+                    <m:r>
+                      <a:rPr kumimoji="1" lang="en-US" altLang="ja-JP" sz="4000" b="1" i="1" smtClean="0">
+                        <a:solidFill>
+                          <a:srgbClr val="0070C0"/>
+                        </a:solidFill>
+                        <a:latin typeface="Cambria Math" panose="02040503050406030204" pitchFamily="18" charset="0"/>
+                      </a:rPr>
+                      <m:t> </m:t>
+                    </m:r>
+                    <m:r>
+                      <a:rPr kumimoji="1" lang="en-US" altLang="ja-JP" sz="4000" b="1" i="1" smtClean="0">
+                        <a:solidFill>
+                          <a:srgbClr val="0070C0"/>
+                        </a:solidFill>
+                        <a:latin typeface="Cambria Math" panose="02040503050406030204" pitchFamily="18" charset="0"/>
+                      </a:rPr>
+                      <m:t>𝑴𝒂𝒕𝒓𝒊𝒙</m:t>
+                    </m:r>
+                    <m:r>
+                      <a:rPr kumimoji="1" lang="en-US" altLang="ja-JP" sz="4000" b="1" i="1" smtClean="0">
+                        <a:solidFill>
+                          <a:srgbClr val="0070C0"/>
+                        </a:solidFill>
+                        <a:latin typeface="Cambria Math" panose="02040503050406030204" pitchFamily="18" charset="0"/>
+                      </a:rPr>
+                      <m:t>=</m:t>
+                    </m:r>
+                    <m:r>
+                      <a:rPr kumimoji="1" lang="en-US" altLang="ja-JP" sz="4000" b="1" i="1" smtClean="0">
+                        <a:solidFill>
+                          <a:srgbClr val="0070C0"/>
+                        </a:solidFill>
+                        <a:latin typeface="Cambria Math" panose="02040503050406030204" pitchFamily="18" charset="0"/>
+                      </a:rPr>
+                      <m:t>𝑸</m:t>
+                    </m:r>
+                    <m:r>
+                      <a:rPr kumimoji="1" lang="en-US" altLang="ja-JP" sz="4000" b="1" i="1" smtClean="0">
+                        <a:solidFill>
+                          <a:srgbClr val="0070C0"/>
+                        </a:solidFill>
+                        <a:latin typeface="Cambria Math" panose="02040503050406030204" pitchFamily="18" charset="0"/>
+                        <a:ea typeface="Cambria Math" panose="02040503050406030204" pitchFamily="18" charset="0"/>
+                      </a:rPr>
+                      <m:t>∙</m:t>
+                    </m:r>
+                    <m:r>
+                      <a:rPr kumimoji="1" lang="en-US" altLang="ja-JP" sz="4000" b="1" i="1" smtClean="0">
+                        <a:solidFill>
+                          <a:srgbClr val="0070C0"/>
+                        </a:solidFill>
+                        <a:latin typeface="Cambria Math" panose="02040503050406030204" pitchFamily="18" charset="0"/>
+                        <a:ea typeface="Cambria Math" panose="02040503050406030204" pitchFamily="18" charset="0"/>
+                      </a:rPr>
+                      <m:t>𝑲</m:t>
+                    </m:r>
+                  </m:oMath>
+                </a14:m>
+                <a:endParaRPr kumimoji="1" lang="ja-JP" altLang="en-US" sz="4000" b="1" dirty="0">
+                  <a:solidFill>
+                    <a:srgbClr val="0070C0"/>
+                  </a:solidFill>
+                </a:endParaRPr>
+              </a:p>
+            </p:txBody>
+          </p:sp>
+        </mc:Choice>
+        <mc:Fallback xmlns="">
+          <p:sp>
+            <p:nvSpPr>
+              <p:cNvPr id="3" name="コンテンツ プレースホルダー 2">
+                <a:extLst>
+                  <a:ext uri="{FF2B5EF4-FFF2-40B4-BE49-F238E27FC236}">
+                    <a16:creationId xmlns:a16="http://schemas.microsoft.com/office/drawing/2014/main" id="{DBF3C2C3-F534-5B16-2520-96FB6CB9E0D9}"/>
+                  </a:ext>
+                </a:extLst>
+              </p:cNvPr>
+              <p:cNvSpPr>
+                <a:spLocks noGrp="1" noRot="1" noChangeAspect="1" noMove="1" noResize="1" noEditPoints="1" noAdjustHandles="1" noChangeArrowheads="1" noChangeShapeType="1" noTextEdit="1"/>
+              </p:cNvSpPr>
+              <p:nvPr>
+                <p:ph idx="1"/>
+              </p:nvPr>
+            </p:nvSpPr>
+            <p:spPr>
+              <a:blipFill>
+                <a:blip r:embed="rId2"/>
+                <a:stretch>
+                  <a:fillRect l="-1333" t="-3079"/>
+                </a:stretch>
+              </a:blipFill>
+            </p:spPr>
+            <p:txBody>
+              <a:bodyPr/>
+              <a:lstStyle/>
+              <a:p>
+                <a:r>
+                  <a:rPr lang="ja-JP" altLang="en-US">
+                    <a:noFill/>
+                  </a:rPr>
+                  <a:t> </a:t>
+                </a:r>
+              </a:p>
+            </p:txBody>
+          </p:sp>
+        </mc:Fallback>
+      </mc:AlternateContent>
+    </p:spTree>
+    <p:extLst>
+      <p:ext uri="{BB962C8B-B14F-4D97-AF65-F5344CB8AC3E}">
+        <p14:creationId xmlns:p14="http://schemas.microsoft.com/office/powerpoint/2010/main" val="2258212262"/>
+      </p:ext>
+    </p:extLst>
+  </p:cSld>
+  <p:clrMapOvr>
+    <a:masterClrMapping/>
+  </p:clrMapOvr>
+</p:sld>
+</file>
+
+<file path=ppt/slides/slide13.xml><?xml version="1.0" encoding="utf-8"?>
+<p:sld xmlns:a="http://schemas.openxmlformats.org/drawingml/2006/main" xmlns:r="http://schemas.openxmlformats.org/officeDocument/2006/relationships" xmlns:p="http://schemas.openxmlformats.org/presentationml/2006/main">
+  <p:cSld>
+    <p:spTree>
+      <p:nvGrpSpPr>
+        <p:cNvPr id="1" name=""/>
+        <p:cNvGrpSpPr/>
+        <p:nvPr/>
+      </p:nvGrpSpPr>
+      <p:grpSpPr>
+        <a:xfrm>
+          <a:off x="0" y="0"/>
+          <a:ext cx="0" cy="0"/>
+          <a:chOff x="0" y="0"/>
+          <a:chExt cx="0" cy="0"/>
+        </a:xfrm>
+      </p:grpSpPr>
+      <p:sp>
+        <p:nvSpPr>
+          <p:cNvPr id="2" name="タイトル 1">
+            <a:extLst>
+              <a:ext uri="{FF2B5EF4-FFF2-40B4-BE49-F238E27FC236}">
+                <a16:creationId xmlns:a16="http://schemas.microsoft.com/office/drawing/2014/main" id="{5CE3DA09-D27A-F881-4045-45EDC09A007C}"/>
+              </a:ext>
+            </a:extLst>
+          </p:cNvPr>
+          <p:cNvSpPr>
+            <a:spLocks noGrp="1"/>
+          </p:cNvSpPr>
+          <p:nvPr>
+            <p:ph type="title"/>
+          </p:nvPr>
+        </p:nvSpPr>
+        <p:spPr/>
+        <p:txBody>
+          <a:bodyPr/>
+          <a:lstStyle/>
+          <a:p>
+            <a:r>
+              <a:rPr lang="en-US" altLang="ja-JP" dirty="0"/>
+              <a:t>Decoder</a:t>
+            </a:r>
+            <a:r>
+              <a:rPr lang="ja-JP" altLang="en-US" dirty="0"/>
+              <a:t>の組み立て</a:t>
+            </a:r>
+            <a:endParaRPr kumimoji="1" lang="ja-JP" altLang="en-US" dirty="0"/>
+          </a:p>
+        </p:txBody>
+      </p:sp>
+      <p:pic>
+        <p:nvPicPr>
+          <p:cNvPr id="5" name="図 4">
+            <a:extLst>
+              <a:ext uri="{FF2B5EF4-FFF2-40B4-BE49-F238E27FC236}">
+                <a16:creationId xmlns:a16="http://schemas.microsoft.com/office/drawing/2014/main" id="{328355E4-79D2-CCFF-ACEA-9CAF40BC81E4}"/>
+              </a:ext>
+            </a:extLst>
+          </p:cNvPr>
+          <p:cNvPicPr>
+            <a:picLocks noChangeAspect="1"/>
+          </p:cNvPicPr>
+          <p:nvPr/>
+        </p:nvPicPr>
+        <p:blipFill rotWithShape="1">
+          <a:blip r:embed="rId2"/>
+          <a:srcRect l="22313" t="33834" r="20500" b="9012"/>
+          <a:stretch/>
+        </p:blipFill>
+        <p:spPr>
+          <a:xfrm>
+            <a:off x="2126452" y="1928390"/>
+            <a:ext cx="7939096" cy="4463150"/>
+          </a:xfrm>
+          <a:prstGeom prst="rect">
+            <a:avLst/>
+          </a:prstGeom>
+        </p:spPr>
+      </p:pic>
+    </p:spTree>
+    <p:extLst>
+      <p:ext uri="{BB962C8B-B14F-4D97-AF65-F5344CB8AC3E}">
+        <p14:creationId xmlns:p14="http://schemas.microsoft.com/office/powerpoint/2010/main" val="2359586511"/>
+      </p:ext>
+    </p:extLst>
+  </p:cSld>
+  <p:clrMapOvr>
+    <a:masterClrMapping/>
+  </p:clrMapOvr>
+</p:sld>
+</file>
+
+<file path=ppt/slides/slide14.xml><?xml version="1.0" encoding="utf-8"?>
 <p:sld xmlns:a="http://schemas.openxmlformats.org/drawingml/2006/main" xmlns:r="http://schemas.openxmlformats.org/officeDocument/2006/relationships" xmlns:p="http://schemas.openxmlformats.org/presentationml/2006/main">
   <p:cSld>
     <p:spTree>
@@ -8053,6 +8389,9 @@
                       <m:sSubPr>
                         <m:ctrlPr>
                           <a:rPr kumimoji="1" lang="en-US" altLang="ja-JP" sz="2800" b="1" i="1" smtClean="0">
+                            <a:solidFill>
+                              <a:srgbClr val="002060"/>
+                            </a:solidFill>
                             <a:latin typeface="Cambria Math" panose="02040503050406030204" pitchFamily="18" charset="0"/>
                           </a:rPr>
                         </m:ctrlPr>
@@ -8060,6 +8399,9 @@
                       <m:e>
                         <m:r>
                           <a:rPr kumimoji="1" lang="en-US" altLang="ja-JP" sz="2800" b="1" i="1" smtClean="0">
+                            <a:solidFill>
+                              <a:srgbClr val="002060"/>
+                            </a:solidFill>
                             <a:latin typeface="Cambria Math" panose="02040503050406030204" pitchFamily="18" charset="0"/>
                           </a:rPr>
                           <m:t>𝒍𝒏</m:t>
@@ -8068,6 +8410,9 @@
                       <m:sub>
                         <m:r>
                           <a:rPr kumimoji="1" lang="en-US" altLang="ja-JP" sz="2800" b="1" i="1" smtClean="0">
+                            <a:solidFill>
+                              <a:srgbClr val="002060"/>
+                            </a:solidFill>
                             <a:latin typeface="Cambria Math" panose="02040503050406030204" pitchFamily="18" charset="0"/>
                           </a:rPr>
                           <m:t>𝒊</m:t>
@@ -8076,12 +8421,18 @@
                     </m:sSub>
                     <m:r>
                       <a:rPr kumimoji="1" lang="en-US" altLang="ja-JP" sz="2800" b="1" i="1" smtClean="0">
+                        <a:solidFill>
+                          <a:srgbClr val="002060"/>
+                        </a:solidFill>
                         <a:latin typeface="Cambria Math" panose="02040503050406030204" pitchFamily="18" charset="0"/>
                       </a:rPr>
                       <m:t>=</m:t>
                     </m:r>
                     <m:r>
                       <a:rPr kumimoji="1" lang="ja-JP" altLang="en-US" sz="2800" b="1" i="1" smtClean="0">
+                        <a:solidFill>
+                          <a:srgbClr val="002060"/>
+                        </a:solidFill>
                         <a:latin typeface="Cambria Math" panose="02040503050406030204" pitchFamily="18" charset="0"/>
                       </a:rPr>
                       <m:t>𝜸</m:t>
@@ -8091,6 +8442,9 @@
                         <m:chr m:val="̂"/>
                         <m:ctrlPr>
                           <a:rPr kumimoji="1" lang="ja-JP" altLang="en-US" sz="2800" b="1" i="1" smtClean="0">
+                            <a:solidFill>
+                              <a:srgbClr val="002060"/>
+                            </a:solidFill>
                             <a:latin typeface="Cambria Math" panose="02040503050406030204" pitchFamily="18" charset="0"/>
                           </a:rPr>
                         </m:ctrlPr>
@@ -8100,6 +8454,9 @@
                           <m:sSubPr>
                             <m:ctrlPr>
                               <a:rPr kumimoji="1" lang="en-US" altLang="ja-JP" sz="2800" b="1" i="1" smtClean="0">
+                                <a:solidFill>
+                                  <a:srgbClr val="002060"/>
+                                </a:solidFill>
                                 <a:latin typeface="Cambria Math" panose="02040503050406030204" pitchFamily="18" charset="0"/>
                               </a:rPr>
                             </m:ctrlPr>
@@ -8107,6 +8464,9 @@
                           <m:e>
                             <m:r>
                               <a:rPr kumimoji="1" lang="en-US" altLang="ja-JP" sz="2800" b="1" i="1" smtClean="0">
+                                <a:solidFill>
+                                  <a:srgbClr val="002060"/>
+                                </a:solidFill>
                                 <a:latin typeface="Cambria Math" panose="02040503050406030204" pitchFamily="18" charset="0"/>
                               </a:rPr>
                               <m:t>𝒙</m:t>
@@ -8115,6 +8475,9 @@
                           <m:sub>
                             <m:r>
                               <a:rPr kumimoji="1" lang="en-US" altLang="ja-JP" sz="2800" b="1" i="1" smtClean="0">
+                                <a:solidFill>
+                                  <a:srgbClr val="002060"/>
+                                </a:solidFill>
                                 <a:latin typeface="Cambria Math" panose="02040503050406030204" pitchFamily="18" charset="0"/>
                               </a:rPr>
                               <m:t>𝒊</m:t>
@@ -8125,30 +8488,45 @@
                     </m:acc>
                     <m:r>
                       <a:rPr kumimoji="1" lang="en-US" altLang="ja-JP" sz="2800" b="1" i="1" smtClean="0">
+                        <a:solidFill>
+                          <a:srgbClr val="002060"/>
+                        </a:solidFill>
                         <a:latin typeface="Cambria Math" panose="02040503050406030204" pitchFamily="18" charset="0"/>
                       </a:rPr>
                       <m:t>+</m:t>
                     </m:r>
                     <m:r>
                       <a:rPr kumimoji="1" lang="ja-JP" altLang="en-US" sz="2800" b="1" i="1" smtClean="0">
+                        <a:solidFill>
+                          <a:srgbClr val="002060"/>
+                        </a:solidFill>
                         <a:latin typeface="Cambria Math" panose="02040503050406030204" pitchFamily="18" charset="0"/>
                       </a:rPr>
                       <m:t>𝜷</m:t>
                     </m:r>
                     <m:r>
                       <a:rPr kumimoji="1" lang="en-US" altLang="ja-JP" sz="2800" b="0" i="1" smtClean="0">
+                        <a:solidFill>
+                          <a:srgbClr val="002060"/>
+                        </a:solidFill>
                         <a:latin typeface="Cambria Math" panose="02040503050406030204" pitchFamily="18" charset="0"/>
                       </a:rPr>
                       <m:t>=</m:t>
                     </m:r>
                     <m:r>
                       <a:rPr kumimoji="1" lang="en-US" altLang="ja-JP" sz="2800" b="0" i="1" smtClean="0">
+                        <a:solidFill>
+                          <a:srgbClr val="002060"/>
+                        </a:solidFill>
                         <a:latin typeface="Cambria Math" panose="02040503050406030204" pitchFamily="18" charset="0"/>
                       </a:rPr>
                       <m:t>𝐿𝑎𝑦𝑒𝑟𝑁𝑜𝑟𝑚</m:t>
                     </m:r>
                     <m:r>
                       <a:rPr kumimoji="1" lang="en-US" altLang="ja-JP" sz="2800" b="0" i="1" smtClean="0">
+                        <a:solidFill>
+                          <a:srgbClr val="002060"/>
+                        </a:solidFill>
                         <a:latin typeface="Cambria Math" panose="02040503050406030204" pitchFamily="18" charset="0"/>
                       </a:rPr>
                       <m:t>(</m:t>
@@ -8157,6 +8535,9 @@
                       <m:sSubPr>
                         <m:ctrlPr>
                           <a:rPr kumimoji="1" lang="en-US" altLang="ja-JP" sz="2800" b="0" i="1" smtClean="0">
+                            <a:solidFill>
+                              <a:srgbClr val="002060"/>
+                            </a:solidFill>
                             <a:latin typeface="Cambria Math" panose="02040503050406030204" pitchFamily="18" charset="0"/>
                           </a:rPr>
                         </m:ctrlPr>
@@ -8164,6 +8545,9 @@
                       <m:e>
                         <m:r>
                           <a:rPr kumimoji="1" lang="en-US" altLang="ja-JP" sz="2800" b="0" i="1" smtClean="0">
+                            <a:solidFill>
+                              <a:srgbClr val="002060"/>
+                            </a:solidFill>
                             <a:latin typeface="Cambria Math" panose="02040503050406030204" pitchFamily="18" charset="0"/>
                           </a:rPr>
                           <m:t>𝑥</m:t>
@@ -8172,6 +8556,9 @@
                       <m:sub>
                         <m:r>
                           <a:rPr kumimoji="1" lang="en-US" altLang="ja-JP" sz="2800" b="0" i="1" smtClean="0">
+                            <a:solidFill>
+                              <a:srgbClr val="002060"/>
+                            </a:solidFill>
                             <a:latin typeface="Cambria Math" panose="02040503050406030204" pitchFamily="18" charset="0"/>
                           </a:rPr>
                           <m:t>𝑖</m:t>
@@ -8180,13 +8567,20 @@
                     </m:sSub>
                     <m:r>
                       <a:rPr kumimoji="1" lang="en-US" altLang="ja-JP" sz="2800" b="0" i="1" smtClean="0">
+                        <a:solidFill>
+                          <a:srgbClr val="002060"/>
+                        </a:solidFill>
                         <a:latin typeface="Cambria Math" panose="02040503050406030204" pitchFamily="18" charset="0"/>
                       </a:rPr>
                       <m:t>)</m:t>
                     </m:r>
                   </m:oMath>
                 </a14:m>
-                <a:endParaRPr kumimoji="1" lang="en-US" altLang="ja-JP" sz="2800" dirty="0"/>
+                <a:endParaRPr kumimoji="1" lang="en-US" altLang="ja-JP" sz="2800" dirty="0">
+                  <a:solidFill>
+                    <a:srgbClr val="FF0000"/>
+                  </a:solidFill>
+                </a:endParaRPr>
               </a:p>
               <a:p>
                 <a:pPr algn="ctr"/>
@@ -8201,6 +8595,9 @@
                         <m:chr m:val="̂"/>
                         <m:ctrlPr>
                           <a:rPr lang="en-US" altLang="ja-JP" sz="2800" i="1" smtClean="0">
+                            <a:solidFill>
+                              <a:srgbClr val="002060"/>
+                            </a:solidFill>
                             <a:latin typeface="Cambria Math" panose="02040503050406030204" pitchFamily="18" charset="0"/>
                           </a:rPr>
                         </m:ctrlPr>
@@ -8210,6 +8607,9 @@
                           <m:sSubPr>
                             <m:ctrlPr>
                               <a:rPr lang="en-US" altLang="ja-JP" sz="2800" i="1" smtClean="0">
+                                <a:solidFill>
+                                  <a:srgbClr val="002060"/>
+                                </a:solidFill>
                                 <a:latin typeface="Cambria Math" panose="02040503050406030204" pitchFamily="18" charset="0"/>
                               </a:rPr>
                             </m:ctrlPr>
@@ -8217,6 +8617,9 @@
                           <m:e>
                             <m:r>
                               <a:rPr lang="en-US" altLang="ja-JP" sz="2800" b="0" i="1" smtClean="0">
+                                <a:solidFill>
+                                  <a:srgbClr val="002060"/>
+                                </a:solidFill>
                                 <a:latin typeface="Cambria Math" panose="02040503050406030204" pitchFamily="18" charset="0"/>
                               </a:rPr>
                               <m:t>𝑥</m:t>
@@ -8225,18 +8628,27 @@
                           <m:sub>
                             <m:r>
                               <a:rPr lang="en-US" altLang="ja-JP" sz="2800" b="0" i="1" smtClean="0">
+                                <a:solidFill>
+                                  <a:srgbClr val="002060"/>
+                                </a:solidFill>
                                 <a:latin typeface="Cambria Math" panose="02040503050406030204" pitchFamily="18" charset="0"/>
                               </a:rPr>
                               <m:t>𝑖</m:t>
                             </m:r>
                             <m:r>
                               <a:rPr lang="en-US" altLang="ja-JP" sz="2800" b="0" i="1" smtClean="0">
+                                <a:solidFill>
+                                  <a:srgbClr val="002060"/>
+                                </a:solidFill>
                                 <a:latin typeface="Cambria Math" panose="02040503050406030204" pitchFamily="18" charset="0"/>
                               </a:rPr>
                               <m:t>,</m:t>
                             </m:r>
                             <m:r>
                               <a:rPr lang="en-US" altLang="ja-JP" sz="2800" b="0" i="1" smtClean="0">
+                                <a:solidFill>
+                                  <a:srgbClr val="002060"/>
+                                </a:solidFill>
                                 <a:latin typeface="Cambria Math" panose="02040503050406030204" pitchFamily="18" charset="0"/>
                               </a:rPr>
                               <m:t>𝑘</m:t>
@@ -8247,6 +8659,9 @@
                     </m:acc>
                     <m:r>
                       <a:rPr lang="en-US" altLang="ja-JP" sz="2800" b="0" i="1" smtClean="0">
+                        <a:solidFill>
+                          <a:srgbClr val="002060"/>
+                        </a:solidFill>
                         <a:latin typeface="Cambria Math" panose="02040503050406030204" pitchFamily="18" charset="0"/>
                       </a:rPr>
                       <m:t>=</m:t>
@@ -8255,6 +8670,9 @@
                       <m:fPr>
                         <m:ctrlPr>
                           <a:rPr lang="en-US" altLang="ja-JP" sz="2800" b="0" i="1" smtClean="0">
+                            <a:solidFill>
+                              <a:srgbClr val="002060"/>
+                            </a:solidFill>
                             <a:latin typeface="Cambria Math" panose="02040503050406030204" pitchFamily="18" charset="0"/>
                           </a:rPr>
                         </m:ctrlPr>
@@ -8264,6 +8682,9 @@
                           <m:sSubPr>
                             <m:ctrlPr>
                               <a:rPr lang="en-US" altLang="ja-JP" sz="2800" b="0" i="1" smtClean="0">
+                                <a:solidFill>
+                                  <a:srgbClr val="002060"/>
+                                </a:solidFill>
                                 <a:latin typeface="Cambria Math" panose="02040503050406030204" pitchFamily="18" charset="0"/>
                               </a:rPr>
                             </m:ctrlPr>
@@ -8271,6 +8692,9 @@
                           <m:e>
                             <m:r>
                               <a:rPr lang="en-US" altLang="ja-JP" sz="2800" b="0" i="1" smtClean="0">
+                                <a:solidFill>
+                                  <a:srgbClr val="002060"/>
+                                </a:solidFill>
                                 <a:latin typeface="Cambria Math" panose="02040503050406030204" pitchFamily="18" charset="0"/>
                               </a:rPr>
                               <m:t>𝑥</m:t>
@@ -8279,18 +8703,27 @@
                           <m:sub>
                             <m:r>
                               <a:rPr lang="en-US" altLang="ja-JP" sz="2800" b="0" i="1" smtClean="0">
+                                <a:solidFill>
+                                  <a:srgbClr val="002060"/>
+                                </a:solidFill>
                                 <a:latin typeface="Cambria Math" panose="02040503050406030204" pitchFamily="18" charset="0"/>
                               </a:rPr>
                               <m:t>𝑖</m:t>
                             </m:r>
                             <m:r>
                               <a:rPr lang="en-US" altLang="ja-JP" sz="2800" b="0" i="1" smtClean="0">
+                                <a:solidFill>
+                                  <a:srgbClr val="002060"/>
+                                </a:solidFill>
                                 <a:latin typeface="Cambria Math" panose="02040503050406030204" pitchFamily="18" charset="0"/>
                               </a:rPr>
                               <m:t>,</m:t>
                             </m:r>
                             <m:r>
                               <a:rPr lang="en-US" altLang="ja-JP" sz="2800" b="0" i="1" smtClean="0">
+                                <a:solidFill>
+                                  <a:srgbClr val="002060"/>
+                                </a:solidFill>
                                 <a:latin typeface="Cambria Math" panose="02040503050406030204" pitchFamily="18" charset="0"/>
                               </a:rPr>
                               <m:t>𝑘</m:t>
@@ -8299,6 +8732,9 @@
                         </m:sSub>
                         <m:r>
                           <a:rPr lang="en-US" altLang="ja-JP" sz="2800" b="0" i="1" smtClean="0">
+                            <a:solidFill>
+                              <a:srgbClr val="002060"/>
+                            </a:solidFill>
                             <a:latin typeface="Cambria Math" panose="02040503050406030204" pitchFamily="18" charset="0"/>
                           </a:rPr>
                           <m:t>−</m:t>
@@ -8307,6 +8743,9 @@
                           <m:sSubPr>
                             <m:ctrlPr>
                               <a:rPr lang="en-US" altLang="ja-JP" sz="2800" b="0" i="1" smtClean="0">
+                                <a:solidFill>
+                                  <a:srgbClr val="002060"/>
+                                </a:solidFill>
                                 <a:latin typeface="Cambria Math" panose="02040503050406030204" pitchFamily="18" charset="0"/>
                               </a:rPr>
                             </m:ctrlPr>
@@ -8314,6 +8753,9 @@
                           <m:e>
                             <m:r>
                               <a:rPr lang="ja-JP" altLang="en-US" sz="2800" b="0" i="1" smtClean="0">
+                                <a:solidFill>
+                                  <a:srgbClr val="002060"/>
+                                </a:solidFill>
                                 <a:latin typeface="Cambria Math" panose="02040503050406030204" pitchFamily="18" charset="0"/>
                               </a:rPr>
                               <m:t>𝜇</m:t>
@@ -8322,6 +8764,9 @@
                           <m:sub>
                             <m:r>
                               <a:rPr lang="en-US" altLang="ja-JP" sz="2800" b="0" i="1" smtClean="0">
+                                <a:solidFill>
+                                  <a:srgbClr val="002060"/>
+                                </a:solidFill>
                                 <a:latin typeface="Cambria Math" panose="02040503050406030204" pitchFamily="18" charset="0"/>
                               </a:rPr>
                               <m:t>𝑖</m:t>
@@ -8335,6 +8780,9 @@
                             <m:degHide m:val="on"/>
                             <m:ctrlPr>
                               <a:rPr lang="en-US" altLang="ja-JP" sz="2800" b="0" i="1" smtClean="0">
+                                <a:solidFill>
+                                  <a:srgbClr val="002060"/>
+                                </a:solidFill>
                                 <a:latin typeface="Cambria Math" panose="02040503050406030204" pitchFamily="18" charset="0"/>
                               </a:rPr>
                             </m:ctrlPr>
@@ -8345,6 +8793,9 @@
                               <m:sSubSupPr>
                                 <m:ctrlPr>
                                   <a:rPr lang="en-US" altLang="ja-JP" sz="2800" b="0" i="1" smtClean="0">
+                                    <a:solidFill>
+                                      <a:srgbClr val="002060"/>
+                                    </a:solidFill>
                                     <a:latin typeface="Cambria Math" panose="02040503050406030204" pitchFamily="18" charset="0"/>
                                   </a:rPr>
                                 </m:ctrlPr>
@@ -8352,6 +8803,9 @@
                               <m:e>
                                 <m:r>
                                   <a:rPr lang="ja-JP" altLang="en-US" sz="2800" b="0" i="1" smtClean="0">
+                                    <a:solidFill>
+                                      <a:srgbClr val="002060"/>
+                                    </a:solidFill>
                                     <a:latin typeface="Cambria Math" panose="02040503050406030204" pitchFamily="18" charset="0"/>
                                   </a:rPr>
                                   <m:t>𝜎</m:t>
@@ -8360,6 +8814,9 @@
                               <m:sub>
                                 <m:r>
                                   <a:rPr lang="en-US" altLang="ja-JP" sz="2800" b="0" i="1" smtClean="0">
+                                    <a:solidFill>
+                                      <a:srgbClr val="002060"/>
+                                    </a:solidFill>
                                     <a:latin typeface="Cambria Math" panose="02040503050406030204" pitchFamily="18" charset="0"/>
                                   </a:rPr>
                                   <m:t>𝑖</m:t>
@@ -8368,6 +8825,9 @@
                               <m:sup>
                                 <m:r>
                                   <a:rPr lang="en-US" altLang="ja-JP" sz="2800" b="0" i="1" smtClean="0">
+                                    <a:solidFill>
+                                      <a:srgbClr val="002060"/>
+                                    </a:solidFill>
                                     <a:latin typeface="Cambria Math" panose="02040503050406030204" pitchFamily="18" charset="0"/>
                                   </a:rPr>
                                   <m:t>2</m:t>
@@ -8376,12 +8836,18 @@
                             </m:sSubSup>
                             <m:r>
                               <a:rPr lang="en-US" altLang="ja-JP" sz="2800" b="0" i="1" smtClean="0">
+                                <a:solidFill>
+                                  <a:srgbClr val="002060"/>
+                                </a:solidFill>
                                 <a:latin typeface="Cambria Math" panose="02040503050406030204" pitchFamily="18" charset="0"/>
                               </a:rPr>
                               <m:t>+</m:t>
                             </m:r>
                             <m:r>
                               <a:rPr lang="ja-JP" altLang="en-US" sz="2800" b="0" i="1" smtClean="0">
+                                <a:solidFill>
+                                  <a:srgbClr val="002060"/>
+                                </a:solidFill>
                                 <a:latin typeface="Cambria Math" panose="02040503050406030204" pitchFamily="18" charset="0"/>
                               </a:rPr>
                               <m:t>𝜖</m:t>
@@ -8483,7 +8949,7 @@
               <a:lstStyle/>
               <a:p>
                 <a:r>
-                  <a:rPr lang="ko-KR" altLang="en-US">
+                  <a:rPr lang="ja-JP" altLang="en-US">
                     <a:noFill/>
                   </a:rPr>
                   <a:t> </a:t>

--- a/Presentation/ppt9 Transformer2.pptx
+++ b/Presentation/ppt9 Transformer2.pptx
@@ -5,10 +5,10 @@
     <p:sldMasterId id="2147483660" r:id="rId4"/>
   </p:sldMasterIdLst>
   <p:notesMasterIdLst>
-    <p:notesMasterId r:id="rId19"/>
+    <p:notesMasterId r:id="rId20"/>
   </p:notesMasterIdLst>
   <p:handoutMasterIdLst>
-    <p:handoutMasterId r:id="rId20"/>
+    <p:handoutMasterId r:id="rId21"/>
   </p:handoutMasterIdLst>
   <p:sldIdLst>
     <p:sldId id="298" r:id="rId5"/>
@@ -24,7 +24,8 @@
     <p:sldId id="319" r:id="rId15"/>
     <p:sldId id="320" r:id="rId16"/>
     <p:sldId id="321" r:id="rId17"/>
-    <p:sldId id="310" r:id="rId18"/>
+    <p:sldId id="322" r:id="rId18"/>
+    <p:sldId id="310" r:id="rId19"/>
   </p:sldIdLst>
   <p:sldSz cx="12192000" cy="6858000"/>
   <p:notesSz cx="6858000" cy="9144000"/>
@@ -222,7 +223,7 @@
                 <a:latin typeface="Meiryo UI" panose="020B0604030504040204" pitchFamily="50" charset="-128"/>
                 <a:ea typeface="Meiryo UI" panose="020B0604030504040204" pitchFamily="50" charset="-128"/>
               </a:rPr>
-              <a:t>2023/5/15</a:t>
+              <a:t>2023/5/18</a:t>
             </a:fld>
             <a:endParaRPr kumimoji="1" lang="ja-JP" altLang="en-US" dirty="0">
               <a:latin typeface="Meiryo UI" panose="020B0604030504040204" pitchFamily="50" charset="-128"/>
@@ -406,7 +407,7 @@
             <a:fld id="{D5D0D523-8CFC-4A67-BC17-72B1EE12365D}" type="datetime1">
               <a:rPr kumimoji="1" lang="ja-JP" altLang="en-US" smtClean="0"/>
               <a:pPr/>
-              <a:t>2023/5/15</a:t>
+              <a:t>2023/5/18</a:t>
             </a:fld>
             <a:endParaRPr kumimoji="1" lang="ja-JP" altLang="en-US" dirty="0"/>
           </a:p>
@@ -5665,6 +5666,97 @@
       </p:grpSpPr>
       <p:sp>
         <p:nvSpPr>
+          <p:cNvPr id="2" name="タイトル 1">
+            <a:extLst>
+              <a:ext uri="{FF2B5EF4-FFF2-40B4-BE49-F238E27FC236}">
+                <a16:creationId xmlns:a16="http://schemas.microsoft.com/office/drawing/2014/main" id="{CB1A709B-7642-A1AC-140B-8D1155D1B15C}"/>
+              </a:ext>
+            </a:extLst>
+          </p:cNvPr>
+          <p:cNvSpPr>
+            <a:spLocks noGrp="1"/>
+          </p:cNvSpPr>
+          <p:nvPr>
+            <p:ph type="title"/>
+          </p:nvPr>
+        </p:nvSpPr>
+        <p:spPr/>
+        <p:txBody>
+          <a:bodyPr/>
+          <a:lstStyle/>
+          <a:p>
+            <a:r>
+              <a:rPr lang="en-US" altLang="ja-JP" dirty="0"/>
+              <a:t>Decoder</a:t>
+            </a:r>
+            <a:r>
+              <a:rPr lang="ja-JP" altLang="en-US" dirty="0"/>
+              <a:t>の積層</a:t>
+            </a:r>
+            <a:endParaRPr kumimoji="1" lang="ja-JP" altLang="en-US" dirty="0"/>
+          </a:p>
+        </p:txBody>
+      </p:sp>
+      <p:pic>
+        <p:nvPicPr>
+          <p:cNvPr id="5" name="コンテンツ プレースホルダー 4">
+            <a:extLst>
+              <a:ext uri="{FF2B5EF4-FFF2-40B4-BE49-F238E27FC236}">
+                <a16:creationId xmlns:a16="http://schemas.microsoft.com/office/drawing/2014/main" id="{40D51574-4CF6-2B49-30C1-C078467FAB59}"/>
+              </a:ext>
+            </a:extLst>
+          </p:cNvPr>
+          <p:cNvPicPr>
+            <a:picLocks noGrp="1" noChangeAspect="1"/>
+          </p:cNvPicPr>
+          <p:nvPr>
+            <p:ph idx="1"/>
+          </p:nvPr>
+        </p:nvPicPr>
+        <p:blipFill rotWithShape="1">
+          <a:blip r:embed="rId2"/>
+          <a:srcRect l="22191" t="38823" r="20515" b="20764"/>
+          <a:stretch/>
+        </p:blipFill>
+        <p:spPr>
+          <a:xfrm>
+            <a:off x="587846" y="1970202"/>
+            <a:ext cx="11016307" cy="4370843"/>
+          </a:xfrm>
+        </p:spPr>
+      </p:pic>
+    </p:spTree>
+    <p:extLst>
+      <p:ext uri="{BB962C8B-B14F-4D97-AF65-F5344CB8AC3E}">
+        <p14:creationId xmlns:p14="http://schemas.microsoft.com/office/powerpoint/2010/main" val="2926876235"/>
+      </p:ext>
+    </p:extLst>
+  </p:cSld>
+  <p:clrMapOvr>
+    <a:masterClrMapping/>
+  </p:clrMapOvr>
+</p:sld>
+</file>
+
+<file path=ppt/slides/slide15.xml><?xml version="1.0" encoding="utf-8"?>
+<p:sld xmlns:a="http://schemas.openxmlformats.org/drawingml/2006/main" xmlns:r="http://schemas.openxmlformats.org/officeDocument/2006/relationships" xmlns:p="http://schemas.openxmlformats.org/presentationml/2006/main">
+  <p:cSld>
+    <p:spTree>
+      <p:nvGrpSpPr>
+        <p:cNvPr id="1" name=""/>
+        <p:cNvGrpSpPr/>
+        <p:nvPr/>
+      </p:nvGrpSpPr>
+      <p:grpSpPr>
+        <a:xfrm>
+          <a:off x="0" y="0"/>
+          <a:ext cx="0" cy="0"/>
+          <a:chOff x="0" y="0"/>
+          <a:chExt cx="0" cy="0"/>
+        </a:xfrm>
+      </p:grpSpPr>
+      <p:sp>
+        <p:nvSpPr>
           <p:cNvPr id="9" name="TextBox 8">
             <a:extLst>
               <a:ext uri="{FF2B5EF4-FFF2-40B4-BE49-F238E27FC236}">
@@ -5858,7 +5950,7 @@
                   <a:schemeClr val="bg1"/>
                 </a:solidFill>
               </a:rPr>
-              <a:t>9LDI1101 github.com/sion1225</a:t>
+              <a:t>9LDI1101   github.com/sion1225</a:t>
             </a:r>
             <a:endParaRPr lang="en-US" altLang="ja-JP" sz="2200" dirty="0">
               <a:solidFill>
@@ -10088,6 +10180,15 @@
 </file>
 
 <file path=customXml/item1.xml><?xml version="1.0" encoding="utf-8"?>
+<p:properties xmlns:p="http://schemas.microsoft.com/office/2006/metadata/properties" xmlns:xsi="http://www.w3.org/2001/XMLSchema-instance" xmlns:pc="http://schemas.microsoft.com/office/infopath/2007/PartnerControls">
+  <documentManagement>
+    <Status xmlns="71af3243-3dd4-4a8d-8c0d-dd76da1f02a5">Not started</Status>
+    <MediaServiceKeyPoints xmlns="71af3243-3dd4-4a8d-8c0d-dd76da1f02a5" xsi:nil="true"/>
+  </documentManagement>
+</p:properties>
+</file>
+
+<file path=customXml/item2.xml><?xml version="1.0" encoding="utf-8"?>
 <ct:contentTypeSchema xmlns:ct="http://schemas.microsoft.com/office/2006/metadata/contentType" xmlns:ma="http://schemas.microsoft.com/office/2006/metadata/properties/metaAttributes" ct:_="" ma:_="" ma:contentTypeName="Document" ma:contentTypeID="0x01010079F111ED35F8CC479449609E8A0923A6" ma:contentTypeVersion="12" ma:contentTypeDescription="Create a new document." ma:contentTypeScope="" ma:versionID="a410dd7f93c95333ffa1b60ed6adedd1">
   <xsd:schema xmlns:xsd="http://www.w3.org/2001/XMLSchema" xmlns:xs="http://www.w3.org/2001/XMLSchema" xmlns:p="http://schemas.microsoft.com/office/2006/metadata/properties" xmlns:ns2="71af3243-3dd4-4a8d-8c0d-dd76da1f02a5" xmlns:ns3="16c05727-aa75-4e4a-9b5f-8a80a1165891" targetNamespace="http://schemas.microsoft.com/office/2006/metadata/properties" ma:root="true" ma:fieldsID="a936d9baba76aa3866493feff160faab" ns2:_="" ns3:_="">
     <xsd:import namespace="71af3243-3dd4-4a8d-8c0d-dd76da1f02a5"/>
@@ -10308,15 +10409,6 @@
 </ct:contentTypeSchema>
 </file>
 
-<file path=customXml/item2.xml><?xml version="1.0" encoding="utf-8"?>
-<p:properties xmlns:p="http://schemas.microsoft.com/office/2006/metadata/properties" xmlns:xsi="http://www.w3.org/2001/XMLSchema-instance" xmlns:pc="http://schemas.microsoft.com/office/infopath/2007/PartnerControls">
-  <documentManagement>
-    <Status xmlns="71af3243-3dd4-4a8d-8c0d-dd76da1f02a5">Not started</Status>
-    <MediaServiceKeyPoints xmlns="71af3243-3dd4-4a8d-8c0d-dd76da1f02a5" xsi:nil="true"/>
-  </documentManagement>
-</p:properties>
-</file>
-
 <file path=customXml/item3.xml><?xml version="1.0" encoding="utf-8"?>
 <?mso-contentType ?>
 <FormTemplates xmlns="http://schemas.microsoft.com/sharepoint/v3/contenttype/forms">
@@ -10327,6 +10419,16 @@
 </file>
 
 <file path=customXml/itemProps1.xml><?xml version="1.0" encoding="utf-8"?>
+<ds:datastoreItem xmlns:ds="http://schemas.openxmlformats.org/officeDocument/2006/customXml" ds:itemID="{A03EEFF0-FB57-4CB4-8BFC-DF397689E2ED}">
+  <ds:schemaRefs>
+    <ds:schemaRef ds:uri="http://schemas.microsoft.com/office/2006/metadata/properties"/>
+    <ds:schemaRef ds:uri="http://schemas.microsoft.com/office/infopath/2007/PartnerControls"/>
+    <ds:schemaRef ds:uri="71af3243-3dd4-4a8d-8c0d-dd76da1f02a5"/>
+  </ds:schemaRefs>
+</ds:datastoreItem>
+</file>
+
+<file path=customXml/itemProps2.xml><?xml version="1.0" encoding="utf-8"?>
 <ds:datastoreItem xmlns:ds="http://schemas.openxmlformats.org/officeDocument/2006/customXml" ds:itemID="{93932EF5-314F-409E-8020-FEE5FA0795B9}">
   <ds:schemaRefs>
     <ds:schemaRef ds:uri="http://schemas.microsoft.com/office/2006/metadata/contentType"/>
@@ -10345,16 +10447,6 @@
 </ds:datastoreItem>
 </file>
 
-<file path=customXml/itemProps2.xml><?xml version="1.0" encoding="utf-8"?>
-<ds:datastoreItem xmlns:ds="http://schemas.openxmlformats.org/officeDocument/2006/customXml" ds:itemID="{A03EEFF0-FB57-4CB4-8BFC-DF397689E2ED}">
-  <ds:schemaRefs>
-    <ds:schemaRef ds:uri="http://schemas.microsoft.com/office/2006/metadata/properties"/>
-    <ds:schemaRef ds:uri="http://schemas.microsoft.com/office/infopath/2007/PartnerControls"/>
-    <ds:schemaRef ds:uri="71af3243-3dd4-4a8d-8c0d-dd76da1f02a5"/>
-  </ds:schemaRefs>
-</ds:datastoreItem>
-</file>
-
 <file path=customXml/itemProps3.xml><?xml version="1.0" encoding="utf-8"?>
 <ds:datastoreItem xmlns:ds="http://schemas.openxmlformats.org/officeDocument/2006/customXml" ds:itemID="{AA3F7EDC-E5B4-4BBC-9D2A-CBE6D46C37AD}">
   <ds:schemaRefs>
